--- a/FirstPresentation.pptx
+++ b/FirstPresentation.pptx
@@ -10,13 +10,13 @@
   <p:sldIdLst>
     <p:sldId id="259" r:id="rId2"/>
     <p:sldId id="257" r:id="rId3"/>
-    <p:sldId id="260" r:id="rId4"/>
-    <p:sldId id="265" r:id="rId5"/>
+    <p:sldId id="265" r:id="rId4"/>
+    <p:sldId id="260" r:id="rId5"/>
     <p:sldId id="266" r:id="rId6"/>
-    <p:sldId id="261" r:id="rId7"/>
+    <p:sldId id="269" r:id="rId7"/>
     <p:sldId id="264" r:id="rId8"/>
     <p:sldId id="267" r:id="rId9"/>
-    <p:sldId id="262" r:id="rId10"/>
+    <p:sldId id="268" r:id="rId10"/>
     <p:sldId id="263" r:id="rId11"/>
   </p:sldIdLst>
   <p:sldSz cx="9144000" cy="5143500" type="screen16x9"/>
@@ -231,7 +231,7 @@
           <a:p>
             <a:fld id="{3D100699-F170-47EF-8601-8ACFF448602A}" type="datetimeFigureOut">
               <a:rPr lang="de-DE" smtClean="0"/>
-              <a:t>02.11.2018</a:t>
+              <a:t>05.11.2018</a:t>
             </a:fld>
             <a:endParaRPr lang="de-DE"/>
           </a:p>
@@ -542,6 +542,38 @@
           <a:bodyPr/>
           <a:lstStyle/>
           <a:p>
+            <a:r>
+              <a:rPr lang="en-US" dirty="0"/>
+              <a:t>Use Knuckle as another input method for smartphones</a:t>
+            </a:r>
+          </a:p>
+          <a:p>
+            <a:r>
+              <a:rPr lang="en-US" dirty="0"/>
+              <a:t>Having a second input method is great e.g. can be used as “right-click”</a:t>
+            </a:r>
+          </a:p>
+          <a:p>
+            <a:r>
+              <a:rPr lang="en-US" dirty="0"/>
+              <a:t>Until now </a:t>
+            </a:r>
+            <a:r>
+              <a:rPr lang="en-US" dirty="0" err="1"/>
+              <a:t>mircophones</a:t>
+            </a:r>
+            <a:r>
+              <a:rPr lang="en-US" dirty="0"/>
+              <a:t> have been used to differentiate</a:t>
+            </a:r>
+          </a:p>
+          <a:p>
+            <a:endParaRPr lang="en-US" dirty="0"/>
+          </a:p>
+          <a:p>
+            <a:endParaRPr lang="en-US" dirty="0"/>
+          </a:p>
+          <a:p>
             <a:endParaRPr lang="de-DE" dirty="0"/>
           </a:p>
         </p:txBody>
@@ -572,7 +604,7 @@
     </p:spTree>
     <p:extLst>
       <p:ext uri="{BB962C8B-B14F-4D97-AF65-F5344CB8AC3E}">
-        <p14:creationId xmlns:p14="http://schemas.microsoft.com/office/powerpoint/2010/main" val="3676098027"/>
+        <p14:creationId xmlns:p14="http://schemas.microsoft.com/office/powerpoint/2010/main" val="543288066"/>
       </p:ext>
     </p:extLst>
   </p:cSld>
@@ -626,37 +658,6 @@
           <a:bodyPr/>
           <a:lstStyle/>
           <a:p>
-            <a:r>
-              <a:rPr lang="de-DE" u="sng" dirty="0">
-                <a:hlinkClick r:id="rId3"/>
-              </a:rPr>
-              <a:t>Robin: https://dl.acm.org/citation.cfm?id=2047279</a:t>
-            </a:r>
-            <a:r>
-              <a:rPr lang="de-DE" u="sng" dirty="0"/>
-              <a:t> </a:t>
-            </a:r>
-            <a:endParaRPr lang="de-DE" dirty="0"/>
-          </a:p>
-          <a:p>
-            <a:r>
-              <a:rPr lang="de-DE" u="sng" dirty="0">
-                <a:hlinkClick r:id="rId4"/>
-              </a:rPr>
-              <a:t>http://doi.acm.org/10.1145/2076354.2076364</a:t>
-            </a:r>
-            <a:endParaRPr lang="de-DE" dirty="0"/>
-          </a:p>
-          <a:p>
-            <a:r>
-              <a:rPr lang="de-DE" u="sng" dirty="0">
-                <a:hlinkClick r:id="rId5"/>
-              </a:rPr>
-              <a:t>http://doi.acm.org/10.1145/2935334.2935362</a:t>
-            </a:r>
-            <a:endParaRPr lang="de-DE" dirty="0"/>
-          </a:p>
-          <a:p>
             <a:endParaRPr lang="de-DE" dirty="0"/>
           </a:p>
         </p:txBody>
@@ -687,7 +688,7 @@
     </p:spTree>
     <p:extLst>
       <p:ext uri="{BB962C8B-B14F-4D97-AF65-F5344CB8AC3E}">
-        <p14:creationId xmlns:p14="http://schemas.microsoft.com/office/powerpoint/2010/main" val="1572575122"/>
+        <p14:creationId xmlns:p14="http://schemas.microsoft.com/office/powerpoint/2010/main" val="2574483474"/>
       </p:ext>
     </p:extLst>
   </p:cSld>
@@ -741,37 +742,6 @@
           <a:bodyPr/>
           <a:lstStyle/>
           <a:p>
-            <a:r>
-              <a:rPr lang="de-DE" u="sng" dirty="0">
-                <a:hlinkClick r:id="rId3"/>
-              </a:rPr>
-              <a:t>Robin: https://dl.acm.org/citation.cfm?id=2047279</a:t>
-            </a:r>
-            <a:r>
-              <a:rPr lang="de-DE" u="sng" dirty="0"/>
-              <a:t> </a:t>
-            </a:r>
-            <a:endParaRPr lang="de-DE" dirty="0"/>
-          </a:p>
-          <a:p>
-            <a:r>
-              <a:rPr lang="de-DE" u="sng" dirty="0">
-                <a:hlinkClick r:id="rId4"/>
-              </a:rPr>
-              <a:t>http://doi.acm.org/10.1145/2076354.2076364</a:t>
-            </a:r>
-            <a:endParaRPr lang="de-DE" dirty="0"/>
-          </a:p>
-          <a:p>
-            <a:r>
-              <a:rPr lang="de-DE" u="sng" dirty="0">
-                <a:hlinkClick r:id="rId5"/>
-              </a:rPr>
-              <a:t>http://doi.acm.org/10.1145/2935334.2935362</a:t>
-            </a:r>
-            <a:endParaRPr lang="de-DE" dirty="0"/>
-          </a:p>
-          <a:p>
             <a:endParaRPr lang="de-DE" dirty="0"/>
           </a:p>
         </p:txBody>
@@ -802,7 +772,7 @@
     </p:spTree>
     <p:extLst>
       <p:ext uri="{BB962C8B-B14F-4D97-AF65-F5344CB8AC3E}">
-        <p14:creationId xmlns:p14="http://schemas.microsoft.com/office/powerpoint/2010/main" val="3210665499"/>
+        <p14:creationId xmlns:p14="http://schemas.microsoft.com/office/powerpoint/2010/main" val="2227841720"/>
       </p:ext>
     </p:extLst>
   </p:cSld>
@@ -856,37 +826,6 @@
           <a:bodyPr/>
           <a:lstStyle/>
           <a:p>
-            <a:r>
-              <a:rPr lang="de-DE" u="sng" dirty="0">
-                <a:hlinkClick r:id="rId3"/>
-              </a:rPr>
-              <a:t>Robin: https://dl.acm.org/citation.cfm?id=2047279</a:t>
-            </a:r>
-            <a:r>
-              <a:rPr lang="de-DE" u="sng" dirty="0"/>
-              <a:t> </a:t>
-            </a:r>
-            <a:endParaRPr lang="de-DE" dirty="0"/>
-          </a:p>
-          <a:p>
-            <a:r>
-              <a:rPr lang="de-DE" u="sng" dirty="0">
-                <a:hlinkClick r:id="rId4"/>
-              </a:rPr>
-              <a:t>http://doi.acm.org/10.1145/2076354.2076364</a:t>
-            </a:r>
-            <a:endParaRPr lang="de-DE" dirty="0"/>
-          </a:p>
-          <a:p>
-            <a:r>
-              <a:rPr lang="de-DE" u="sng" dirty="0">
-                <a:hlinkClick r:id="rId5"/>
-              </a:rPr>
-              <a:t>http://doi.acm.org/10.1145/2935334.2935362</a:t>
-            </a:r>
-            <a:endParaRPr lang="de-DE" dirty="0"/>
-          </a:p>
-          <a:p>
             <a:endParaRPr lang="de-DE" dirty="0"/>
           </a:p>
         </p:txBody>
@@ -917,7 +856,224 @@
     </p:spTree>
     <p:extLst>
       <p:ext uri="{BB962C8B-B14F-4D97-AF65-F5344CB8AC3E}">
-        <p14:creationId xmlns:p14="http://schemas.microsoft.com/office/powerpoint/2010/main" val="1205352194"/>
+        <p14:creationId xmlns:p14="http://schemas.microsoft.com/office/powerpoint/2010/main" val="3037876660"/>
+      </p:ext>
+    </p:extLst>
+  </p:cSld>
+  <p:clrMapOvr>
+    <a:masterClrMapping/>
+  </p:clrMapOvr>
+</p:notes>
+</file>
+
+<file path=ppt/notesSlides/notesSlide5.xml><?xml version="1.0" encoding="utf-8"?>
+<p:notes xmlns:a="http://schemas.openxmlformats.org/drawingml/2006/main" xmlns:r="http://schemas.openxmlformats.org/officeDocument/2006/relationships" xmlns:p="http://schemas.openxmlformats.org/presentationml/2006/main">
+  <p:cSld>
+    <p:spTree>
+      <p:nvGrpSpPr>
+        <p:cNvPr id="1" name=""/>
+        <p:cNvGrpSpPr/>
+        <p:nvPr/>
+      </p:nvGrpSpPr>
+      <p:grpSpPr>
+        <a:xfrm>
+          <a:off x="0" y="0"/>
+          <a:ext cx="0" cy="0"/>
+          <a:chOff x="0" y="0"/>
+          <a:chExt cx="0" cy="0"/>
+        </a:xfrm>
+      </p:grpSpPr>
+      <p:sp>
+        <p:nvSpPr>
+          <p:cNvPr id="2" name="Folienbildplatzhalter 1"/>
+          <p:cNvSpPr>
+            <a:spLocks noGrp="1" noRot="1" noChangeAspect="1"/>
+          </p:cNvSpPr>
+          <p:nvPr>
+            <p:ph type="sldImg"/>
+          </p:nvPr>
+        </p:nvSpPr>
+        <p:spPr/>
+      </p:sp>
+      <p:sp>
+        <p:nvSpPr>
+          <p:cNvPr id="3" name="Notizenplatzhalter 2"/>
+          <p:cNvSpPr>
+            <a:spLocks noGrp="1"/>
+          </p:cNvSpPr>
+          <p:nvPr>
+            <p:ph type="body" idx="1"/>
+          </p:nvPr>
+        </p:nvSpPr>
+        <p:spPr/>
+        <p:txBody>
+          <a:bodyPr/>
+          <a:lstStyle/>
+          <a:p>
+            <a:r>
+              <a:rPr lang="de-DE" dirty="0" err="1"/>
+              <a:t>Randomized</a:t>
+            </a:r>
+            <a:r>
+              <a:rPr lang="de-DE" dirty="0"/>
+              <a:t> </a:t>
+            </a:r>
+            <a:r>
+              <a:rPr lang="de-DE" dirty="0" err="1"/>
+              <a:t>targets</a:t>
+            </a:r>
+            <a:endParaRPr lang="de-DE" dirty="0"/>
+          </a:p>
+          <a:p>
+            <a:r>
+              <a:rPr lang="de-DE" dirty="0"/>
+              <a:t>50 % Finger, 50 % </a:t>
+            </a:r>
+            <a:r>
+              <a:rPr lang="de-DE" dirty="0" err="1"/>
+              <a:t>Knuckle</a:t>
+            </a:r>
+            <a:endParaRPr lang="de-DE" dirty="0"/>
+          </a:p>
+          <a:p>
+            <a:r>
+              <a:rPr lang="de-DE" dirty="0"/>
+              <a:t>3 different input-</a:t>
+            </a:r>
+            <a:r>
+              <a:rPr lang="de-DE" dirty="0" err="1"/>
+              <a:t>methods</a:t>
+            </a:r>
+            <a:r>
+              <a:rPr lang="de-DE" dirty="0"/>
+              <a:t>:</a:t>
+            </a:r>
+          </a:p>
+          <a:p>
+            <a:pPr lvl="1"/>
+            <a:r>
+              <a:rPr lang="de-DE" dirty="0" err="1"/>
+              <a:t>Tap</a:t>
+            </a:r>
+            <a:endParaRPr lang="de-DE" dirty="0"/>
+          </a:p>
+          <a:p>
+            <a:pPr lvl="1"/>
+            <a:r>
+              <a:rPr lang="de-DE" dirty="0"/>
+              <a:t>Double-</a:t>
+            </a:r>
+            <a:r>
+              <a:rPr lang="de-DE" dirty="0" err="1"/>
+              <a:t>Tap</a:t>
+            </a:r>
+            <a:endParaRPr lang="de-DE" dirty="0"/>
+          </a:p>
+          <a:p>
+            <a:pPr lvl="1"/>
+            <a:r>
+              <a:rPr lang="de-DE" dirty="0"/>
+              <a:t>Long-Press</a:t>
+            </a:r>
+          </a:p>
+          <a:p>
+            <a:r>
+              <a:rPr lang="de-DE" dirty="0" err="1"/>
+              <a:t>Collected</a:t>
+            </a:r>
+            <a:r>
+              <a:rPr lang="de-DE" dirty="0"/>
+              <a:t> </a:t>
+            </a:r>
+            <a:r>
+              <a:rPr lang="de-DE" dirty="0" err="1"/>
+              <a:t>data</a:t>
+            </a:r>
+            <a:r>
+              <a:rPr lang="de-DE" dirty="0"/>
+              <a:t>: </a:t>
+            </a:r>
+            <a:r>
+              <a:rPr lang="de-DE" dirty="0" err="1"/>
+              <a:t>Capacitive</a:t>
+            </a:r>
+            <a:r>
+              <a:rPr lang="de-DE" dirty="0"/>
+              <a:t> </a:t>
+            </a:r>
+            <a:r>
+              <a:rPr lang="de-DE" dirty="0" err="1"/>
+              <a:t>image</a:t>
+            </a:r>
+            <a:r>
+              <a:rPr lang="de-DE" dirty="0"/>
+              <a:t>, </a:t>
+            </a:r>
+            <a:r>
+              <a:rPr lang="de-DE" dirty="0" err="1"/>
+              <a:t>UserID</a:t>
+            </a:r>
+            <a:r>
+              <a:rPr lang="de-DE" dirty="0"/>
+              <a:t>, </a:t>
+            </a:r>
+            <a:r>
+              <a:rPr lang="de-DE" dirty="0" err="1"/>
+              <a:t>Condition</a:t>
+            </a:r>
+            <a:r>
+              <a:rPr lang="de-DE" dirty="0"/>
+              <a:t>, UNIX-</a:t>
+            </a:r>
+            <a:r>
+              <a:rPr lang="de-DE" dirty="0" err="1"/>
+              <a:t>Timestamp</a:t>
+            </a:r>
+            <a:r>
+              <a:rPr lang="de-DE" dirty="0"/>
+              <a:t>, </a:t>
+            </a:r>
+            <a:r>
+              <a:rPr lang="de-DE" dirty="0" err="1"/>
+              <a:t>TargetID</a:t>
+            </a:r>
+            <a:r>
+              <a:rPr lang="de-DE" dirty="0"/>
+              <a:t>, Position</a:t>
+            </a:r>
+          </a:p>
+          <a:p>
+            <a:endParaRPr lang="de-DE" dirty="0"/>
+          </a:p>
+        </p:txBody>
+      </p:sp>
+      <p:sp>
+        <p:nvSpPr>
+          <p:cNvPr id="4" name="Foliennummernplatzhalter 3"/>
+          <p:cNvSpPr>
+            <a:spLocks noGrp="1"/>
+          </p:cNvSpPr>
+          <p:nvPr>
+            <p:ph type="sldNum" sz="quarter" idx="5"/>
+          </p:nvPr>
+        </p:nvSpPr>
+        <p:spPr/>
+        <p:txBody>
+          <a:bodyPr/>
+          <a:lstStyle/>
+          <a:p>
+            <a:fld id="{6F4F2A7C-E896-4C15-99D8-2B5BC94A4F36}" type="slidenum">
+              <a:rPr lang="de-DE" smtClean="0"/>
+              <a:t>6</a:t>
+            </a:fld>
+            <a:endParaRPr lang="de-DE"/>
+          </a:p>
+        </p:txBody>
+      </p:sp>
+    </p:spTree>
+    <p:extLst>
+      <p:ext uri="{BB962C8B-B14F-4D97-AF65-F5344CB8AC3E}">
+        <p14:creationId xmlns:p14="http://schemas.microsoft.com/office/powerpoint/2010/main" val="1511190877"/>
       </p:ext>
     </p:extLst>
   </p:cSld>
@@ -3016,7 +3172,7 @@
                   </a:schemeClr>
                 </a:solidFill>
               </a:rPr>
-              <a:t>: Machine Learning and Computer Vision for HCI|  Stuttgart  |  07.11.2018</a:t>
+              <a:t>: Machine Learning and Computer Vision for HCI | Stuttgart | 07.11.2018</a:t>
             </a:r>
             <a:endParaRPr lang="en-US" sz="1600" dirty="0">
               <a:solidFill>
@@ -3119,8 +3275,26 @@
           <a:lstStyle/>
           <a:p>
             <a:r>
-              <a:rPr lang="de-DE" dirty="0" err="1"/>
-              <a:t>Completely</a:t>
+              <a:rPr lang="de-DE" dirty="0"/>
+              <a:t>CNN </a:t>
+            </a:r>
+            <a:r>
+              <a:rPr lang="de-DE" dirty="0" err="1"/>
+              <a:t>or</a:t>
+            </a:r>
+            <a:r>
+              <a:rPr lang="de-DE" dirty="0"/>
+              <a:t> SVM?</a:t>
+            </a:r>
+          </a:p>
+          <a:p>
+            <a:r>
+              <a:rPr lang="de-DE" dirty="0"/>
+              <a:t>Order </a:t>
+            </a:r>
+            <a:r>
+              <a:rPr lang="de-DE" dirty="0" err="1"/>
+              <a:t>of</a:t>
             </a:r>
             <a:r>
               <a:rPr lang="de-DE" dirty="0"/>
@@ -3128,6 +3302,22 @@
             </a:r>
             <a:r>
               <a:rPr lang="de-DE" dirty="0" err="1"/>
+              <a:t>input</a:t>
+            </a:r>
+            <a:r>
+              <a:rPr lang="de-DE" dirty="0"/>
+              <a:t> </a:t>
+            </a:r>
+            <a:r>
+              <a:rPr lang="de-DE" dirty="0" err="1"/>
+              <a:t>positions</a:t>
+            </a:r>
+            <a:r>
+              <a:rPr lang="de-DE" dirty="0"/>
+              <a:t> </a:t>
+            </a:r>
+            <a:r>
+              <a:rPr lang="de-DE" dirty="0" err="1"/>
               <a:t>randomized</a:t>
             </a:r>
             <a:r>
@@ -3136,7 +3326,7 @@
             </a:r>
             <a:r>
               <a:rPr lang="de-DE" dirty="0" err="1"/>
-              <a:t>order</a:t>
+              <a:t>or</a:t>
             </a:r>
             <a:r>
               <a:rPr lang="de-DE" dirty="0"/>
@@ -3144,6 +3334,33 @@
             </a:r>
             <a:r>
               <a:rPr lang="de-DE" dirty="0" err="1"/>
+              <a:t>with</a:t>
+            </a:r>
+            <a:r>
+              <a:rPr lang="de-DE" dirty="0"/>
+              <a:t> </a:t>
+            </a:r>
+            <a:r>
+              <a:rPr lang="de-DE" dirty="0" err="1"/>
+              <a:t>conditions</a:t>
+            </a:r>
+            <a:r>
+              <a:rPr lang="de-DE" dirty="0"/>
+              <a:t> &amp; </a:t>
+            </a:r>
+            <a:r>
+              <a:rPr lang="de-DE" dirty="0" err="1"/>
+              <a:t>Latin-squared</a:t>
+            </a:r>
+            <a:endParaRPr lang="de-DE" dirty="0"/>
+          </a:p>
+          <a:p>
+            <a:r>
+              <a:rPr lang="de-DE" dirty="0"/>
+              <a:t>Index </a:t>
+            </a:r>
+            <a:r>
+              <a:rPr lang="de-DE" dirty="0" err="1"/>
               <a:t>or</a:t>
             </a:r>
             <a:r>
@@ -3152,65 +3369,83 @@
             </a:r>
             <a:r>
               <a:rPr lang="de-DE" dirty="0" err="1"/>
-              <a:t>conditions</a:t>
-            </a:r>
-            <a:r>
-              <a:rPr lang="de-DE" dirty="0"/>
-              <a:t> &amp; </a:t>
-            </a:r>
-            <a:r>
-              <a:rPr lang="de-DE" dirty="0" err="1"/>
-              <a:t>Latin-squared</a:t>
-            </a:r>
+              <a:t>Middlefinger</a:t>
+            </a:r>
+            <a:r>
+              <a:rPr lang="de-DE" dirty="0"/>
+              <a:t>?</a:t>
+            </a:r>
+          </a:p>
+          <a:p>
+            <a:r>
+              <a:rPr lang="de-DE" dirty="0" err="1"/>
+              <a:t>Only</a:t>
+            </a:r>
+            <a:r>
+              <a:rPr lang="de-DE" dirty="0"/>
+              <a:t> </a:t>
+            </a:r>
+            <a:r>
+              <a:rPr lang="de-DE" dirty="0" err="1"/>
+              <a:t>tapping</a:t>
+            </a:r>
+            <a:r>
+              <a:rPr lang="de-DE" dirty="0"/>
+              <a:t>, </a:t>
+            </a:r>
+            <a:r>
+              <a:rPr lang="de-DE" dirty="0" err="1"/>
+              <a:t>or</a:t>
+            </a:r>
+            <a:r>
+              <a:rPr lang="de-DE" dirty="0"/>
+              <a:t> </a:t>
+            </a:r>
+            <a:r>
+              <a:rPr lang="de-DE" dirty="0" err="1"/>
+              <a:t>swiping</a:t>
+            </a:r>
+            <a:r>
+              <a:rPr lang="de-DE" dirty="0"/>
+              <a:t> </a:t>
+            </a:r>
+            <a:r>
+              <a:rPr lang="de-DE" dirty="0" err="1"/>
+              <a:t>aswell</a:t>
+            </a:r>
+            <a:r>
+              <a:rPr lang="de-DE" dirty="0"/>
+              <a:t>?</a:t>
+            </a:r>
+          </a:p>
+          <a:p>
+            <a:r>
+              <a:rPr lang="de-DE" dirty="0" err="1"/>
+              <a:t>One-handed</a:t>
+            </a:r>
+            <a:r>
+              <a:rPr lang="de-DE" dirty="0"/>
+              <a:t> </a:t>
+            </a:r>
+            <a:r>
+              <a:rPr lang="de-DE" dirty="0" err="1"/>
+              <a:t>interaction</a:t>
+            </a:r>
+            <a:r>
+              <a:rPr lang="de-DE" dirty="0"/>
+              <a:t> (</a:t>
+            </a:r>
+            <a:r>
+              <a:rPr lang="de-DE" dirty="0" err="1"/>
+              <a:t>thump-knuckle</a:t>
+            </a:r>
+            <a:r>
+              <a:rPr lang="de-DE" dirty="0"/>
+              <a:t>)</a:t>
+            </a:r>
+          </a:p>
+          <a:p>
             <a:endParaRPr lang="de-DE" dirty="0"/>
-          </a:p>
-          <a:p>
-            <a:r>
-              <a:rPr lang="de-DE" dirty="0" err="1"/>
-              <a:t>One-handed</a:t>
-            </a:r>
-            <a:r>
-              <a:rPr lang="de-DE" dirty="0"/>
-              <a:t> </a:t>
-            </a:r>
-            <a:r>
-              <a:rPr lang="de-DE" dirty="0" err="1"/>
-              <a:t>interaction</a:t>
-            </a:r>
-            <a:r>
-              <a:rPr lang="de-DE" dirty="0"/>
-              <a:t> (</a:t>
-            </a:r>
-            <a:r>
-              <a:rPr lang="de-DE" dirty="0" err="1"/>
-              <a:t>thump-knuckle</a:t>
-            </a:r>
-            <a:r>
-              <a:rPr lang="de-DE" dirty="0"/>
-              <a:t>)</a:t>
-            </a:r>
-          </a:p>
-          <a:p>
-            <a:r>
-              <a:rPr lang="de-DE" dirty="0"/>
-              <a:t>Index </a:t>
-            </a:r>
-            <a:r>
-              <a:rPr lang="de-DE" dirty="0" err="1"/>
-              <a:t>or</a:t>
-            </a:r>
-            <a:r>
-              <a:rPr lang="de-DE" dirty="0"/>
-              <a:t> </a:t>
-            </a:r>
-            <a:r>
-              <a:rPr lang="de-DE" dirty="0" err="1"/>
-              <a:t>Middlefinger</a:t>
-            </a:r>
-            <a:r>
-              <a:rPr lang="de-DE" dirty="0"/>
-              <a:t>?</a:t>
-            </a:r>
           </a:p>
           <a:p>
             <a:endParaRPr lang="de-DE" dirty="0"/>
@@ -3310,6 +3545,42 @@
           <a:chExt cx="0" cy="0"/>
         </a:xfrm>
       </p:grpSpPr>
+      <p:pic>
+        <p:nvPicPr>
+          <p:cNvPr id="6" name="Grafik 5">
+            <a:extLst>
+              <a:ext uri="{FF2B5EF4-FFF2-40B4-BE49-F238E27FC236}">
+                <a16:creationId xmlns:a16="http://schemas.microsoft.com/office/drawing/2014/main" id="{899F8B03-0AD5-4783-8207-0B61C95AF5BA}"/>
+              </a:ext>
+            </a:extLst>
+          </p:cNvPr>
+          <p:cNvPicPr>
+            <a:picLocks noChangeAspect="1"/>
+          </p:cNvPicPr>
+          <p:nvPr/>
+        </p:nvPicPr>
+        <p:blipFill>
+          <a:blip r:embed="rId3">
+            <a:extLst>
+              <a:ext uri="{28A0092B-C50C-407E-A947-70E740481C1C}">
+                <a14:useLocalDpi xmlns:a14="http://schemas.microsoft.com/office/drawing/2010/main" val="0"/>
+              </a:ext>
+            </a:extLst>
+          </a:blip>
+          <a:stretch>
+            <a:fillRect/>
+          </a:stretch>
+        </p:blipFill>
+        <p:spPr>
+          <a:xfrm>
+            <a:off x="3843905" y="1806372"/>
+            <a:ext cx="5300095" cy="2887926"/>
+          </a:xfrm>
+          <a:prstGeom prst="rect">
+            <a:avLst/>
+          </a:prstGeom>
+        </p:spPr>
+      </p:pic>
       <p:sp>
         <p:nvSpPr>
           <p:cNvPr id="2" name="Content Placeholder 1"/>
@@ -3320,34 +3591,31 @@
             <p:ph idx="1"/>
           </p:nvPr>
         </p:nvSpPr>
-        <p:spPr/>
+        <p:spPr>
+          <a:xfrm>
+            <a:off x="251520" y="1202574"/>
+            <a:ext cx="3960440" cy="3400026"/>
+          </a:xfrm>
+        </p:spPr>
         <p:txBody>
           <a:bodyPr/>
           <a:lstStyle/>
           <a:p>
             <a:r>
               <a:rPr lang="en-US" dirty="0"/>
-              <a:t>Use Knuckle as another input method for smartphones</a:t>
+              <a:t>Another input method for smartphones</a:t>
             </a:r>
           </a:p>
           <a:p>
             <a:r>
               <a:rPr lang="en-US" dirty="0"/>
-              <a:t>Having a second input method is great e.g. can be used as “right-click”</a:t>
+              <a:t>“Right-click”</a:t>
             </a:r>
           </a:p>
           <a:p>
             <a:r>
               <a:rPr lang="en-US" dirty="0"/>
-              <a:t>Until now </a:t>
-            </a:r>
-            <a:r>
-              <a:rPr lang="en-US" dirty="0" err="1"/>
-              <a:t>mircophones</a:t>
-            </a:r>
-            <a:r>
-              <a:rPr lang="en-US" dirty="0"/>
-              <a:t> have been used to differentiate</a:t>
+              <a:t>Until now, microphones as differentiation tool</a:t>
             </a:r>
           </a:p>
           <a:p>
@@ -3455,14 +3723,184 @@
           <a:lstStyle/>
           <a:p>
             <a:r>
-              <a:rPr lang="de-DE" dirty="0">
-                <a:hlinkClick r:id="rId3"/>
-              </a:rPr>
-              <a:t>http://delivery.acm.org/10.1145/2080000/2076364/p53-lopes.pdf?ip=141.58.63.6&amp;id=2076364&amp;acc=ACTIVE%20SERVICE&amp;key=2BA2C432AB83DA15%2EB24C68F3238D7605%2E4D4702B0C3E38B35%2E4D4702B0C3E38B35&amp;__acm__=1541164148_f9593dc613ea1758d788650897573c8a</a:t>
+              <a:rPr lang="de-DE" dirty="0" err="1"/>
+              <a:t>TapSense</a:t>
+            </a:r>
+            <a:r>
+              <a:rPr lang="de-DE" dirty="0"/>
+              <a:t>: </a:t>
+            </a:r>
+            <a:r>
+              <a:rPr lang="de-DE" dirty="0" err="1"/>
+              <a:t>Enhancing</a:t>
+            </a:r>
+            <a:r>
+              <a:rPr lang="de-DE" dirty="0"/>
+              <a:t> </a:t>
+            </a:r>
+            <a:r>
+              <a:rPr lang="de-DE" dirty="0" err="1"/>
+              <a:t>finger</a:t>
+            </a:r>
+            <a:r>
+              <a:rPr lang="de-DE" dirty="0"/>
+              <a:t> </a:t>
+            </a:r>
+            <a:r>
+              <a:rPr lang="de-DE" dirty="0" err="1"/>
+              <a:t>interaction</a:t>
+            </a:r>
+            <a:r>
+              <a:rPr lang="de-DE" dirty="0"/>
+              <a:t> on </a:t>
+            </a:r>
+            <a:r>
+              <a:rPr lang="de-DE" dirty="0" err="1"/>
+              <a:t>touch</a:t>
+            </a:r>
+            <a:r>
+              <a:rPr lang="de-DE" dirty="0"/>
+              <a:t> </a:t>
+            </a:r>
+            <a:r>
+              <a:rPr lang="de-DE" dirty="0" err="1"/>
+              <a:t>surfaces</a:t>
             </a:r>
             <a:endParaRPr lang="de-DE" dirty="0"/>
           </a:p>
           <a:p>
+            <a:r>
+              <a:rPr lang="de-DE" dirty="0" err="1"/>
+              <a:t>Identify</a:t>
+            </a:r>
+            <a:r>
+              <a:rPr lang="de-DE" dirty="0"/>
+              <a:t> type </a:t>
+            </a:r>
+            <a:r>
+              <a:rPr lang="de-DE" dirty="0" err="1"/>
+              <a:t>of</a:t>
+            </a:r>
+            <a:r>
+              <a:rPr lang="de-DE" dirty="0"/>
+              <a:t> </a:t>
+            </a:r>
+            <a:r>
+              <a:rPr lang="de-DE" dirty="0" err="1"/>
+              <a:t>object</a:t>
+            </a:r>
+            <a:r>
+              <a:rPr lang="de-DE" dirty="0"/>
+              <a:t> </a:t>
+            </a:r>
+            <a:r>
+              <a:rPr lang="de-DE" dirty="0" err="1"/>
+              <a:t>used</a:t>
+            </a:r>
+            <a:r>
+              <a:rPr lang="de-DE" dirty="0"/>
+              <a:t> </a:t>
+            </a:r>
+            <a:r>
+              <a:rPr lang="de-DE" dirty="0" err="1"/>
+              <a:t>for</a:t>
+            </a:r>
+            <a:r>
+              <a:rPr lang="de-DE" dirty="0"/>
+              <a:t> </a:t>
+            </a:r>
+            <a:r>
+              <a:rPr lang="de-DE" dirty="0" err="1"/>
+              <a:t>input</a:t>
+            </a:r>
+            <a:endParaRPr lang="de-DE" dirty="0"/>
+          </a:p>
+          <a:p>
+            <a:r>
+              <a:rPr lang="de-DE" dirty="0"/>
+              <a:t>Six different </a:t>
+            </a:r>
+            <a:r>
+              <a:rPr lang="de-DE" dirty="0" err="1"/>
+              <a:t>tools</a:t>
+            </a:r>
+            <a:r>
+              <a:rPr lang="de-DE" dirty="0"/>
+              <a:t> + </a:t>
+            </a:r>
+            <a:r>
+              <a:rPr lang="de-DE" dirty="0" err="1"/>
+              <a:t>finger</a:t>
+            </a:r>
+            <a:r>
+              <a:rPr lang="de-DE" dirty="0"/>
+              <a:t> </a:t>
+            </a:r>
+            <a:r>
+              <a:rPr lang="de-DE" dirty="0" err="1"/>
+              <a:t>input</a:t>
+            </a:r>
+            <a:endParaRPr lang="de-DE" dirty="0"/>
+          </a:p>
+          <a:p>
+            <a:r>
+              <a:rPr lang="de-DE" dirty="0"/>
+              <a:t>Sound-</a:t>
+            </a:r>
+            <a:r>
+              <a:rPr lang="de-DE" dirty="0" err="1"/>
+              <a:t>based</a:t>
+            </a:r>
+            <a:endParaRPr lang="de-DE" dirty="0"/>
+          </a:p>
+          <a:p>
+            <a:r>
+              <a:rPr lang="de-DE" dirty="0"/>
+              <a:t>Support Vector </a:t>
+            </a:r>
+            <a:r>
+              <a:rPr lang="de-DE" dirty="0" err="1"/>
+              <a:t>Machine</a:t>
+            </a:r>
+            <a:r>
+              <a:rPr lang="de-DE" dirty="0"/>
+              <a:t>:</a:t>
+            </a:r>
+          </a:p>
+          <a:p>
+            <a:pPr lvl="1"/>
+            <a:r>
+              <a:rPr lang="de-DE" dirty="0"/>
+              <a:t>95% </a:t>
+            </a:r>
+            <a:r>
+              <a:rPr lang="de-DE" dirty="0" err="1"/>
+              <a:t>accuracy</a:t>
+            </a:r>
+            <a:endParaRPr lang="de-DE" dirty="0"/>
+          </a:p>
+          <a:p>
+            <a:pPr lvl="1"/>
+            <a:r>
+              <a:rPr lang="de-DE" dirty="0"/>
+              <a:t>99% </a:t>
+            </a:r>
+            <a:r>
+              <a:rPr lang="de-DE" dirty="0" err="1"/>
+              <a:t>accuracy</a:t>
+            </a:r>
+            <a:r>
+              <a:rPr lang="de-DE" dirty="0"/>
+              <a:t> (</a:t>
+            </a:r>
+            <a:r>
+              <a:rPr lang="de-DE" dirty="0" err="1"/>
+              <a:t>pairs</a:t>
+            </a:r>
+            <a:r>
+              <a:rPr lang="de-DE" dirty="0"/>
+              <a:t>)</a:t>
+            </a:r>
             <a:br>
               <a:rPr lang="de-DE" dirty="0"/>
             </a:br>
@@ -3529,11 +3967,11 @@
             </a:r>
             <a:r>
               <a:rPr lang="de-DE" dirty="0"/>
-              <a:t> </a:t>
-            </a:r>
-            <a:r>
-              <a:rPr lang="de-DE" dirty="0" err="1"/>
-              <a:t>Work:Robin</a:t>
+              <a:t> Work: </a:t>
+            </a:r>
+            <a:r>
+              <a:rPr lang="de-DE" dirty="0" err="1"/>
+              <a:t>TapSense</a:t>
             </a:r>
             <a:r>
               <a:rPr lang="de-DE" dirty="0"/>
@@ -3545,7 +3983,7 @@
     </p:spTree>
     <p:extLst>
       <p:ext uri="{BB962C8B-B14F-4D97-AF65-F5344CB8AC3E}">
-        <p14:creationId xmlns:p14="http://schemas.microsoft.com/office/powerpoint/2010/main" val="3244807892"/>
+        <p14:creationId xmlns:p14="http://schemas.microsoft.com/office/powerpoint/2010/main" val="833610356"/>
       </p:ext>
     </p:extLst>
   </p:cSld>
@@ -3594,21 +4032,54 @@
           <a:lstStyle/>
           <a:p>
             <a:r>
-              <a:rPr lang="de-DE" dirty="0">
-                <a:hlinkClick r:id="rId3"/>
-              </a:rPr>
-              <a:t>http://delivery.acm.org/10.1145/2050000/2047279/p627-harrison.pdf?ip=141.58.63.6&amp;id=2047279&amp;acc=ACTIVE%20SERVICE&amp;key=2BA2C432AB83DA15%2EB24C68F3238D7605%2E4D4702B0C3E38B35%2E4D4702B0C3E38B35&amp;__acm__=1541164156_6cba7c46e5f7a071776e4ccf3cb5b031</a:t>
-            </a:r>
-            <a:endParaRPr lang="de-DE" dirty="0"/>
-          </a:p>
-          <a:p>
-            <a:br>
-              <a:rPr lang="de-DE" dirty="0"/>
-            </a:br>
-            <a:endParaRPr lang="de-DE" dirty="0"/>
-          </a:p>
-          <a:p>
-            <a:endParaRPr lang="de-DE" dirty="0"/>
+              <a:rPr lang="en-GB" dirty="0"/>
+              <a:t>Distinguishing between input methods is not possible when only based on touch image</a:t>
+            </a:r>
+          </a:p>
+          <a:p>
+            <a:pPr lvl="1"/>
+            <a:r>
+              <a:rPr lang="en-GB" dirty="0"/>
+              <a:t>Therefore sound is used in addition</a:t>
+            </a:r>
+          </a:p>
+          <a:p>
+            <a:pPr lvl="1"/>
+            <a:r>
+              <a:rPr lang="en-GB" dirty="0"/>
+              <a:t>Different inputs result in different sounds</a:t>
+            </a:r>
+          </a:p>
+          <a:p>
+            <a:pPr lvl="1"/>
+            <a:r>
+              <a:rPr lang="en-GB" dirty="0"/>
+              <a:t>Capture both peaks and frequencies</a:t>
+            </a:r>
+          </a:p>
+          <a:p>
+            <a:r>
+              <a:rPr lang="en-GB" dirty="0"/>
+              <a:t>Problems</a:t>
+            </a:r>
+          </a:p>
+          <a:p>
+            <a:pPr lvl="1"/>
+            <a:r>
+              <a:rPr lang="en-GB" dirty="0"/>
+              <a:t>Noisy environments: bad inputs</a:t>
+            </a:r>
+          </a:p>
+          <a:p>
+            <a:pPr lvl="1"/>
+            <a:r>
+              <a:rPr lang="en-GB" dirty="0"/>
+              <a:t>No data about accuracy</a:t>
+            </a:r>
+          </a:p>
+          <a:p>
+            <a:pPr lvl="1"/>
+            <a:endParaRPr lang="en-GB" dirty="0"/>
           </a:p>
         </p:txBody>
       </p:sp>
@@ -3668,7 +4139,15 @@
             </a:r>
             <a:r>
               <a:rPr lang="de-DE" dirty="0"/>
-              <a:t> Work: Simon	</a:t>
+              <a:t> Work: </a:t>
+            </a:r>
+            <a:r>
+              <a:rPr lang="en-GB" dirty="0"/>
+              <a:t>Augmenting Touch Interaction Through Acoustic Sensing </a:t>
+            </a:r>
+            <a:r>
+              <a:rPr lang="de-DE" dirty="0"/>
+              <a:t>	</a:t>
             </a:r>
           </a:p>
         </p:txBody>
@@ -3676,7 +4155,7 @@
     </p:spTree>
     <p:extLst>
       <p:ext uri="{BB962C8B-B14F-4D97-AF65-F5344CB8AC3E}">
-        <p14:creationId xmlns:p14="http://schemas.microsoft.com/office/powerpoint/2010/main" val="833610356"/>
+        <p14:creationId xmlns:p14="http://schemas.microsoft.com/office/powerpoint/2010/main" val="3244807892"/>
       </p:ext>
     </p:extLst>
   </p:cSld>
@@ -3721,25 +4200,124 @@
         </p:nvSpPr>
         <p:spPr/>
         <p:txBody>
-          <a:bodyPr/>
+          <a:bodyPr>
+            <a:normAutofit/>
+          </a:bodyPr>
           <a:lstStyle/>
           <a:p>
             <a:r>
-              <a:rPr lang="de-DE" dirty="0">
-                <a:hlinkClick r:id="rId3"/>
-              </a:rPr>
-              <a:t>http://delivery.acm.org/10.1145/2940000/2935362/p1-hsiu.pdf?ip=141.58.63.6&amp;id=2935362&amp;acc=ACTIVE%20SERVICE&amp;key=2BA2C432AB83DA15%2EB24C68F3238D7605%2E4D4702B0C3E38B35%2E4D4702B0C3E38B35&amp;__acm__=1541163329_28e1688c9cf93543549cc748ab20a051</a:t>
+              <a:rPr lang="de-DE" dirty="0"/>
+              <a:t>Different </a:t>
+            </a:r>
+            <a:r>
+              <a:rPr lang="de-DE" dirty="0" err="1"/>
+              <a:t>levels</a:t>
+            </a:r>
+            <a:r>
+              <a:rPr lang="de-DE" dirty="0"/>
+              <a:t> </a:t>
+            </a:r>
+            <a:r>
+              <a:rPr lang="de-DE" dirty="0" err="1"/>
+              <a:t>of</a:t>
+            </a:r>
+            <a:r>
+              <a:rPr lang="de-DE" dirty="0"/>
+              <a:t> </a:t>
+            </a:r>
+            <a:r>
+              <a:rPr lang="de-DE" dirty="0" err="1"/>
+              <a:t>applied</a:t>
+            </a:r>
+            <a:r>
+              <a:rPr lang="de-DE" dirty="0"/>
+              <a:t> finger-</a:t>
+            </a:r>
+            <a:r>
+              <a:rPr lang="de-DE" dirty="0" err="1"/>
+              <a:t>force</a:t>
+            </a:r>
+            <a:r>
+              <a:rPr lang="de-DE" dirty="0"/>
+              <a:t> </a:t>
+            </a:r>
+            <a:r>
+              <a:rPr lang="de-DE" dirty="0" err="1"/>
+              <a:t>can</a:t>
+            </a:r>
+            <a:r>
+              <a:rPr lang="de-DE" dirty="0"/>
+              <a:t> </a:t>
+            </a:r>
+            <a:r>
+              <a:rPr lang="de-DE" dirty="0" err="1"/>
+              <a:t>be</a:t>
+            </a:r>
+            <a:r>
+              <a:rPr lang="de-DE" dirty="0"/>
+              <a:t> </a:t>
+            </a:r>
+            <a:r>
+              <a:rPr lang="de-DE" dirty="0" err="1"/>
+              <a:t>detected</a:t>
             </a:r>
             <a:endParaRPr lang="de-DE" dirty="0"/>
           </a:p>
           <a:p>
-            <a:br>
-              <a:rPr lang="de-DE" dirty="0"/>
-            </a:br>
-            <a:endParaRPr lang="de-DE" dirty="0"/>
-          </a:p>
-          <a:p>
-            <a:endParaRPr lang="de-DE" dirty="0"/>
+            <a:r>
+              <a:rPr lang="en-US" dirty="0"/>
+              <a:t>3x3 grid of strain sensors, worn on the fingernail</a:t>
+            </a:r>
+          </a:p>
+          <a:p>
+            <a:pPr lvl="1"/>
+            <a:r>
+              <a:rPr lang="en-US" dirty="0"/>
+              <a:t>When force is applied, electrical resistance changes</a:t>
+            </a:r>
+          </a:p>
+          <a:p>
+            <a:pPr lvl="1"/>
+            <a:r>
+              <a:rPr lang="en-US" dirty="0"/>
+              <a:t>Connected with </a:t>
+            </a:r>
+            <a:r>
+              <a:rPr lang="en-US" dirty="0" err="1"/>
+              <a:t>arduino</a:t>
+            </a:r>
+            <a:endParaRPr lang="en-US" dirty="0"/>
+          </a:p>
+          <a:p>
+            <a:pPr lvl="1"/>
+            <a:r>
+              <a:rPr lang="en-US" dirty="0"/>
+              <a:t>Prototype reaches 84,67% accuracy</a:t>
+            </a:r>
+          </a:p>
+          <a:p>
+            <a:pPr lvl="1"/>
+            <a:r>
+              <a:rPr lang="en-US" dirty="0"/>
+              <a:t>Needs to be calibrated before each use</a:t>
+            </a:r>
+          </a:p>
+          <a:p>
+            <a:r>
+              <a:rPr lang="en-US" dirty="0"/>
+              <a:t>Study with 10 gestures (swiping, force-applied touch)</a:t>
+            </a:r>
+          </a:p>
+          <a:p>
+            <a:pPr lvl="1"/>
+            <a:r>
+              <a:rPr lang="en-US" dirty="0"/>
+              <a:t>Tapping easier distinguishable than swiping</a:t>
+            </a:r>
+          </a:p>
+          <a:p>
+            <a:pPr lvl="1"/>
+            <a:endParaRPr lang="en-US" dirty="0"/>
           </a:p>
         </p:txBody>
       </p:sp>
@@ -3799,7 +4377,7 @@
             </a:r>
             <a:r>
               <a:rPr lang="de-DE" dirty="0"/>
-              <a:t> Work: Jan	</a:t>
+              <a:t> Work: Nail+	</a:t>
             </a:r>
           </a:p>
         </p:txBody>
@@ -3839,7 +4417,7 @@
           <p:cNvPr id="2" name="Inhaltsplatzhalter 1">
             <a:extLst>
               <a:ext uri="{FF2B5EF4-FFF2-40B4-BE49-F238E27FC236}">
-                <a16:creationId xmlns:a16="http://schemas.microsoft.com/office/drawing/2014/main" id="{956ED5D2-8E5F-4E90-BE26-91113C7F6158}"/>
+                <a16:creationId xmlns:a16="http://schemas.microsoft.com/office/drawing/2014/main" id="{88500AB4-5597-4578-9B71-BF9A3A0B0B3D}"/>
               </a:ext>
             </a:extLst>
           </p:cNvPr>
@@ -3850,141 +4428,95 @@
             <p:ph idx="1"/>
           </p:nvPr>
         </p:nvSpPr>
-        <p:spPr/>
+        <p:spPr>
+          <a:xfrm>
+            <a:off x="251519" y="1202574"/>
+            <a:ext cx="3299637" cy="3400026"/>
+          </a:xfrm>
+        </p:spPr>
         <p:txBody>
           <a:bodyPr/>
           <a:lstStyle/>
           <a:p>
             <a:r>
+              <a:rPr lang="de-DE" dirty="0"/>
+              <a:t>Input </a:t>
+            </a:r>
+            <a:r>
+              <a:rPr lang="de-DE" dirty="0" err="1"/>
+              <a:t>method</a:t>
+            </a:r>
+            <a:r>
+              <a:rPr lang="de-DE" dirty="0"/>
+              <a:t> </a:t>
+            </a:r>
+          </a:p>
+          <a:p>
+            <a:pPr lvl="1"/>
+            <a:r>
+              <a:rPr lang="de-DE" dirty="0"/>
+              <a:t>Finger	</a:t>
+            </a:r>
+          </a:p>
+          <a:p>
+            <a:pPr lvl="1"/>
+            <a:r>
+              <a:rPr lang="de-DE" dirty="0" err="1"/>
+              <a:t>Knuckle</a:t>
+            </a:r>
+            <a:r>
+              <a:rPr lang="de-DE" dirty="0"/>
+              <a:t>	</a:t>
+            </a:r>
+          </a:p>
+          <a:p>
+            <a:r>
+              <a:rPr lang="de-DE" dirty="0" err="1"/>
+              <a:t>Tap</a:t>
+            </a:r>
+            <a:r>
+              <a:rPr lang="de-DE" dirty="0"/>
+              <a:t> Type </a:t>
+            </a:r>
+          </a:p>
+          <a:p>
+            <a:pPr lvl="1"/>
+            <a:r>
+              <a:rPr lang="de-DE" dirty="0" err="1"/>
+              <a:t>Tap</a:t>
+            </a:r>
+            <a:r>
+              <a:rPr lang="de-DE" dirty="0"/>
+              <a:t>	</a:t>
+            </a:r>
+          </a:p>
+          <a:p>
+            <a:pPr lvl="1"/>
+            <a:r>
+              <a:rPr lang="de-DE" dirty="0"/>
+              <a:t>Double-</a:t>
+            </a:r>
+            <a:r>
+              <a:rPr lang="de-DE" dirty="0" err="1"/>
+              <a:t>Tap</a:t>
+            </a:r>
+            <a:endParaRPr lang="de-DE" dirty="0"/>
+          </a:p>
+          <a:p>
+            <a:pPr lvl="1"/>
+            <a:r>
+              <a:rPr lang="de-DE" dirty="0"/>
+              <a:t>Long-Press</a:t>
+            </a:r>
+          </a:p>
+          <a:p>
+            <a:r>
               <a:rPr lang="de-DE" dirty="0" err="1"/>
               <a:t>Randomized</a:t>
             </a:r>
             <a:r>
               <a:rPr lang="de-DE" dirty="0"/>
-              <a:t> </a:t>
-            </a:r>
-            <a:r>
-              <a:rPr lang="de-DE" dirty="0" err="1"/>
-              <a:t>targets</a:t>
-            </a:r>
-            <a:endParaRPr lang="de-DE" dirty="0"/>
-          </a:p>
-          <a:p>
-            <a:r>
-              <a:rPr lang="de-DE" dirty="0"/>
-              <a:t>50 % Finger, 50 % </a:t>
-            </a:r>
-            <a:r>
-              <a:rPr lang="de-DE" dirty="0" err="1"/>
-              <a:t>Knuckle</a:t>
-            </a:r>
-            <a:endParaRPr lang="de-DE" dirty="0"/>
-          </a:p>
-          <a:p>
-            <a:r>
-              <a:rPr lang="de-DE" dirty="0"/>
-              <a:t>3 different input-</a:t>
-            </a:r>
-            <a:r>
-              <a:rPr lang="de-DE" dirty="0" err="1"/>
-              <a:t>methods</a:t>
-            </a:r>
-            <a:r>
-              <a:rPr lang="de-DE" dirty="0"/>
-              <a:t>:</a:t>
-            </a:r>
-          </a:p>
-          <a:p>
-            <a:pPr lvl="1"/>
-            <a:r>
-              <a:rPr lang="de-DE" dirty="0" err="1"/>
-              <a:t>Tap</a:t>
-            </a:r>
-            <a:endParaRPr lang="de-DE" dirty="0"/>
-          </a:p>
-          <a:p>
-            <a:pPr lvl="1"/>
-            <a:r>
-              <a:rPr lang="de-DE" dirty="0"/>
-              <a:t>Double-</a:t>
-            </a:r>
-            <a:r>
-              <a:rPr lang="de-DE" dirty="0" err="1"/>
-              <a:t>Tap</a:t>
-            </a:r>
-            <a:endParaRPr lang="de-DE" dirty="0"/>
-          </a:p>
-          <a:p>
-            <a:pPr lvl="1"/>
-            <a:r>
-              <a:rPr lang="de-DE" dirty="0"/>
-              <a:t>Long-Press</a:t>
-            </a:r>
-          </a:p>
-          <a:p>
-            <a:r>
-              <a:rPr lang="de-DE" dirty="0" err="1"/>
-              <a:t>Collected</a:t>
-            </a:r>
-            <a:r>
-              <a:rPr lang="de-DE" dirty="0"/>
-              <a:t> </a:t>
-            </a:r>
-            <a:r>
-              <a:rPr lang="de-DE" dirty="0" err="1"/>
-              <a:t>data</a:t>
-            </a:r>
-            <a:r>
-              <a:rPr lang="de-DE" dirty="0"/>
-              <a:t>: </a:t>
-            </a:r>
-            <a:r>
-              <a:rPr lang="de-DE" dirty="0" err="1"/>
-              <a:t>Capacitive</a:t>
-            </a:r>
-            <a:r>
-              <a:rPr lang="de-DE" dirty="0"/>
-              <a:t> </a:t>
-            </a:r>
-            <a:r>
-              <a:rPr lang="de-DE" dirty="0" err="1"/>
-              <a:t>image</a:t>
-            </a:r>
-            <a:r>
-              <a:rPr lang="de-DE" dirty="0"/>
-              <a:t>, </a:t>
-            </a:r>
-            <a:r>
-              <a:rPr lang="de-DE" dirty="0" err="1"/>
-              <a:t>UserID</a:t>
-            </a:r>
-            <a:r>
-              <a:rPr lang="de-DE" dirty="0"/>
-              <a:t>, </a:t>
-            </a:r>
-            <a:r>
-              <a:rPr lang="de-DE" dirty="0" err="1"/>
-              <a:t>Condition</a:t>
-            </a:r>
-            <a:r>
-              <a:rPr lang="de-DE" dirty="0"/>
-              <a:t>, UNIX-</a:t>
-            </a:r>
-            <a:r>
-              <a:rPr lang="de-DE" dirty="0" err="1"/>
-              <a:t>Timestamp</a:t>
-            </a:r>
-            <a:r>
-              <a:rPr lang="de-DE" dirty="0"/>
-              <a:t>, </a:t>
-            </a:r>
-            <a:r>
-              <a:rPr lang="de-DE" dirty="0" err="1"/>
-              <a:t>TargetID</a:t>
-            </a:r>
-            <a:r>
-              <a:rPr lang="de-DE" dirty="0"/>
-              <a:t>, Position</a:t>
+              <a:t> Targets</a:t>
             </a:r>
           </a:p>
           <a:p>
@@ -3997,7 +4529,7 @@
           <p:cNvPr id="3" name="Foliennummernplatzhalter 2">
             <a:extLst>
               <a:ext uri="{FF2B5EF4-FFF2-40B4-BE49-F238E27FC236}">
-                <a16:creationId xmlns:a16="http://schemas.microsoft.com/office/drawing/2014/main" id="{C8D48D11-524B-45E1-B0B7-8E02E165924C}"/>
+                <a16:creationId xmlns:a16="http://schemas.microsoft.com/office/drawing/2014/main" id="{FB313AD9-7B68-43BF-98FF-33E13BBA00EF}"/>
               </a:ext>
             </a:extLst>
           </p:cNvPr>
@@ -4026,7 +4558,7 @@
           <p:cNvPr id="4" name="Titel 3">
             <a:extLst>
               <a:ext uri="{FF2B5EF4-FFF2-40B4-BE49-F238E27FC236}">
-                <a16:creationId xmlns:a16="http://schemas.microsoft.com/office/drawing/2014/main" id="{E20FA407-7642-4D4E-AD07-845ADFA86DEE}"/>
+                <a16:creationId xmlns:a16="http://schemas.microsoft.com/office/drawing/2014/main" id="{50E097EA-1F25-4894-A7D9-C82CDC128444}"/>
               </a:ext>
             </a:extLst>
           </p:cNvPr>
@@ -4057,16 +4589,1093 @@
           </a:p>
         </p:txBody>
       </p:sp>
+      <p:pic>
+        <p:nvPicPr>
+          <p:cNvPr id="6" name="Grafik 5">
+            <a:extLst>
+              <a:ext uri="{FF2B5EF4-FFF2-40B4-BE49-F238E27FC236}">
+                <a16:creationId xmlns:a16="http://schemas.microsoft.com/office/drawing/2014/main" id="{B42814CA-1C86-4FAC-9FA2-E1A4A676B4A4}"/>
+              </a:ext>
+            </a:extLst>
+          </p:cNvPr>
+          <p:cNvPicPr>
+            <a:picLocks noChangeAspect="1"/>
+          </p:cNvPicPr>
+          <p:nvPr/>
+        </p:nvPicPr>
+        <p:blipFill rotWithShape="1">
+          <a:blip r:embed="rId3" cstate="print">
+            <a:extLst>
+              <a:ext uri="{28A0092B-C50C-407E-A947-70E740481C1C}">
+                <a14:useLocalDpi xmlns:a14="http://schemas.microsoft.com/office/drawing/2010/main" val="0"/>
+              </a:ext>
+            </a:extLst>
+          </a:blip>
+          <a:srcRect l="12194" t="7913" r="12194" b="6951"/>
+          <a:stretch/>
+        </p:blipFill>
+        <p:spPr>
+          <a:xfrm>
+            <a:off x="3629531" y="965068"/>
+            <a:ext cx="1884938" cy="3820928"/>
+          </a:xfrm>
+          <a:prstGeom prst="rect">
+            <a:avLst/>
+          </a:prstGeom>
+        </p:spPr>
+      </p:pic>
+      <p:sp>
+        <p:nvSpPr>
+          <p:cNvPr id="7" name="Textfeld 6">
+            <a:extLst>
+              <a:ext uri="{FF2B5EF4-FFF2-40B4-BE49-F238E27FC236}">
+                <a16:creationId xmlns:a16="http://schemas.microsoft.com/office/drawing/2014/main" id="{50DB8E9A-5381-4A7B-881A-262D5DDE2BC9}"/>
+              </a:ext>
+            </a:extLst>
+          </p:cNvPr>
+          <p:cNvSpPr txBox="1"/>
+          <p:nvPr/>
+        </p:nvSpPr>
+        <p:spPr>
+          <a:xfrm>
+            <a:off x="3707904" y="1761186"/>
+            <a:ext cx="1728191" cy="400110"/>
+          </a:xfrm>
+          <a:prstGeom prst="rect">
+            <a:avLst/>
+          </a:prstGeom>
+          <a:noFill/>
+        </p:spPr>
+        <p:txBody>
+          <a:bodyPr wrap="square" rtlCol="0">
+            <a:spAutoFit/>
+          </a:bodyPr>
+          <a:lstStyle/>
+          <a:p>
+            <a:pPr algn="ctr"/>
+            <a:r>
+              <a:rPr lang="de-DE" sz="2000" dirty="0"/>
+              <a:t>Input </a:t>
+            </a:r>
+            <a:r>
+              <a:rPr lang="de-DE" sz="2000" dirty="0" err="1"/>
+              <a:t>method</a:t>
+            </a:r>
+            <a:endParaRPr lang="de-DE" sz="2000" dirty="0"/>
+          </a:p>
+        </p:txBody>
+      </p:sp>
+      <p:sp>
+        <p:nvSpPr>
+          <p:cNvPr id="8" name="Textfeld 7">
+            <a:extLst>
+              <a:ext uri="{FF2B5EF4-FFF2-40B4-BE49-F238E27FC236}">
+                <a16:creationId xmlns:a16="http://schemas.microsoft.com/office/drawing/2014/main" id="{E100F715-C300-40FB-8732-F579C176C682}"/>
+              </a:ext>
+            </a:extLst>
+          </p:cNvPr>
+          <p:cNvSpPr txBox="1"/>
+          <p:nvPr/>
+        </p:nvSpPr>
+        <p:spPr>
+          <a:xfrm>
+            <a:off x="4139954" y="2095821"/>
+            <a:ext cx="942468" cy="338554"/>
+          </a:xfrm>
+          <a:prstGeom prst="rect">
+            <a:avLst/>
+          </a:prstGeom>
+          <a:noFill/>
+        </p:spPr>
+        <p:txBody>
+          <a:bodyPr wrap="square" rtlCol="0">
+            <a:spAutoFit/>
+          </a:bodyPr>
+          <a:lstStyle/>
+          <a:p>
+            <a:pPr algn="ctr"/>
+            <a:r>
+              <a:rPr lang="de-DE" sz="1600" dirty="0" err="1"/>
+              <a:t>Tap</a:t>
+            </a:r>
+            <a:r>
+              <a:rPr lang="de-DE" sz="1600" dirty="0"/>
+              <a:t> type</a:t>
+            </a:r>
+          </a:p>
+        </p:txBody>
+      </p:sp>
+      <p:sp>
+        <p:nvSpPr>
+          <p:cNvPr id="9" name="Ellipse 8">
+            <a:extLst>
+              <a:ext uri="{FF2B5EF4-FFF2-40B4-BE49-F238E27FC236}">
+                <a16:creationId xmlns:a16="http://schemas.microsoft.com/office/drawing/2014/main" id="{D3753840-58F4-4A8A-876F-08E7FF585157}"/>
+              </a:ext>
+            </a:extLst>
+          </p:cNvPr>
+          <p:cNvSpPr/>
+          <p:nvPr/>
+        </p:nvSpPr>
+        <p:spPr>
+          <a:xfrm>
+            <a:off x="4932040" y="3047679"/>
+            <a:ext cx="216024" cy="216000"/>
+          </a:xfrm>
+          <a:prstGeom prst="ellipse">
+            <a:avLst/>
+          </a:prstGeom>
+          <a:ln>
+            <a:solidFill>
+              <a:schemeClr val="accent3"/>
+            </a:solidFill>
+          </a:ln>
+        </p:spPr>
+        <p:style>
+          <a:lnRef idx="2">
+            <a:schemeClr val="accent3">
+              <a:shade val="50000"/>
+            </a:schemeClr>
+          </a:lnRef>
+          <a:fillRef idx="1">
+            <a:schemeClr val="accent3"/>
+          </a:fillRef>
+          <a:effectRef idx="0">
+            <a:schemeClr val="accent3"/>
+          </a:effectRef>
+          <a:fontRef idx="minor">
+            <a:schemeClr val="lt1"/>
+          </a:fontRef>
+        </p:style>
+        <p:txBody>
+          <a:bodyPr rtlCol="0" anchor="ctr"/>
+          <a:lstStyle/>
+          <a:p>
+            <a:pPr algn="ctr"/>
+            <a:endParaRPr lang="de-DE"/>
+          </a:p>
+        </p:txBody>
+      </p:sp>
+      <p:sp>
+        <p:nvSpPr>
+          <p:cNvPr id="12" name="Inhaltsplatzhalter 1">
+            <a:extLst>
+              <a:ext uri="{FF2B5EF4-FFF2-40B4-BE49-F238E27FC236}">
+                <a16:creationId xmlns:a16="http://schemas.microsoft.com/office/drawing/2014/main" id="{3D7784D7-4818-4E43-B5A9-583A6A3F929F}"/>
+              </a:ext>
+            </a:extLst>
+          </p:cNvPr>
+          <p:cNvSpPr txBox="1">
+            <a:spLocks/>
+          </p:cNvSpPr>
+          <p:nvPr/>
+        </p:nvSpPr>
+        <p:spPr>
+          <a:xfrm>
+            <a:off x="5982066" y="1202574"/>
+            <a:ext cx="2910414" cy="3400026"/>
+          </a:xfrm>
+          <a:prstGeom prst="rect">
+            <a:avLst/>
+          </a:prstGeom>
+        </p:spPr>
+        <p:txBody>
+          <a:bodyPr vert="horz" lIns="91440" tIns="45720" rIns="91440" bIns="45720" rtlCol="0">
+            <a:normAutofit/>
+          </a:bodyPr>
+          <a:lstStyle>
+            <a:lvl1pPr marL="342900" indent="-342900" algn="l" defTabSz="914400" rtl="0" eaLnBrk="1" latinLnBrk="0" hangingPunct="1">
+              <a:spcBef>
+                <a:spcPct val="20000"/>
+              </a:spcBef>
+              <a:buClr>
+                <a:srgbClr val="137CBE"/>
+              </a:buClr>
+              <a:buFont typeface="Wingdings" pitchFamily="2" charset="2"/>
+              <a:buChar char="§"/>
+              <a:defRPr sz="2000" kern="1200">
+                <a:solidFill>
+                  <a:schemeClr val="tx1"/>
+                </a:solidFill>
+                <a:latin typeface="+mn-lt"/>
+                <a:ea typeface="Segoe UI" pitchFamily="34" charset="0"/>
+                <a:cs typeface="Segoe UI" pitchFamily="34" charset="0"/>
+              </a:defRPr>
+            </a:lvl1pPr>
+            <a:lvl2pPr marL="742950" indent="-285750" algn="l" defTabSz="914400" rtl="0" eaLnBrk="1" latinLnBrk="0" hangingPunct="1">
+              <a:spcBef>
+                <a:spcPct val="20000"/>
+              </a:spcBef>
+              <a:buClr>
+                <a:srgbClr val="137CBE"/>
+              </a:buClr>
+              <a:buFont typeface="Wingdings" pitchFamily="2" charset="2"/>
+              <a:buChar char="§"/>
+              <a:defRPr sz="1800" kern="1200">
+                <a:solidFill>
+                  <a:schemeClr val="tx1"/>
+                </a:solidFill>
+                <a:latin typeface="+mn-lt"/>
+                <a:ea typeface="Segoe UI" pitchFamily="34" charset="0"/>
+                <a:cs typeface="Segoe UI" pitchFamily="34" charset="0"/>
+              </a:defRPr>
+            </a:lvl2pPr>
+            <a:lvl3pPr marL="1143000" indent="-228600" algn="l" defTabSz="914400" rtl="0" eaLnBrk="1" latinLnBrk="0" hangingPunct="1">
+              <a:spcBef>
+                <a:spcPct val="20000"/>
+              </a:spcBef>
+              <a:buClr>
+                <a:srgbClr val="137CBE"/>
+              </a:buClr>
+              <a:buFont typeface="Wingdings" pitchFamily="2" charset="2"/>
+              <a:buChar char="§"/>
+              <a:defRPr sz="1600" kern="1200">
+                <a:solidFill>
+                  <a:schemeClr val="tx1"/>
+                </a:solidFill>
+                <a:latin typeface="+mn-lt"/>
+                <a:ea typeface="Segoe UI" pitchFamily="34" charset="0"/>
+                <a:cs typeface="Segoe UI" pitchFamily="34" charset="0"/>
+              </a:defRPr>
+            </a:lvl3pPr>
+            <a:lvl4pPr marL="1600200" indent="-228600" algn="l" defTabSz="914400" rtl="0" eaLnBrk="1" latinLnBrk="0" hangingPunct="1">
+              <a:spcBef>
+                <a:spcPct val="20000"/>
+              </a:spcBef>
+              <a:buClr>
+                <a:srgbClr val="137CBE"/>
+              </a:buClr>
+              <a:buFont typeface="Wingdings" pitchFamily="2" charset="2"/>
+              <a:buChar char="§"/>
+              <a:defRPr sz="1400" kern="1200">
+                <a:solidFill>
+                  <a:schemeClr val="tx1"/>
+                </a:solidFill>
+                <a:latin typeface="+mn-lt"/>
+                <a:ea typeface="Segoe UI" pitchFamily="34" charset="0"/>
+                <a:cs typeface="Segoe UI" pitchFamily="34" charset="0"/>
+              </a:defRPr>
+            </a:lvl4pPr>
+            <a:lvl5pPr marL="2057400" indent="-228600" algn="l" defTabSz="914400" rtl="0" eaLnBrk="1" latinLnBrk="0" hangingPunct="1">
+              <a:spcBef>
+                <a:spcPct val="20000"/>
+              </a:spcBef>
+              <a:buClr>
+                <a:srgbClr val="137CBE"/>
+              </a:buClr>
+              <a:buFont typeface="Wingdings" pitchFamily="2" charset="2"/>
+              <a:buChar char="§"/>
+              <a:defRPr sz="1400" kern="1200">
+                <a:solidFill>
+                  <a:schemeClr val="tx1"/>
+                </a:solidFill>
+                <a:latin typeface="+mn-lt"/>
+                <a:ea typeface="Segoe UI" pitchFamily="34" charset="0"/>
+                <a:cs typeface="Segoe UI" pitchFamily="34" charset="0"/>
+              </a:defRPr>
+            </a:lvl5pPr>
+            <a:lvl6pPr marL="2514600" indent="-228600" algn="l" defTabSz="914400" rtl="0" eaLnBrk="1" latinLnBrk="0" hangingPunct="1">
+              <a:spcBef>
+                <a:spcPct val="20000"/>
+              </a:spcBef>
+              <a:buFont typeface="Arial" pitchFamily="34" charset="0"/>
+              <a:buChar char="•"/>
+              <a:defRPr sz="2000" kern="1200">
+                <a:solidFill>
+                  <a:schemeClr val="tx1"/>
+                </a:solidFill>
+                <a:latin typeface="+mn-lt"/>
+                <a:ea typeface="+mn-ea"/>
+                <a:cs typeface="+mn-cs"/>
+              </a:defRPr>
+            </a:lvl6pPr>
+            <a:lvl7pPr marL="2971800" indent="-228600" algn="l" defTabSz="914400" rtl="0" eaLnBrk="1" latinLnBrk="0" hangingPunct="1">
+              <a:spcBef>
+                <a:spcPct val="20000"/>
+              </a:spcBef>
+              <a:buFont typeface="Arial" pitchFamily="34" charset="0"/>
+              <a:buChar char="•"/>
+              <a:defRPr sz="2000" kern="1200">
+                <a:solidFill>
+                  <a:schemeClr val="tx1"/>
+                </a:solidFill>
+                <a:latin typeface="+mn-lt"/>
+                <a:ea typeface="+mn-ea"/>
+                <a:cs typeface="+mn-cs"/>
+              </a:defRPr>
+            </a:lvl7pPr>
+            <a:lvl8pPr marL="3429000" indent="-228600" algn="l" defTabSz="914400" rtl="0" eaLnBrk="1" latinLnBrk="0" hangingPunct="1">
+              <a:spcBef>
+                <a:spcPct val="20000"/>
+              </a:spcBef>
+              <a:buFont typeface="Arial" pitchFamily="34" charset="0"/>
+              <a:buChar char="•"/>
+              <a:defRPr sz="2000" kern="1200">
+                <a:solidFill>
+                  <a:schemeClr val="tx1"/>
+                </a:solidFill>
+                <a:latin typeface="+mn-lt"/>
+                <a:ea typeface="+mn-ea"/>
+                <a:cs typeface="+mn-cs"/>
+              </a:defRPr>
+            </a:lvl8pPr>
+            <a:lvl9pPr marL="3886200" indent="-228600" algn="l" defTabSz="914400" rtl="0" eaLnBrk="1" latinLnBrk="0" hangingPunct="1">
+              <a:spcBef>
+                <a:spcPct val="20000"/>
+              </a:spcBef>
+              <a:buFont typeface="Arial" pitchFamily="34" charset="0"/>
+              <a:buChar char="•"/>
+              <a:defRPr sz="2000" kern="1200">
+                <a:solidFill>
+                  <a:schemeClr val="tx1"/>
+                </a:solidFill>
+                <a:latin typeface="+mn-lt"/>
+                <a:ea typeface="+mn-ea"/>
+                <a:cs typeface="+mn-cs"/>
+              </a:defRPr>
+            </a:lvl9pPr>
+          </a:lstStyle>
+          <a:p>
+            <a:pPr fontAlgn="t"/>
+            <a:r>
+              <a:rPr lang="de-DE" dirty="0" err="1"/>
+              <a:t>Collected</a:t>
+            </a:r>
+            <a:r>
+              <a:rPr lang="de-DE" b="1" dirty="0"/>
+              <a:t> </a:t>
+            </a:r>
+            <a:r>
+              <a:rPr lang="de-DE" dirty="0" err="1"/>
+              <a:t>data</a:t>
+            </a:r>
+            <a:endParaRPr lang="de-DE" dirty="0"/>
+          </a:p>
+          <a:p>
+            <a:pPr lvl="1" fontAlgn="t"/>
+            <a:r>
+              <a:rPr lang="de-DE" dirty="0" err="1"/>
+              <a:t>UserID</a:t>
+            </a:r>
+            <a:endParaRPr lang="de-DE" dirty="0"/>
+          </a:p>
+          <a:p>
+            <a:pPr lvl="1" fontAlgn="t"/>
+            <a:r>
+              <a:rPr lang="de-DE" dirty="0" err="1"/>
+              <a:t>Timestamp</a:t>
+            </a:r>
+            <a:endParaRPr lang="de-DE" dirty="0"/>
+          </a:p>
+          <a:p>
+            <a:pPr lvl="1" fontAlgn="t"/>
+            <a:r>
+              <a:rPr lang="de-DE" dirty="0" err="1"/>
+              <a:t>TargetID</a:t>
+            </a:r>
+            <a:endParaRPr lang="de-DE" dirty="0"/>
+          </a:p>
+          <a:p>
+            <a:pPr lvl="1" fontAlgn="t"/>
+            <a:r>
+              <a:rPr lang="de-DE" dirty="0" err="1"/>
+              <a:t>Condition</a:t>
+            </a:r>
+            <a:endParaRPr lang="de-DE" dirty="0"/>
+          </a:p>
+          <a:p>
+            <a:pPr lvl="1" fontAlgn="t"/>
+            <a:r>
+              <a:rPr lang="de-DE" dirty="0"/>
+              <a:t>Position</a:t>
+            </a:r>
+          </a:p>
+          <a:p>
+            <a:pPr lvl="1" fontAlgn="t"/>
+            <a:r>
+              <a:rPr lang="de-DE" dirty="0" err="1"/>
+              <a:t>Capacitive</a:t>
+            </a:r>
+            <a:r>
+              <a:rPr lang="de-DE" dirty="0"/>
+              <a:t> </a:t>
+            </a:r>
+            <a:r>
+              <a:rPr lang="de-DE" dirty="0" err="1"/>
+              <a:t>image</a:t>
+            </a:r>
+            <a:endParaRPr lang="de-DE" dirty="0"/>
+          </a:p>
+          <a:p>
+            <a:endParaRPr lang="de-DE" dirty="0"/>
+          </a:p>
+        </p:txBody>
+      </p:sp>
     </p:spTree>
     <p:extLst>
       <p:ext uri="{BB962C8B-B14F-4D97-AF65-F5344CB8AC3E}">
-        <p14:creationId xmlns:p14="http://schemas.microsoft.com/office/powerpoint/2010/main" val="442796118"/>
+        <p14:creationId xmlns:p14="http://schemas.microsoft.com/office/powerpoint/2010/main" val="4028138573"/>
       </p:ext>
     </p:extLst>
   </p:cSld>
   <p:clrMapOvr>
     <a:masterClrMapping/>
   </p:clrMapOvr>
+  <p:timing>
+    <p:tnLst>
+      <p:par>
+        <p:cTn id="1" dur="indefinite" restart="never" nodeType="tmRoot">
+          <p:childTnLst>
+            <p:seq concurrent="1" nextAc="seek">
+              <p:cTn id="2" dur="indefinite" nodeType="mainSeq">
+                <p:childTnLst>
+                  <p:par>
+                    <p:cTn id="3" fill="hold">
+                      <p:stCondLst>
+                        <p:cond delay="indefinite"/>
+                      </p:stCondLst>
+                      <p:childTnLst>
+                        <p:par>
+                          <p:cTn id="4" fill="hold">
+                            <p:stCondLst>
+                              <p:cond delay="0"/>
+                            </p:stCondLst>
+                            <p:childTnLst>
+                              <p:par>
+                                <p:cTn id="5" presetID="1" presetClass="entr" presetSubtype="0" fill="hold" grpId="0" nodeType="clickEffect">
+                                  <p:stCondLst>
+                                    <p:cond delay="0"/>
+                                  </p:stCondLst>
+                                  <p:childTnLst>
+                                    <p:set>
+                                      <p:cBhvr>
+                                        <p:cTn id="6" dur="1" fill="hold">
+                                          <p:stCondLst>
+                                            <p:cond delay="0"/>
+                                          </p:stCondLst>
+                                        </p:cTn>
+                                        <p:tgtEl>
+                                          <p:spTgt spid="7"/>
+                                        </p:tgtEl>
+                                        <p:attrNameLst>
+                                          <p:attrName>style.visibility</p:attrName>
+                                        </p:attrNameLst>
+                                      </p:cBhvr>
+                                      <p:to>
+                                        <p:strVal val="visible"/>
+                                      </p:to>
+                                    </p:set>
+                                  </p:childTnLst>
+                                </p:cTn>
+                              </p:par>
+                              <p:par>
+                                <p:cTn id="7" presetID="1" presetClass="entr" presetSubtype="0" fill="hold" grpId="0" nodeType="withEffect">
+                                  <p:stCondLst>
+                                    <p:cond delay="0"/>
+                                  </p:stCondLst>
+                                  <p:childTnLst>
+                                    <p:set>
+                                      <p:cBhvr>
+                                        <p:cTn id="8" dur="1" fill="hold">
+                                          <p:stCondLst>
+                                            <p:cond delay="0"/>
+                                          </p:stCondLst>
+                                        </p:cTn>
+                                        <p:tgtEl>
+                                          <p:spTgt spid="2">
+                                            <p:txEl>
+                                              <p:pRg st="0" end="0"/>
+                                            </p:txEl>
+                                          </p:spTgt>
+                                        </p:tgtEl>
+                                        <p:attrNameLst>
+                                          <p:attrName>style.visibility</p:attrName>
+                                        </p:attrNameLst>
+                                      </p:cBhvr>
+                                      <p:to>
+                                        <p:strVal val="visible"/>
+                                      </p:to>
+                                    </p:set>
+                                  </p:childTnLst>
+                                </p:cTn>
+                              </p:par>
+                              <p:par>
+                                <p:cTn id="9" presetID="1" presetClass="entr" presetSubtype="0" fill="hold" grpId="0" nodeType="withEffect">
+                                  <p:stCondLst>
+                                    <p:cond delay="0"/>
+                                  </p:stCondLst>
+                                  <p:childTnLst>
+                                    <p:set>
+                                      <p:cBhvr>
+                                        <p:cTn id="10" dur="1" fill="hold">
+                                          <p:stCondLst>
+                                            <p:cond delay="0"/>
+                                          </p:stCondLst>
+                                        </p:cTn>
+                                        <p:tgtEl>
+                                          <p:spTgt spid="2">
+                                            <p:txEl>
+                                              <p:pRg st="1" end="1"/>
+                                            </p:txEl>
+                                          </p:spTgt>
+                                        </p:tgtEl>
+                                        <p:attrNameLst>
+                                          <p:attrName>style.visibility</p:attrName>
+                                        </p:attrNameLst>
+                                      </p:cBhvr>
+                                      <p:to>
+                                        <p:strVal val="visible"/>
+                                      </p:to>
+                                    </p:set>
+                                  </p:childTnLst>
+                                </p:cTn>
+                              </p:par>
+                              <p:par>
+                                <p:cTn id="11" presetID="1" presetClass="entr" presetSubtype="0" fill="hold" grpId="0" nodeType="withEffect">
+                                  <p:stCondLst>
+                                    <p:cond delay="0"/>
+                                  </p:stCondLst>
+                                  <p:childTnLst>
+                                    <p:set>
+                                      <p:cBhvr>
+                                        <p:cTn id="12" dur="1" fill="hold">
+                                          <p:stCondLst>
+                                            <p:cond delay="0"/>
+                                          </p:stCondLst>
+                                        </p:cTn>
+                                        <p:tgtEl>
+                                          <p:spTgt spid="2">
+                                            <p:txEl>
+                                              <p:pRg st="2" end="2"/>
+                                            </p:txEl>
+                                          </p:spTgt>
+                                        </p:tgtEl>
+                                        <p:attrNameLst>
+                                          <p:attrName>style.visibility</p:attrName>
+                                        </p:attrNameLst>
+                                      </p:cBhvr>
+                                      <p:to>
+                                        <p:strVal val="visible"/>
+                                      </p:to>
+                                    </p:set>
+                                  </p:childTnLst>
+                                </p:cTn>
+                              </p:par>
+                            </p:childTnLst>
+                          </p:cTn>
+                        </p:par>
+                      </p:childTnLst>
+                    </p:cTn>
+                  </p:par>
+                  <p:par>
+                    <p:cTn id="13" fill="hold">
+                      <p:stCondLst>
+                        <p:cond delay="indefinite"/>
+                      </p:stCondLst>
+                      <p:childTnLst>
+                        <p:par>
+                          <p:cTn id="14" fill="hold">
+                            <p:stCondLst>
+                              <p:cond delay="0"/>
+                            </p:stCondLst>
+                            <p:childTnLst>
+                              <p:par>
+                                <p:cTn id="15" presetID="1" presetClass="entr" presetSubtype="0" fill="hold" grpId="0" nodeType="clickEffect">
+                                  <p:stCondLst>
+                                    <p:cond delay="0"/>
+                                  </p:stCondLst>
+                                  <p:childTnLst>
+                                    <p:set>
+                                      <p:cBhvr>
+                                        <p:cTn id="16" dur="1" fill="hold">
+                                          <p:stCondLst>
+                                            <p:cond delay="0"/>
+                                          </p:stCondLst>
+                                        </p:cTn>
+                                        <p:tgtEl>
+                                          <p:spTgt spid="2">
+                                            <p:txEl>
+                                              <p:pRg st="3" end="3"/>
+                                            </p:txEl>
+                                          </p:spTgt>
+                                        </p:tgtEl>
+                                        <p:attrNameLst>
+                                          <p:attrName>style.visibility</p:attrName>
+                                        </p:attrNameLst>
+                                      </p:cBhvr>
+                                      <p:to>
+                                        <p:strVal val="visible"/>
+                                      </p:to>
+                                    </p:set>
+                                  </p:childTnLst>
+                                </p:cTn>
+                              </p:par>
+                              <p:par>
+                                <p:cTn id="17" presetID="1" presetClass="entr" presetSubtype="0" fill="hold" grpId="0" nodeType="withEffect">
+                                  <p:stCondLst>
+                                    <p:cond delay="0"/>
+                                  </p:stCondLst>
+                                  <p:childTnLst>
+                                    <p:set>
+                                      <p:cBhvr>
+                                        <p:cTn id="18" dur="1" fill="hold">
+                                          <p:stCondLst>
+                                            <p:cond delay="0"/>
+                                          </p:stCondLst>
+                                        </p:cTn>
+                                        <p:tgtEl>
+                                          <p:spTgt spid="2">
+                                            <p:txEl>
+                                              <p:pRg st="4" end="4"/>
+                                            </p:txEl>
+                                          </p:spTgt>
+                                        </p:tgtEl>
+                                        <p:attrNameLst>
+                                          <p:attrName>style.visibility</p:attrName>
+                                        </p:attrNameLst>
+                                      </p:cBhvr>
+                                      <p:to>
+                                        <p:strVal val="visible"/>
+                                      </p:to>
+                                    </p:set>
+                                  </p:childTnLst>
+                                </p:cTn>
+                              </p:par>
+                              <p:par>
+                                <p:cTn id="19" presetID="1" presetClass="entr" presetSubtype="0" fill="hold" grpId="0" nodeType="withEffect">
+                                  <p:stCondLst>
+                                    <p:cond delay="0"/>
+                                  </p:stCondLst>
+                                  <p:childTnLst>
+                                    <p:set>
+                                      <p:cBhvr>
+                                        <p:cTn id="20" dur="1" fill="hold">
+                                          <p:stCondLst>
+                                            <p:cond delay="0"/>
+                                          </p:stCondLst>
+                                        </p:cTn>
+                                        <p:tgtEl>
+                                          <p:spTgt spid="2">
+                                            <p:txEl>
+                                              <p:pRg st="5" end="5"/>
+                                            </p:txEl>
+                                          </p:spTgt>
+                                        </p:tgtEl>
+                                        <p:attrNameLst>
+                                          <p:attrName>style.visibility</p:attrName>
+                                        </p:attrNameLst>
+                                      </p:cBhvr>
+                                      <p:to>
+                                        <p:strVal val="visible"/>
+                                      </p:to>
+                                    </p:set>
+                                  </p:childTnLst>
+                                </p:cTn>
+                              </p:par>
+                              <p:par>
+                                <p:cTn id="21" presetID="1" presetClass="entr" presetSubtype="0" fill="hold" grpId="0" nodeType="withEffect">
+                                  <p:stCondLst>
+                                    <p:cond delay="0"/>
+                                  </p:stCondLst>
+                                  <p:childTnLst>
+                                    <p:set>
+                                      <p:cBhvr>
+                                        <p:cTn id="22" dur="1" fill="hold">
+                                          <p:stCondLst>
+                                            <p:cond delay="0"/>
+                                          </p:stCondLst>
+                                        </p:cTn>
+                                        <p:tgtEl>
+                                          <p:spTgt spid="2">
+                                            <p:txEl>
+                                              <p:pRg st="6" end="6"/>
+                                            </p:txEl>
+                                          </p:spTgt>
+                                        </p:tgtEl>
+                                        <p:attrNameLst>
+                                          <p:attrName>style.visibility</p:attrName>
+                                        </p:attrNameLst>
+                                      </p:cBhvr>
+                                      <p:to>
+                                        <p:strVal val="visible"/>
+                                      </p:to>
+                                    </p:set>
+                                  </p:childTnLst>
+                                </p:cTn>
+                              </p:par>
+                              <p:par>
+                                <p:cTn id="23" presetID="1" presetClass="entr" presetSubtype="0" fill="hold" grpId="0" nodeType="withEffect">
+                                  <p:stCondLst>
+                                    <p:cond delay="0"/>
+                                  </p:stCondLst>
+                                  <p:childTnLst>
+                                    <p:set>
+                                      <p:cBhvr>
+                                        <p:cTn id="24" dur="1" fill="hold">
+                                          <p:stCondLst>
+                                            <p:cond delay="0"/>
+                                          </p:stCondLst>
+                                        </p:cTn>
+                                        <p:tgtEl>
+                                          <p:spTgt spid="8"/>
+                                        </p:tgtEl>
+                                        <p:attrNameLst>
+                                          <p:attrName>style.visibility</p:attrName>
+                                        </p:attrNameLst>
+                                      </p:cBhvr>
+                                      <p:to>
+                                        <p:strVal val="visible"/>
+                                      </p:to>
+                                    </p:set>
+                                  </p:childTnLst>
+                                </p:cTn>
+                              </p:par>
+                            </p:childTnLst>
+                          </p:cTn>
+                        </p:par>
+                      </p:childTnLst>
+                    </p:cTn>
+                  </p:par>
+                  <p:par>
+                    <p:cTn id="25" fill="hold">
+                      <p:stCondLst>
+                        <p:cond delay="indefinite"/>
+                      </p:stCondLst>
+                      <p:childTnLst>
+                        <p:par>
+                          <p:cTn id="26" fill="hold">
+                            <p:stCondLst>
+                              <p:cond delay="0"/>
+                            </p:stCondLst>
+                            <p:childTnLst>
+                              <p:par>
+                                <p:cTn id="27" presetID="1" presetClass="entr" presetSubtype="0" fill="hold" grpId="0" nodeType="clickEffect">
+                                  <p:stCondLst>
+                                    <p:cond delay="0"/>
+                                  </p:stCondLst>
+                                  <p:childTnLst>
+                                    <p:set>
+                                      <p:cBhvr>
+                                        <p:cTn id="28" dur="1" fill="hold">
+                                          <p:stCondLst>
+                                            <p:cond delay="0"/>
+                                          </p:stCondLst>
+                                        </p:cTn>
+                                        <p:tgtEl>
+                                          <p:spTgt spid="2">
+                                            <p:txEl>
+                                              <p:pRg st="7" end="7"/>
+                                            </p:txEl>
+                                          </p:spTgt>
+                                        </p:tgtEl>
+                                        <p:attrNameLst>
+                                          <p:attrName>style.visibility</p:attrName>
+                                        </p:attrNameLst>
+                                      </p:cBhvr>
+                                      <p:to>
+                                        <p:strVal val="visible"/>
+                                      </p:to>
+                                    </p:set>
+                                  </p:childTnLst>
+                                </p:cTn>
+                              </p:par>
+                              <p:par>
+                                <p:cTn id="29" presetID="1" presetClass="entr" presetSubtype="0" fill="hold" grpId="0" nodeType="withEffect">
+                                  <p:stCondLst>
+                                    <p:cond delay="0"/>
+                                  </p:stCondLst>
+                                  <p:childTnLst>
+                                    <p:set>
+                                      <p:cBhvr>
+                                        <p:cTn id="30" dur="1" fill="hold">
+                                          <p:stCondLst>
+                                            <p:cond delay="0"/>
+                                          </p:stCondLst>
+                                        </p:cTn>
+                                        <p:tgtEl>
+                                          <p:spTgt spid="9"/>
+                                        </p:tgtEl>
+                                        <p:attrNameLst>
+                                          <p:attrName>style.visibility</p:attrName>
+                                        </p:attrNameLst>
+                                      </p:cBhvr>
+                                      <p:to>
+                                        <p:strVal val="visible"/>
+                                      </p:to>
+                                    </p:set>
+                                  </p:childTnLst>
+                                </p:cTn>
+                              </p:par>
+                            </p:childTnLst>
+                          </p:cTn>
+                        </p:par>
+                      </p:childTnLst>
+                    </p:cTn>
+                  </p:par>
+                  <p:par>
+                    <p:cTn id="31" fill="hold">
+                      <p:stCondLst>
+                        <p:cond delay="indefinite"/>
+                      </p:stCondLst>
+                      <p:childTnLst>
+                        <p:par>
+                          <p:cTn id="32" fill="hold">
+                            <p:stCondLst>
+                              <p:cond delay="0"/>
+                            </p:stCondLst>
+                            <p:childTnLst>
+                              <p:par>
+                                <p:cTn id="33" presetID="1" presetClass="entr" presetSubtype="0" fill="hold" grpId="0" nodeType="clickEffect">
+                                  <p:stCondLst>
+                                    <p:cond delay="0"/>
+                                  </p:stCondLst>
+                                  <p:childTnLst>
+                                    <p:set>
+                                      <p:cBhvr>
+                                        <p:cTn id="34" dur="1" fill="hold">
+                                          <p:stCondLst>
+                                            <p:cond delay="0"/>
+                                          </p:stCondLst>
+                                        </p:cTn>
+                                        <p:tgtEl>
+                                          <p:spTgt spid="12">
+                                            <p:txEl>
+                                              <p:pRg st="0" end="0"/>
+                                            </p:txEl>
+                                          </p:spTgt>
+                                        </p:tgtEl>
+                                        <p:attrNameLst>
+                                          <p:attrName>style.visibility</p:attrName>
+                                        </p:attrNameLst>
+                                      </p:cBhvr>
+                                      <p:to>
+                                        <p:strVal val="visible"/>
+                                      </p:to>
+                                    </p:set>
+                                  </p:childTnLst>
+                                </p:cTn>
+                              </p:par>
+                              <p:par>
+                                <p:cTn id="35" presetID="1" presetClass="entr" presetSubtype="0" fill="hold" grpId="0" nodeType="withEffect">
+                                  <p:stCondLst>
+                                    <p:cond delay="0"/>
+                                  </p:stCondLst>
+                                  <p:childTnLst>
+                                    <p:set>
+                                      <p:cBhvr>
+                                        <p:cTn id="36" dur="1" fill="hold">
+                                          <p:stCondLst>
+                                            <p:cond delay="0"/>
+                                          </p:stCondLst>
+                                        </p:cTn>
+                                        <p:tgtEl>
+                                          <p:spTgt spid="12">
+                                            <p:txEl>
+                                              <p:pRg st="1" end="1"/>
+                                            </p:txEl>
+                                          </p:spTgt>
+                                        </p:tgtEl>
+                                        <p:attrNameLst>
+                                          <p:attrName>style.visibility</p:attrName>
+                                        </p:attrNameLst>
+                                      </p:cBhvr>
+                                      <p:to>
+                                        <p:strVal val="visible"/>
+                                      </p:to>
+                                    </p:set>
+                                  </p:childTnLst>
+                                </p:cTn>
+                              </p:par>
+                              <p:par>
+                                <p:cTn id="37" presetID="1" presetClass="entr" presetSubtype="0" fill="hold" grpId="0" nodeType="withEffect">
+                                  <p:stCondLst>
+                                    <p:cond delay="0"/>
+                                  </p:stCondLst>
+                                  <p:childTnLst>
+                                    <p:set>
+                                      <p:cBhvr>
+                                        <p:cTn id="38" dur="1" fill="hold">
+                                          <p:stCondLst>
+                                            <p:cond delay="0"/>
+                                          </p:stCondLst>
+                                        </p:cTn>
+                                        <p:tgtEl>
+                                          <p:spTgt spid="12">
+                                            <p:txEl>
+                                              <p:pRg st="2" end="2"/>
+                                            </p:txEl>
+                                          </p:spTgt>
+                                        </p:tgtEl>
+                                        <p:attrNameLst>
+                                          <p:attrName>style.visibility</p:attrName>
+                                        </p:attrNameLst>
+                                      </p:cBhvr>
+                                      <p:to>
+                                        <p:strVal val="visible"/>
+                                      </p:to>
+                                    </p:set>
+                                  </p:childTnLst>
+                                </p:cTn>
+                              </p:par>
+                              <p:par>
+                                <p:cTn id="39" presetID="1" presetClass="entr" presetSubtype="0" fill="hold" grpId="0" nodeType="withEffect">
+                                  <p:stCondLst>
+                                    <p:cond delay="0"/>
+                                  </p:stCondLst>
+                                  <p:childTnLst>
+                                    <p:set>
+                                      <p:cBhvr>
+                                        <p:cTn id="40" dur="1" fill="hold">
+                                          <p:stCondLst>
+                                            <p:cond delay="0"/>
+                                          </p:stCondLst>
+                                        </p:cTn>
+                                        <p:tgtEl>
+                                          <p:spTgt spid="12">
+                                            <p:txEl>
+                                              <p:pRg st="3" end="3"/>
+                                            </p:txEl>
+                                          </p:spTgt>
+                                        </p:tgtEl>
+                                        <p:attrNameLst>
+                                          <p:attrName>style.visibility</p:attrName>
+                                        </p:attrNameLst>
+                                      </p:cBhvr>
+                                      <p:to>
+                                        <p:strVal val="visible"/>
+                                      </p:to>
+                                    </p:set>
+                                  </p:childTnLst>
+                                </p:cTn>
+                              </p:par>
+                              <p:par>
+                                <p:cTn id="41" presetID="1" presetClass="entr" presetSubtype="0" fill="hold" grpId="0" nodeType="withEffect">
+                                  <p:stCondLst>
+                                    <p:cond delay="0"/>
+                                  </p:stCondLst>
+                                  <p:childTnLst>
+                                    <p:set>
+                                      <p:cBhvr>
+                                        <p:cTn id="42" dur="1" fill="hold">
+                                          <p:stCondLst>
+                                            <p:cond delay="0"/>
+                                          </p:stCondLst>
+                                        </p:cTn>
+                                        <p:tgtEl>
+                                          <p:spTgt spid="12">
+                                            <p:txEl>
+                                              <p:pRg st="4" end="4"/>
+                                            </p:txEl>
+                                          </p:spTgt>
+                                        </p:tgtEl>
+                                        <p:attrNameLst>
+                                          <p:attrName>style.visibility</p:attrName>
+                                        </p:attrNameLst>
+                                      </p:cBhvr>
+                                      <p:to>
+                                        <p:strVal val="visible"/>
+                                      </p:to>
+                                    </p:set>
+                                  </p:childTnLst>
+                                </p:cTn>
+                              </p:par>
+                              <p:par>
+                                <p:cTn id="43" presetID="1" presetClass="entr" presetSubtype="0" fill="hold" grpId="0" nodeType="withEffect">
+                                  <p:stCondLst>
+                                    <p:cond delay="0"/>
+                                  </p:stCondLst>
+                                  <p:childTnLst>
+                                    <p:set>
+                                      <p:cBhvr>
+                                        <p:cTn id="44" dur="1" fill="hold">
+                                          <p:stCondLst>
+                                            <p:cond delay="0"/>
+                                          </p:stCondLst>
+                                        </p:cTn>
+                                        <p:tgtEl>
+                                          <p:spTgt spid="12">
+                                            <p:txEl>
+                                              <p:pRg st="5" end="5"/>
+                                            </p:txEl>
+                                          </p:spTgt>
+                                        </p:tgtEl>
+                                        <p:attrNameLst>
+                                          <p:attrName>style.visibility</p:attrName>
+                                        </p:attrNameLst>
+                                      </p:cBhvr>
+                                      <p:to>
+                                        <p:strVal val="visible"/>
+                                      </p:to>
+                                    </p:set>
+                                  </p:childTnLst>
+                                </p:cTn>
+                              </p:par>
+                              <p:par>
+                                <p:cTn id="45" presetID="1" presetClass="entr" presetSubtype="0" fill="hold" grpId="0" nodeType="withEffect">
+                                  <p:stCondLst>
+                                    <p:cond delay="0"/>
+                                  </p:stCondLst>
+                                  <p:childTnLst>
+                                    <p:set>
+                                      <p:cBhvr>
+                                        <p:cTn id="46" dur="1" fill="hold">
+                                          <p:stCondLst>
+                                            <p:cond delay="0"/>
+                                          </p:stCondLst>
+                                        </p:cTn>
+                                        <p:tgtEl>
+                                          <p:spTgt spid="12">
+                                            <p:txEl>
+                                              <p:pRg st="6" end="6"/>
+                                            </p:txEl>
+                                          </p:spTgt>
+                                        </p:tgtEl>
+                                        <p:attrNameLst>
+                                          <p:attrName>style.visibility</p:attrName>
+                                        </p:attrNameLst>
+                                      </p:cBhvr>
+                                      <p:to>
+                                        <p:strVal val="visible"/>
+                                      </p:to>
+                                    </p:set>
+                                  </p:childTnLst>
+                                </p:cTn>
+                              </p:par>
+                            </p:childTnLst>
+                          </p:cTn>
+                        </p:par>
+                      </p:childTnLst>
+                    </p:cTn>
+                  </p:par>
+                </p:childTnLst>
+              </p:cTn>
+              <p:prevCondLst>
+                <p:cond evt="onPrev" delay="0">
+                  <p:tgtEl>
+                    <p:sldTgt/>
+                  </p:tgtEl>
+                </p:cond>
+              </p:prevCondLst>
+              <p:nextCondLst>
+                <p:cond evt="onNext" delay="0">
+                  <p:tgtEl>
+                    <p:sldTgt/>
+                  </p:tgtEl>
+                </p:cond>
+              </p:nextCondLst>
+            </p:seq>
+          </p:childTnLst>
+        </p:cTn>
+      </p:par>
+    </p:tnLst>
+    <p:bldLst>
+      <p:bldP spid="2" grpId="0" uiExpand="1" build="p"/>
+      <p:bldP spid="7" grpId="0"/>
+      <p:bldP spid="8" grpId="0"/>
+      <p:bldP spid="9" grpId="0" animBg="1"/>
+      <p:bldP spid="12" grpId="0" uiExpand="1" build="p"/>
+    </p:bldLst>
+  </p:timing>
 </p:sld>
 </file>
 
@@ -4122,7 +5731,15 @@
             </a:r>
             <a:r>
               <a:rPr lang="de-DE" dirty="0"/>
-              <a:t>, not </a:t>
+              <a:t>, </a:t>
+            </a:r>
+            <a:r>
+              <a:rPr lang="de-DE" dirty="0" err="1"/>
+              <a:t>no</a:t>
+            </a:r>
+            <a:r>
+              <a:rPr lang="de-DE" dirty="0"/>
+              <a:t> </a:t>
             </a:r>
             <a:r>
               <a:rPr lang="de-DE" dirty="0" err="1"/>
@@ -4371,6 +5988,49 @@
           <a:p>
             <a:r>
               <a:rPr lang="de-DE" dirty="0"/>
+              <a:t>Data: </a:t>
+            </a:r>
+            <a:r>
+              <a:rPr lang="de-DE" dirty="0" err="1"/>
+              <a:t>Collected</a:t>
+            </a:r>
+            <a:r>
+              <a:rPr lang="de-DE" dirty="0"/>
+              <a:t> </a:t>
+            </a:r>
+            <a:r>
+              <a:rPr lang="de-DE" dirty="0" err="1"/>
+              <a:t>information</a:t>
+            </a:r>
+            <a:r>
+              <a:rPr lang="de-DE" dirty="0"/>
+              <a:t> </a:t>
+            </a:r>
+            <a:r>
+              <a:rPr lang="de-DE" dirty="0" err="1"/>
+              <a:t>from</a:t>
+            </a:r>
+            <a:r>
+              <a:rPr lang="de-DE" dirty="0"/>
+              <a:t> </a:t>
+            </a:r>
+            <a:r>
+              <a:rPr lang="de-DE" dirty="0" err="1"/>
+              <a:t>user</a:t>
+            </a:r>
+            <a:r>
+              <a:rPr lang="de-DE" dirty="0"/>
+              <a:t> </a:t>
+            </a:r>
+            <a:r>
+              <a:rPr lang="de-DE" dirty="0" err="1"/>
+              <a:t>study</a:t>
+            </a:r>
+            <a:endParaRPr lang="de-DE" dirty="0"/>
+          </a:p>
+          <a:p>
+            <a:r>
+              <a:rPr lang="de-DE" dirty="0"/>
               <a:t>1 CNN </a:t>
             </a:r>
             <a:r>
@@ -4385,6 +6045,39 @@
               <a:rPr lang="de-DE" dirty="0" err="1"/>
               <a:t>data</a:t>
             </a:r>
+            <a:endParaRPr lang="de-DE" dirty="0"/>
+          </a:p>
+          <a:p>
+            <a:r>
+              <a:rPr lang="de-DE" dirty="0"/>
+              <a:t>Binary </a:t>
+            </a:r>
+            <a:r>
+              <a:rPr lang="de-DE" dirty="0" err="1"/>
+              <a:t>classifier</a:t>
+            </a:r>
+            <a:r>
+              <a:rPr lang="de-DE" dirty="0"/>
+              <a:t> (</a:t>
+            </a:r>
+            <a:r>
+              <a:rPr lang="de-DE" dirty="0" err="1"/>
+              <a:t>Tap</a:t>
+            </a:r>
+            <a:r>
+              <a:rPr lang="de-DE" dirty="0"/>
+              <a:t> vs. </a:t>
+            </a:r>
+            <a:r>
+              <a:rPr lang="de-DE" dirty="0" err="1"/>
+              <a:t>Knuckle</a:t>
+            </a:r>
+            <a:r>
+              <a:rPr lang="de-DE" dirty="0"/>
+              <a:t>)</a:t>
+            </a:r>
+          </a:p>
+          <a:p>
             <a:endParaRPr lang="de-DE" dirty="0"/>
           </a:p>
           <a:p>
@@ -4465,6 +6158,42 @@
           </a:p>
         </p:txBody>
       </p:sp>
+      <p:pic>
+        <p:nvPicPr>
+          <p:cNvPr id="6" name="Grafik 5">
+            <a:extLst>
+              <a:ext uri="{FF2B5EF4-FFF2-40B4-BE49-F238E27FC236}">
+                <a16:creationId xmlns:a16="http://schemas.microsoft.com/office/drawing/2014/main" id="{166B7212-14BD-4C29-B4A6-6F034EEB4096}"/>
+              </a:ext>
+            </a:extLst>
+          </p:cNvPr>
+          <p:cNvPicPr>
+            <a:picLocks noChangeAspect="1"/>
+          </p:cNvPicPr>
+          <p:nvPr/>
+        </p:nvPicPr>
+        <p:blipFill>
+          <a:blip r:embed="rId2">
+            <a:extLst>
+              <a:ext uri="{28A0092B-C50C-407E-A947-70E740481C1C}">
+                <a14:useLocalDpi xmlns:a14="http://schemas.microsoft.com/office/drawing/2010/main" val="0"/>
+              </a:ext>
+            </a:extLst>
+          </a:blip>
+          <a:stretch>
+            <a:fillRect/>
+          </a:stretch>
+        </p:blipFill>
+        <p:spPr>
+          <a:xfrm>
+            <a:off x="629816" y="2577279"/>
+            <a:ext cx="7884368" cy="2145682"/>
+          </a:xfrm>
+          <a:prstGeom prst="rect">
+            <a:avLst/>
+          </a:prstGeom>
+        </p:spPr>
+      </p:pic>
     </p:spTree>
     <p:extLst>
       <p:ext uri="{BB962C8B-B14F-4D97-AF65-F5344CB8AC3E}">
@@ -4497,10 +6226,10 @@
       </p:grpSpPr>
       <p:sp>
         <p:nvSpPr>
-          <p:cNvPr id="2" name="Inhaltsplatzhalter 1">
+          <p:cNvPr id="2" name="Foliennummernplatzhalter 1">
             <a:extLst>
               <a:ext uri="{FF2B5EF4-FFF2-40B4-BE49-F238E27FC236}">
-                <a16:creationId xmlns:a16="http://schemas.microsoft.com/office/drawing/2014/main" id="{719F1C91-4689-4DC8-AD81-6F1E4DCC533C}"/>
+                <a16:creationId xmlns:a16="http://schemas.microsoft.com/office/drawing/2014/main" id="{7A75D52F-E4B6-4AF5-8B0B-E428385DA0F8}"/>
               </a:ext>
             </a:extLst>
           </p:cNvPr>
@@ -4508,154 +6237,6 @@
             <a:spLocks noGrp="1"/>
           </p:cNvSpPr>
           <p:nvPr>
-            <p:ph idx="1"/>
-          </p:nvPr>
-        </p:nvSpPr>
-        <p:spPr/>
-        <p:txBody>
-          <a:bodyPr/>
-          <a:lstStyle/>
-          <a:p>
-            <a:r>
-              <a:rPr lang="de-DE" dirty="0"/>
-              <a:t>App </a:t>
-            </a:r>
-            <a:r>
-              <a:rPr lang="de-DE" dirty="0" err="1"/>
-              <a:t>until</a:t>
-            </a:r>
-            <a:r>
-              <a:rPr lang="de-DE" dirty="0"/>
-              <a:t> 9.12</a:t>
-            </a:r>
-          </a:p>
-          <a:p>
-            <a:r>
-              <a:rPr lang="de-DE" dirty="0"/>
-              <a:t>Study </a:t>
-            </a:r>
-            <a:r>
-              <a:rPr lang="de-DE" dirty="0" err="1"/>
-              <a:t>done</a:t>
-            </a:r>
-            <a:r>
-              <a:rPr lang="de-DE" dirty="0"/>
-              <a:t> </a:t>
-            </a:r>
-            <a:r>
-              <a:rPr lang="de-DE" dirty="0" err="1"/>
-              <a:t>until</a:t>
-            </a:r>
-            <a:r>
-              <a:rPr lang="de-DE" dirty="0"/>
-              <a:t> 21.12</a:t>
-            </a:r>
-          </a:p>
-          <a:p>
-            <a:r>
-              <a:rPr lang="de-DE" dirty="0" err="1"/>
-              <a:t>Results</a:t>
-            </a:r>
-            <a:r>
-              <a:rPr lang="de-DE" dirty="0"/>
-              <a:t> </a:t>
-            </a:r>
-            <a:r>
-              <a:rPr lang="de-DE" dirty="0" err="1"/>
-              <a:t>until</a:t>
-            </a:r>
-            <a:r>
-              <a:rPr lang="de-DE" dirty="0"/>
-              <a:t> end </a:t>
-            </a:r>
-            <a:r>
-              <a:rPr lang="de-DE" dirty="0" err="1"/>
-              <a:t>of</a:t>
-            </a:r>
-            <a:r>
-              <a:rPr lang="de-DE" dirty="0"/>
-              <a:t> </a:t>
-            </a:r>
-            <a:r>
-              <a:rPr lang="de-DE" dirty="0" err="1"/>
-              <a:t>january</a:t>
-            </a:r>
-            <a:endParaRPr lang="de-DE" dirty="0"/>
-          </a:p>
-          <a:p>
-            <a:r>
-              <a:rPr lang="de-DE" dirty="0" err="1"/>
-              <a:t>Camera</a:t>
-            </a:r>
-            <a:r>
-              <a:rPr lang="de-DE" dirty="0"/>
-              <a:t> </a:t>
-            </a:r>
-            <a:r>
-              <a:rPr lang="de-DE" dirty="0" err="1"/>
-              <a:t>ready</a:t>
-            </a:r>
-            <a:r>
-              <a:rPr lang="de-DE" dirty="0"/>
-              <a:t> </a:t>
-            </a:r>
-            <a:r>
-              <a:rPr lang="de-DE" dirty="0" err="1"/>
-              <a:t>paper</a:t>
-            </a:r>
-            <a:r>
-              <a:rPr lang="de-DE" dirty="0"/>
-              <a:t> </a:t>
-            </a:r>
-            <a:r>
-              <a:rPr lang="de-DE" dirty="0" err="1"/>
-              <a:t>until</a:t>
-            </a:r>
-            <a:r>
-              <a:rPr lang="de-DE" dirty="0"/>
-              <a:t> </a:t>
-            </a:r>
-            <a:r>
-              <a:rPr lang="de-DE" dirty="0" err="1"/>
-              <a:t>mid</a:t>
-            </a:r>
-            <a:r>
-              <a:rPr lang="de-DE" dirty="0"/>
-              <a:t> </a:t>
-            </a:r>
-            <a:r>
-              <a:rPr lang="de-DE" dirty="0" err="1"/>
-              <a:t>february</a:t>
-            </a:r>
-            <a:endParaRPr lang="de-DE" dirty="0"/>
-          </a:p>
-          <a:p>
-            <a:endParaRPr lang="de-DE" dirty="0"/>
-          </a:p>
-          <a:p>
-            <a:endParaRPr lang="de-DE" dirty="0"/>
-          </a:p>
-          <a:p>
-            <a:endParaRPr lang="de-DE" dirty="0"/>
-          </a:p>
-          <a:p>
-            <a:endParaRPr lang="de-DE" dirty="0"/>
-          </a:p>
-        </p:txBody>
-      </p:sp>
-      <p:sp>
-        <p:nvSpPr>
-          <p:cNvPr id="3" name="Foliennummernplatzhalter 2">
-            <a:extLst>
-              <a:ext uri="{FF2B5EF4-FFF2-40B4-BE49-F238E27FC236}">
-                <a16:creationId xmlns:a16="http://schemas.microsoft.com/office/drawing/2014/main" id="{59C2DE10-8D0E-4834-9FE4-C5D704BF65DA}"/>
-              </a:ext>
-            </a:extLst>
-          </p:cNvPr>
-          <p:cNvSpPr>
-            <a:spLocks noGrp="1"/>
-          </p:cNvSpPr>
-          <p:nvPr>
             <p:ph type="sldNum" sz="quarter" idx="12"/>
           </p:nvPr>
         </p:nvSpPr>
@@ -4668,42 +6249,2499 @@
               <a:rPr lang="de-DE" smtClean="0"/>
               <a:t>9</a:t>
             </a:fld>
-            <a:endParaRPr lang="de-DE" dirty="0"/>
-          </a:p>
-        </p:txBody>
-      </p:sp>
-      <p:sp>
-        <p:nvSpPr>
-          <p:cNvPr id="4" name="Titel 3">
+            <a:endParaRPr lang="de-DE"/>
+          </a:p>
+        </p:txBody>
+      </p:sp>
+      <p:sp>
+        <p:nvSpPr>
+          <p:cNvPr id="48" name="OTLSHAPE_TB_00000000000000000000000000000000_LeftEndCaps" hidden="1">
             <a:extLst>
               <a:ext uri="{FF2B5EF4-FFF2-40B4-BE49-F238E27FC236}">
-                <a16:creationId xmlns:a16="http://schemas.microsoft.com/office/drawing/2014/main" id="{52E21FE3-62D2-416F-A8C1-4F273C3B927C}"/>
+                <a16:creationId xmlns:a16="http://schemas.microsoft.com/office/drawing/2014/main" id="{8922AB85-0A34-46E9-B0B5-7EDD958CA15B}"/>
               </a:ext>
             </a:extLst>
           </p:cNvPr>
-          <p:cNvSpPr>
-            <a:spLocks noGrp="1"/>
+          <p:cNvSpPr txBox="1"/>
+          <p:nvPr>
+            <p:custDataLst>
+              <p:tags r:id="rId2"/>
+            </p:custDataLst>
+          </p:nvPr>
+        </p:nvSpPr>
+        <p:spPr>
+          <a:xfrm>
+            <a:off x="254000" y="2241719"/>
+            <a:ext cx="469900" cy="279061"/>
+          </a:xfrm>
+          <a:prstGeom prst="rect">
+            <a:avLst/>
+          </a:prstGeom>
+          <a:noFill/>
+        </p:spPr>
+        <p:txBody>
+          <a:bodyPr vert="horz" wrap="none" lIns="0" tIns="0" rIns="0" bIns="0" rtlCol="0" anchor="ctr" anchorCtr="0">
+            <a:spAutoFit/>
+          </a:bodyPr>
+          <a:lstStyle/>
+          <a:p>
+            <a:pPr algn="ctr"/>
+            <a:r>
+              <a:rPr lang="en-DE" b="1">
+                <a:solidFill>
+                  <a:srgbClr val="ED7D31"/>
+                </a:solidFill>
+                <a:latin typeface="Calibri" panose="020F0502020204030204" pitchFamily="34" charset="0"/>
+              </a:rPr>
+              <a:t>2018</a:t>
+            </a:r>
+          </a:p>
+        </p:txBody>
+      </p:sp>
+      <p:sp>
+        <p:nvSpPr>
+          <p:cNvPr id="49" name="OTLSHAPE_TB_00000000000000000000000000000000_RightEndCaps">
+            <a:extLst>
+              <a:ext uri="{FF2B5EF4-FFF2-40B4-BE49-F238E27FC236}">
+                <a16:creationId xmlns:a16="http://schemas.microsoft.com/office/drawing/2014/main" id="{4ACF6760-722C-4EA6-BE6A-099356D94853}"/>
+              </a:ext>
+            </a:extLst>
+          </p:cNvPr>
+          <p:cNvSpPr txBox="1"/>
+          <p:nvPr>
+            <p:custDataLst>
+              <p:tags r:id="rId3"/>
+            </p:custDataLst>
+          </p:nvPr>
+        </p:nvSpPr>
+        <p:spPr>
+          <a:xfrm>
+            <a:off x="8426534" y="1703773"/>
+            <a:ext cx="451662" cy="279061"/>
+          </a:xfrm>
+          <a:prstGeom prst="rect">
+            <a:avLst/>
+          </a:prstGeom>
+          <a:noFill/>
+        </p:spPr>
+        <p:txBody>
+          <a:bodyPr vert="horz" wrap="none" lIns="0" tIns="0" rIns="0" bIns="0" rtlCol="0" anchor="ctr" anchorCtr="0">
+            <a:spAutoFit/>
+          </a:bodyPr>
+          <a:lstStyle/>
+          <a:p>
+            <a:pPr algn="ctr"/>
+            <a:r>
+              <a:rPr lang="en-DE" b="1" spc="-38">
+                <a:solidFill>
+                  <a:srgbClr val="ED7D31"/>
+                </a:solidFill>
+                <a:latin typeface="Calibri" panose="020F0502020204030204" pitchFamily="34" charset="0"/>
+              </a:rPr>
+              <a:t>2019</a:t>
+            </a:r>
+          </a:p>
+        </p:txBody>
+      </p:sp>
+      <p:sp>
+        <p:nvSpPr>
+          <p:cNvPr id="50" name="OTLSHAPE_TB_00000000000000000000000000000000_ScaleContainer">
+            <a:extLst>
+              <a:ext uri="{FF2B5EF4-FFF2-40B4-BE49-F238E27FC236}">
+                <a16:creationId xmlns:a16="http://schemas.microsoft.com/office/drawing/2014/main" id="{6EBE1C1F-3CEE-43F6-8F17-BEE0C1B6B86C}"/>
+              </a:ext>
+            </a:extLst>
+          </p:cNvPr>
+          <p:cNvSpPr/>
+          <p:nvPr>
+            <p:custDataLst>
+              <p:tags r:id="rId4"/>
+            </p:custDataLst>
+          </p:nvPr>
+        </p:nvSpPr>
+        <p:spPr>
+          <a:xfrm>
+            <a:off x="844465" y="1652804"/>
+            <a:ext cx="7467600" cy="381000"/>
+          </a:xfrm>
+          <a:prstGeom prst="roundRect">
+            <a:avLst>
+              <a:gd name="adj" fmla="val 100000"/>
+            </a:avLst>
+          </a:prstGeom>
+          <a:gradFill flip="none" rotWithShape="1">
+            <a:gsLst>
+              <a:gs pos="0">
+                <a:srgbClr val="44546A"/>
+              </a:gs>
+              <a:gs pos="0">
+                <a:srgbClr val="44546A"/>
+              </a:gs>
+            </a:gsLst>
+            <a:lin ang="5400000" scaled="1"/>
+            <a:tileRect/>
+          </a:gradFill>
+          <a:ln w="25400" cap="flat" cmpd="sng" algn="ctr">
+            <a:noFill/>
+            <a:prstDash val="solid"/>
+          </a:ln>
+          <a:effectLst>
+            <a:reflection blurRad="6350" stA="50000" endA="300" endPos="55500" dist="50800" dir="5400000" sy="-100000" algn="bl" rotWithShape="0"/>
+          </a:effectLst>
+          <a:scene3d>
+            <a:camera prst="orthographicFront"/>
+            <a:lightRig rig="threePt" dir="t">
+              <a:rot lat="0" lon="0" rev="8700000"/>
+            </a:lightRig>
+          </a:scene3d>
+          <a:sp3d>
+            <a:bevelT w="165100" h="19050"/>
+          </a:sp3d>
+          <a:extLst>
+            <a:ext uri="{91240B29-F687-4F45-9708-019B960494DF}">
+              <a14:hiddenLine xmlns:a14="http://schemas.microsoft.com/office/drawing/2010/main" w="25400" cap="flat" cmpd="sng" algn="ctr">
+                <a:solidFill>
+                  <a:schemeClr val="accent1">
+                    <a:shade val="50000"/>
+                  </a:schemeClr>
+                </a:solidFill>
+                <a:prstDash val="solid"/>
+              </a14:hiddenLine>
+            </a:ext>
+          </a:extLst>
+        </p:spPr>
+        <p:style>
+          <a:lnRef idx="2">
+            <a:schemeClr val="accent1">
+              <a:shade val="50000"/>
+            </a:schemeClr>
+          </a:lnRef>
+          <a:fillRef idx="1">
+            <a:schemeClr val="accent1"/>
+          </a:fillRef>
+          <a:effectRef idx="0">
+            <a:schemeClr val="accent1"/>
+          </a:effectRef>
+          <a:fontRef idx="minor">
+            <a:schemeClr val="lt1"/>
+          </a:fontRef>
+        </p:style>
+        <p:txBody>
+          <a:bodyPr rtlCol="0" anchor="ctr"/>
+          <a:lstStyle/>
+          <a:p>
+            <a:pPr algn="ctr"/>
+            <a:endParaRPr lang="en-DE"/>
+          </a:p>
+        </p:txBody>
+      </p:sp>
+      <p:sp>
+        <p:nvSpPr>
+          <p:cNvPr id="51" name="OTLSHAPE_TB_00000000000000000000000000000000_ElapsedTime">
+            <a:extLst>
+              <a:ext uri="{FF2B5EF4-FFF2-40B4-BE49-F238E27FC236}">
+                <a16:creationId xmlns:a16="http://schemas.microsoft.com/office/drawing/2014/main" id="{B345D0B3-29DC-4223-A1D5-4590846F315C}"/>
+              </a:ext>
+            </a:extLst>
+          </p:cNvPr>
+          <p:cNvSpPr/>
+          <p:nvPr>
+            <p:custDataLst>
+              <p:tags r:id="rId5"/>
+            </p:custDataLst>
+          </p:nvPr>
+        </p:nvSpPr>
+        <p:spPr>
+          <a:xfrm>
+            <a:off x="844465" y="1652804"/>
+            <a:ext cx="469900" cy="381000"/>
+          </a:xfrm>
+          <a:prstGeom prst="roundRect">
+            <a:avLst>
+              <a:gd name="adj" fmla="val 10000000"/>
+            </a:avLst>
+          </a:prstGeom>
+          <a:solidFill>
+            <a:srgbClr val="FF0000">
+              <a:alpha val="30196"/>
+            </a:srgbClr>
+          </a:solidFill>
+          <a:ln w="25400" cap="flat" cmpd="sng" algn="ctr">
+            <a:noFill/>
+            <a:prstDash val="solid"/>
+          </a:ln>
+          <a:effectLst/>
+          <a:scene3d>
+            <a:camera prst="orthographicFront"/>
+            <a:lightRig rig="threePt" dir="t">
+              <a:rot lat="0" lon="0" rev="0"/>
+            </a:lightRig>
+          </a:scene3d>
+          <a:sp3d>
+            <a:bevelT w="12700" h="139700"/>
+          </a:sp3d>
+          <a:extLst>
+            <a:ext uri="{91240B29-F687-4F45-9708-019B960494DF}">
+              <a14:hiddenLine xmlns:a14="http://schemas.microsoft.com/office/drawing/2010/main" w="25400" cap="flat" cmpd="sng" algn="ctr">
+                <a:solidFill>
+                  <a:schemeClr val="accent1">
+                    <a:shade val="50000"/>
+                  </a:schemeClr>
+                </a:solidFill>
+                <a:prstDash val="solid"/>
+              </a14:hiddenLine>
+            </a:ext>
+          </a:extLst>
+        </p:spPr>
+        <p:style>
+          <a:lnRef idx="2">
+            <a:schemeClr val="accent1">
+              <a:shade val="50000"/>
+            </a:schemeClr>
+          </a:lnRef>
+          <a:fillRef idx="1">
+            <a:schemeClr val="accent1"/>
+          </a:fillRef>
+          <a:effectRef idx="0">
+            <a:schemeClr val="accent1"/>
+          </a:effectRef>
+          <a:fontRef idx="minor">
+            <a:schemeClr val="lt1"/>
+          </a:fontRef>
+        </p:style>
+        <p:txBody>
+          <a:bodyPr rtlCol="0" anchor="ctr"/>
+          <a:lstStyle/>
+          <a:p>
+            <a:pPr algn="ctr"/>
+            <a:endParaRPr lang="en-DE"/>
+          </a:p>
+        </p:txBody>
+      </p:sp>
+      <p:sp>
+        <p:nvSpPr>
+          <p:cNvPr id="52" name="OTLSHAPE_TB_00000000000000000000000000000000_TodayMarkerShape">
+            <a:extLst>
+              <a:ext uri="{FF2B5EF4-FFF2-40B4-BE49-F238E27FC236}">
+                <a16:creationId xmlns:a16="http://schemas.microsoft.com/office/drawing/2014/main" id="{3D772C4B-C92F-4B6E-B96E-46C2E5505085}"/>
+              </a:ext>
+            </a:extLst>
+          </p:cNvPr>
+          <p:cNvSpPr/>
+          <p:nvPr>
+            <p:custDataLst>
+              <p:tags r:id="rId6"/>
+            </p:custDataLst>
+          </p:nvPr>
+        </p:nvSpPr>
+        <p:spPr>
+          <a:xfrm>
+            <a:off x="1172333" y="2033804"/>
+            <a:ext cx="114300" cy="127000"/>
+          </a:xfrm>
+          <a:prstGeom prst="triangle">
+            <a:avLst/>
+          </a:prstGeom>
+          <a:solidFill>
+            <a:srgbClr val="FF0000"/>
+          </a:solidFill>
+          <a:ln w="25400" cap="flat" cmpd="sng" algn="ctr">
+            <a:noFill/>
+            <a:prstDash val="solid"/>
+          </a:ln>
+          <a:effectLst>
+            <a:outerShdw>
+              <a:scrgbClr r="0" g="0" b="0">
+                <a:alpha val="50000"/>
+              </a:scrgbClr>
+            </a:outerShdw>
+          </a:effectLst>
+          <a:extLst>
+            <a:ext uri="{91240B29-F687-4F45-9708-019B960494DF}">
+              <a14:hiddenLine xmlns:a14="http://schemas.microsoft.com/office/drawing/2010/main" w="25400" cap="flat" cmpd="sng" algn="ctr">
+                <a:solidFill>
+                  <a:schemeClr val="accent1">
+                    <a:shade val="50000"/>
+                  </a:schemeClr>
+                </a:solidFill>
+                <a:prstDash val="solid"/>
+              </a14:hiddenLine>
+            </a:ext>
+            <a:ext uri="{53640926-AAD7-44D8-BBD7-CCE9431645EC}">
+              <a14:shadowObscured xmlns:a14="http://schemas.microsoft.com/office/drawing/2010/main" val="1"/>
+            </a:ext>
+          </a:extLst>
+        </p:spPr>
+        <p:style>
+          <a:lnRef idx="2">
+            <a:schemeClr val="accent1">
+              <a:shade val="50000"/>
+            </a:schemeClr>
+          </a:lnRef>
+          <a:fillRef idx="1">
+            <a:schemeClr val="accent1"/>
+          </a:fillRef>
+          <a:effectRef idx="0">
+            <a:schemeClr val="accent1"/>
+          </a:effectRef>
+          <a:fontRef idx="minor">
+            <a:schemeClr val="lt1"/>
+          </a:fontRef>
+        </p:style>
+        <p:txBody>
+          <a:bodyPr rtlCol="0" anchor="ctr"/>
+          <a:lstStyle/>
+          <a:p>
+            <a:pPr algn="ctr"/>
+            <a:endParaRPr lang="en-DE"/>
+          </a:p>
+        </p:txBody>
+      </p:sp>
+      <p:sp>
+        <p:nvSpPr>
+          <p:cNvPr id="53" name="OTLSHAPE_TB_00000000000000000000000000000000_TodayMarkerText">
+            <a:extLst>
+              <a:ext uri="{FF2B5EF4-FFF2-40B4-BE49-F238E27FC236}">
+                <a16:creationId xmlns:a16="http://schemas.microsoft.com/office/drawing/2014/main" id="{9B7573C8-E478-41A7-A770-50B368801292}"/>
+              </a:ext>
+            </a:extLst>
+          </p:cNvPr>
+          <p:cNvSpPr txBox="1"/>
+          <p:nvPr>
+            <p:custDataLst>
+              <p:tags r:id="rId7"/>
+            </p:custDataLst>
+          </p:nvPr>
+        </p:nvSpPr>
+        <p:spPr>
+          <a:xfrm>
+            <a:off x="1046633" y="2160804"/>
+            <a:ext cx="368300" cy="186055"/>
+          </a:xfrm>
+          <a:prstGeom prst="rect">
+            <a:avLst/>
+          </a:prstGeom>
+          <a:noFill/>
+        </p:spPr>
+        <p:txBody>
+          <a:bodyPr vert="horz" wrap="none" lIns="0" tIns="0" rIns="0" bIns="0" rtlCol="0" anchor="ctr" anchorCtr="0">
+            <a:spAutoFit/>
+          </a:bodyPr>
+          <a:lstStyle/>
+          <a:p>
+            <a:pPr algn="ctr"/>
+            <a:r>
+              <a:rPr lang="de-DE" sz="1200" spc="-12">
+                <a:solidFill>
+                  <a:schemeClr val="dk1"/>
+                </a:solidFill>
+                <a:latin typeface="Calibri" panose="020F0502020204030204" pitchFamily="34" charset="0"/>
+              </a:rPr>
+              <a:t>Today</a:t>
+            </a:r>
+            <a:endParaRPr lang="en-DE" sz="1200" spc="-12">
+              <a:solidFill>
+                <a:schemeClr val="dk1"/>
+              </a:solidFill>
+              <a:latin typeface="Calibri" panose="020F0502020204030204" pitchFamily="34" charset="0"/>
+            </a:endParaRPr>
+          </a:p>
+        </p:txBody>
+      </p:sp>
+      <p:sp>
+        <p:nvSpPr>
+          <p:cNvPr id="54" name="OTLSHAPE_TB_00000000000000000000000000000000_TimescaleInterval1">
+            <a:extLst>
+              <a:ext uri="{FF2B5EF4-FFF2-40B4-BE49-F238E27FC236}">
+                <a16:creationId xmlns:a16="http://schemas.microsoft.com/office/drawing/2014/main" id="{E8C320C2-C298-409B-AFBE-BE3A622455E2}"/>
+              </a:ext>
+            </a:extLst>
+          </p:cNvPr>
+          <p:cNvSpPr txBox="1"/>
+          <p:nvPr>
+            <p:custDataLst>
+              <p:tags r:id="rId8"/>
+            </p:custDataLst>
+          </p:nvPr>
+        </p:nvSpPr>
+        <p:spPr>
+          <a:xfrm>
+            <a:off x="1073065" y="1750277"/>
+            <a:ext cx="243978" cy="186055"/>
+          </a:xfrm>
+          <a:prstGeom prst="rect">
+            <a:avLst/>
+          </a:prstGeom>
+          <a:noFill/>
+        </p:spPr>
+        <p:txBody>
+          <a:bodyPr vert="horz" wrap="none" lIns="0" tIns="0" rIns="0" bIns="0" rtlCol="0" anchor="ctr" anchorCtr="0">
+            <a:noAutofit/>
+          </a:bodyPr>
+          <a:lstStyle/>
+          <a:p>
+            <a:r>
+              <a:rPr lang="de-DE" sz="1200" spc="-20">
+                <a:solidFill>
+                  <a:schemeClr val="lt1"/>
+                </a:solidFill>
+                <a:latin typeface="Calibri" panose="020F0502020204030204" pitchFamily="34" charset="0"/>
+              </a:rPr>
+              <a:t>Nov</a:t>
+            </a:r>
+            <a:endParaRPr lang="en-DE" sz="1200" spc="-20">
+              <a:solidFill>
+                <a:schemeClr val="lt1"/>
+              </a:solidFill>
+              <a:latin typeface="Calibri" panose="020F0502020204030204" pitchFamily="34" charset="0"/>
+            </a:endParaRPr>
+          </a:p>
+        </p:txBody>
+      </p:sp>
+      <p:cxnSp>
+        <p:nvCxnSpPr>
+          <p:cNvPr id="55" name="OTLSHAPE_TB_00000000000000000000000000000000_Separator1">
+            <a:extLst>
+              <a:ext uri="{FF2B5EF4-FFF2-40B4-BE49-F238E27FC236}">
+                <a16:creationId xmlns:a16="http://schemas.microsoft.com/office/drawing/2014/main" id="{2E7D2B97-1C91-4358-9AB5-4EBB99C13584}"/>
+              </a:ext>
+            </a:extLst>
+          </p:cNvPr>
+          <p:cNvCxnSpPr/>
+          <p:nvPr>
+            <p:custDataLst>
+              <p:tags r:id="rId9"/>
+            </p:custDataLst>
+          </p:nvPr>
+        </p:nvCxnSpPr>
+        <p:spPr>
+          <a:xfrm>
+            <a:off x="2790782" y="1716304"/>
+            <a:ext cx="0" cy="254000"/>
+          </a:xfrm>
+          <a:prstGeom prst="line">
+            <a:avLst/>
+          </a:prstGeom>
+          <a:ln w="9525" cap="flat" cmpd="sng" algn="ctr">
+            <a:solidFill>
+              <a:schemeClr val="lt1">
+                <a:alpha val="29804"/>
+              </a:schemeClr>
+            </a:solidFill>
+            <a:prstDash val="solid"/>
+            <a:round/>
+            <a:headEnd type="none" w="med" len="med"/>
+            <a:tailEnd type="none" w="med" len="med"/>
+          </a:ln>
+        </p:spPr>
+        <p:style>
+          <a:lnRef idx="1">
+            <a:schemeClr val="accent1"/>
+          </a:lnRef>
+          <a:fillRef idx="0">
+            <a:schemeClr val="accent1"/>
+          </a:fillRef>
+          <a:effectRef idx="0">
+            <a:schemeClr val="accent1"/>
+          </a:effectRef>
+          <a:fontRef idx="minor">
+            <a:schemeClr val="tx1"/>
+          </a:fontRef>
+        </p:style>
+      </p:cxnSp>
+      <p:sp>
+        <p:nvSpPr>
+          <p:cNvPr id="56" name="OTLSHAPE_TB_00000000000000000000000000000000_TimescaleInterval2">
+            <a:extLst>
+              <a:ext uri="{FF2B5EF4-FFF2-40B4-BE49-F238E27FC236}">
+                <a16:creationId xmlns:a16="http://schemas.microsoft.com/office/drawing/2014/main" id="{0ACFF162-E70A-4CEF-A36F-1A5ACA29E404}"/>
+              </a:ext>
+            </a:extLst>
+          </p:cNvPr>
+          <p:cNvSpPr txBox="1"/>
+          <p:nvPr>
+            <p:custDataLst>
+              <p:tags r:id="rId10"/>
+            </p:custDataLst>
+          </p:nvPr>
+        </p:nvSpPr>
+        <p:spPr>
+          <a:xfrm>
+            <a:off x="2854283" y="1750277"/>
+            <a:ext cx="231858" cy="186055"/>
+          </a:xfrm>
+          <a:prstGeom prst="rect">
+            <a:avLst/>
+          </a:prstGeom>
+          <a:noFill/>
+        </p:spPr>
+        <p:txBody>
+          <a:bodyPr vert="horz" wrap="none" lIns="0" tIns="0" rIns="0" bIns="0" rtlCol="0" anchor="ctr" anchorCtr="0">
+            <a:noAutofit/>
+          </a:bodyPr>
+          <a:lstStyle/>
+          <a:p>
+            <a:r>
+              <a:rPr lang="de-DE" sz="1200" spc="-22">
+                <a:solidFill>
+                  <a:schemeClr val="lt1"/>
+                </a:solidFill>
+                <a:latin typeface="Calibri" panose="020F0502020204030204" pitchFamily="34" charset="0"/>
+              </a:rPr>
+              <a:t>Dec</a:t>
+            </a:r>
+            <a:endParaRPr lang="en-DE" sz="1200" spc="-22">
+              <a:solidFill>
+                <a:schemeClr val="lt1"/>
+              </a:solidFill>
+              <a:latin typeface="Calibri" panose="020F0502020204030204" pitchFamily="34" charset="0"/>
+            </a:endParaRPr>
+          </a:p>
+        </p:txBody>
+      </p:sp>
+      <p:cxnSp>
+        <p:nvCxnSpPr>
+          <p:cNvPr id="57" name="OTLSHAPE_TB_00000000000000000000000000000000_Separator2">
+            <a:extLst>
+              <a:ext uri="{FF2B5EF4-FFF2-40B4-BE49-F238E27FC236}">
+                <a16:creationId xmlns:a16="http://schemas.microsoft.com/office/drawing/2014/main" id="{DE864575-AAAC-4C6A-9842-DF75D3F7EA71}"/>
+              </a:ext>
+            </a:extLst>
+          </p:cNvPr>
+          <p:cNvCxnSpPr/>
+          <p:nvPr>
+            <p:custDataLst>
+              <p:tags r:id="rId11"/>
+            </p:custDataLst>
+          </p:nvPr>
+        </p:nvCxnSpPr>
+        <p:spPr>
+          <a:xfrm>
+            <a:off x="4631374" y="1716304"/>
+            <a:ext cx="0" cy="254000"/>
+          </a:xfrm>
+          <a:prstGeom prst="line">
+            <a:avLst/>
+          </a:prstGeom>
+          <a:ln w="9525" cap="flat" cmpd="sng" algn="ctr">
+            <a:solidFill>
+              <a:schemeClr val="lt1">
+                <a:alpha val="29804"/>
+              </a:schemeClr>
+            </a:solidFill>
+            <a:prstDash val="solid"/>
+            <a:round/>
+            <a:headEnd type="none" w="med" len="med"/>
+            <a:tailEnd type="none" w="med" len="med"/>
+          </a:ln>
+        </p:spPr>
+        <p:style>
+          <a:lnRef idx="1">
+            <a:schemeClr val="accent1"/>
+          </a:lnRef>
+          <a:fillRef idx="0">
+            <a:schemeClr val="accent1"/>
+          </a:fillRef>
+          <a:effectRef idx="0">
+            <a:schemeClr val="accent1"/>
+          </a:effectRef>
+          <a:fontRef idx="minor">
+            <a:schemeClr val="tx1"/>
+          </a:fontRef>
+        </p:style>
+      </p:cxnSp>
+      <p:sp>
+        <p:nvSpPr>
+          <p:cNvPr id="58" name="OTLSHAPE_TB_00000000000000000000000000000000_TimescaleInterval3">
+            <a:extLst>
+              <a:ext uri="{FF2B5EF4-FFF2-40B4-BE49-F238E27FC236}">
+                <a16:creationId xmlns:a16="http://schemas.microsoft.com/office/drawing/2014/main" id="{12F65390-C9AA-407B-89B8-CC29EC409498}"/>
+              </a:ext>
+            </a:extLst>
+          </p:cNvPr>
+          <p:cNvSpPr txBox="1"/>
+          <p:nvPr>
+            <p:custDataLst>
+              <p:tags r:id="rId12"/>
+            </p:custDataLst>
+          </p:nvPr>
+        </p:nvSpPr>
+        <p:spPr>
+          <a:xfrm>
+            <a:off x="4694874" y="1750277"/>
+            <a:ext cx="304955" cy="186055"/>
+          </a:xfrm>
+          <a:prstGeom prst="rect">
+            <a:avLst/>
+          </a:prstGeom>
+          <a:noFill/>
+        </p:spPr>
+        <p:txBody>
+          <a:bodyPr vert="horz" wrap="none" lIns="0" tIns="0" rIns="0" bIns="0" rtlCol="0" anchor="ctr" anchorCtr="0">
+            <a:noAutofit/>
+          </a:bodyPr>
+          <a:lstStyle/>
+          <a:p>
+            <a:r>
+              <a:rPr lang="en-DE" sz="1200" spc="-20">
+                <a:solidFill>
+                  <a:schemeClr val="lt1"/>
+                </a:solidFill>
+                <a:latin typeface="Calibri" panose="020F0502020204030204" pitchFamily="34" charset="0"/>
+              </a:rPr>
+              <a:t>2019</a:t>
+            </a:r>
+          </a:p>
+        </p:txBody>
+      </p:sp>
+      <p:cxnSp>
+        <p:nvCxnSpPr>
+          <p:cNvPr id="59" name="OTLSHAPE_TB_00000000000000000000000000000000_Separator3">
+            <a:extLst>
+              <a:ext uri="{FF2B5EF4-FFF2-40B4-BE49-F238E27FC236}">
+                <a16:creationId xmlns:a16="http://schemas.microsoft.com/office/drawing/2014/main" id="{7017A73F-DD44-44E4-A95B-7549BB4BE337}"/>
+              </a:ext>
+            </a:extLst>
+          </p:cNvPr>
+          <p:cNvCxnSpPr/>
+          <p:nvPr>
+            <p:custDataLst>
+              <p:tags r:id="rId13"/>
+            </p:custDataLst>
+          </p:nvPr>
+        </p:nvCxnSpPr>
+        <p:spPr>
+          <a:xfrm>
+            <a:off x="6471965" y="1716304"/>
+            <a:ext cx="0" cy="254000"/>
+          </a:xfrm>
+          <a:prstGeom prst="line">
+            <a:avLst/>
+          </a:prstGeom>
+          <a:ln w="9525" cap="flat" cmpd="sng" algn="ctr">
+            <a:solidFill>
+              <a:schemeClr val="lt1">
+                <a:alpha val="29804"/>
+              </a:schemeClr>
+            </a:solidFill>
+            <a:prstDash val="solid"/>
+            <a:round/>
+            <a:headEnd type="none" w="med" len="med"/>
+            <a:tailEnd type="none" w="med" len="med"/>
+          </a:ln>
+        </p:spPr>
+        <p:style>
+          <a:lnRef idx="1">
+            <a:schemeClr val="accent1"/>
+          </a:lnRef>
+          <a:fillRef idx="0">
+            <a:schemeClr val="accent1"/>
+          </a:fillRef>
+          <a:effectRef idx="0">
+            <a:schemeClr val="accent1"/>
+          </a:effectRef>
+          <a:fontRef idx="minor">
+            <a:schemeClr val="tx1"/>
+          </a:fontRef>
+        </p:style>
+      </p:cxnSp>
+      <p:sp>
+        <p:nvSpPr>
+          <p:cNvPr id="60" name="OTLSHAPE_TB_00000000000000000000000000000000_TimescaleInterval4">
+            <a:extLst>
+              <a:ext uri="{FF2B5EF4-FFF2-40B4-BE49-F238E27FC236}">
+                <a16:creationId xmlns:a16="http://schemas.microsoft.com/office/drawing/2014/main" id="{9560C2CE-0670-4B81-B6E2-7D3E5A43AFE7}"/>
+              </a:ext>
+            </a:extLst>
+          </p:cNvPr>
+          <p:cNvSpPr txBox="1"/>
+          <p:nvPr>
+            <p:custDataLst>
+              <p:tags r:id="rId14"/>
+            </p:custDataLst>
+          </p:nvPr>
+        </p:nvSpPr>
+        <p:spPr>
+          <a:xfrm>
+            <a:off x="6535465" y="1750277"/>
+            <a:ext cx="219227" cy="186055"/>
+          </a:xfrm>
+          <a:prstGeom prst="rect">
+            <a:avLst/>
+          </a:prstGeom>
+          <a:noFill/>
+        </p:spPr>
+        <p:txBody>
+          <a:bodyPr vert="horz" wrap="none" lIns="0" tIns="0" rIns="0" bIns="0" rtlCol="0" anchor="ctr" anchorCtr="0">
+            <a:noAutofit/>
+          </a:bodyPr>
+          <a:lstStyle/>
+          <a:p>
+            <a:r>
+              <a:rPr lang="de-DE" sz="1200" spc="-18">
+                <a:solidFill>
+                  <a:schemeClr val="lt1"/>
+                </a:solidFill>
+                <a:latin typeface="Calibri" panose="020F0502020204030204" pitchFamily="34" charset="0"/>
+              </a:rPr>
+              <a:t>Feb</a:t>
+            </a:r>
+            <a:endParaRPr lang="en-DE" sz="1200" spc="-18">
+              <a:solidFill>
+                <a:schemeClr val="lt1"/>
+              </a:solidFill>
+              <a:latin typeface="Calibri" panose="020F0502020204030204" pitchFamily="34" charset="0"/>
+            </a:endParaRPr>
+          </a:p>
+        </p:txBody>
+      </p:sp>
+      <p:sp>
+        <p:nvSpPr>
+          <p:cNvPr id="61" name="OTLSHAPE_T_07915ac432264f2098af2af2c025e183_Shape">
+            <a:extLst>
+              <a:ext uri="{FF2B5EF4-FFF2-40B4-BE49-F238E27FC236}">
+                <a16:creationId xmlns:a16="http://schemas.microsoft.com/office/drawing/2014/main" id="{5CD23F43-B76B-44F3-BB2A-604A7643F967}"/>
+              </a:ext>
+            </a:extLst>
+          </p:cNvPr>
+          <p:cNvSpPr/>
+          <p:nvPr>
+            <p:custDataLst>
+              <p:tags r:id="rId15"/>
+            </p:custDataLst>
+          </p:nvPr>
+        </p:nvSpPr>
+        <p:spPr>
+          <a:xfrm>
+            <a:off x="1247061" y="2550059"/>
+            <a:ext cx="2082800" cy="203200"/>
+          </a:xfrm>
+          <a:prstGeom prst="roundRect">
+            <a:avLst>
+              <a:gd name="adj" fmla="val 100000"/>
+            </a:avLst>
+          </a:prstGeom>
+          <a:solidFill>
+            <a:schemeClr val="accent1"/>
+          </a:solidFill>
+          <a:ln w="25400" cap="flat" cmpd="sng" algn="ctr">
+            <a:noFill/>
+            <a:prstDash val="solid"/>
+          </a:ln>
+          <a:effectLst/>
+          <a:scene3d>
+            <a:camera prst="orthographicFront"/>
+            <a:lightRig rig="balanced" dir="t">
+              <a:rot lat="0" lon="0" rev="8700000"/>
+            </a:lightRig>
+          </a:scene3d>
+          <a:sp3d>
+            <a:bevelT w="165100" h="12700"/>
+          </a:sp3d>
+          <a:extLst>
+            <a:ext uri="{91240B29-F687-4F45-9708-019B960494DF}">
+              <a14:hiddenLine xmlns:a14="http://schemas.microsoft.com/office/drawing/2010/main" w="25400" cap="flat" cmpd="sng" algn="ctr">
+                <a:solidFill>
+                  <a:schemeClr val="accent1">
+                    <a:shade val="50000"/>
+                  </a:schemeClr>
+                </a:solidFill>
+                <a:prstDash val="solid"/>
+              </a14:hiddenLine>
+            </a:ext>
+            <a:ext uri="{AF507438-7753-43E0-B8FC-AC1667EBCBE1}">
+              <a14:hiddenEffects xmlns:a14="http://schemas.microsoft.com/office/drawing/2010/main">
+                <a:effectLst>
+                  <a:outerShdw>
+                    <a:scrgbClr r="0" g="0" b="0">
+                      <a:alpha val="50000"/>
+                    </a:scrgbClr>
+                  </a:outerShdw>
+                </a:effectLst>
+              </a14:hiddenEffects>
+            </a:ext>
+            <a:ext uri="{53640926-AAD7-44D8-BBD7-CCE9431645EC}">
+              <a14:shadowObscured xmlns:a14="http://schemas.microsoft.com/office/drawing/2010/main" val="1"/>
+            </a:ext>
+          </a:extLst>
+        </p:spPr>
+        <p:style>
+          <a:lnRef idx="2">
+            <a:schemeClr val="accent1">
+              <a:shade val="50000"/>
+            </a:schemeClr>
+          </a:lnRef>
+          <a:fillRef idx="1">
+            <a:schemeClr val="accent1"/>
+          </a:fillRef>
+          <a:effectRef idx="0">
+            <a:schemeClr val="accent1"/>
+          </a:effectRef>
+          <a:fontRef idx="minor">
+            <a:schemeClr val="lt1"/>
+          </a:fontRef>
+        </p:style>
+        <p:txBody>
+          <a:bodyPr rtlCol="0" anchor="ctr"/>
+          <a:lstStyle/>
+          <a:p>
+            <a:pPr algn="ctr"/>
+            <a:endParaRPr lang="en-DE"/>
+          </a:p>
+        </p:txBody>
+      </p:sp>
+      <p:sp>
+        <p:nvSpPr>
+          <p:cNvPr id="62" name="OTLSHAPE_T_07915ac432264f2098af2af2c025e183_ShapePercentage" hidden="1">
+            <a:extLst>
+              <a:ext uri="{FF2B5EF4-FFF2-40B4-BE49-F238E27FC236}">
+                <a16:creationId xmlns:a16="http://schemas.microsoft.com/office/drawing/2014/main" id="{3CA427A0-FB16-4C0A-98DA-EAD243A8F916}"/>
+              </a:ext>
+            </a:extLst>
+          </p:cNvPr>
+          <p:cNvSpPr/>
+          <p:nvPr>
+            <p:custDataLst>
+              <p:tags r:id="rId16"/>
+            </p:custDataLst>
+          </p:nvPr>
+        </p:nvSpPr>
+        <p:spPr>
+          <a:xfrm>
+            <a:off x="1247061" y="3088005"/>
+            <a:ext cx="0" cy="0"/>
+          </a:xfrm>
+          <a:prstGeom prst="roundRect">
+            <a:avLst>
+              <a:gd name="adj" fmla="val 100000"/>
+            </a:avLst>
+          </a:prstGeom>
+        </p:spPr>
+        <p:style>
+          <a:lnRef idx="2">
+            <a:schemeClr val="accent1">
+              <a:shade val="50000"/>
+            </a:schemeClr>
+          </a:lnRef>
+          <a:fillRef idx="1">
+            <a:schemeClr val="accent1"/>
+          </a:fillRef>
+          <a:effectRef idx="0">
+            <a:schemeClr val="accent1"/>
+          </a:effectRef>
+          <a:fontRef idx="minor">
+            <a:schemeClr val="lt1"/>
+          </a:fontRef>
+        </p:style>
+        <p:txBody>
+          <a:bodyPr rtlCol="0" anchor="ctr"/>
+          <a:lstStyle/>
+          <a:p>
+            <a:pPr algn="ctr"/>
+            <a:endParaRPr lang="en-DE"/>
+          </a:p>
+        </p:txBody>
+      </p:sp>
+      <p:sp>
+        <p:nvSpPr>
+          <p:cNvPr id="63" name="OTLSHAPE_T_07915ac432264f2098af2af2c025e183_Duration" hidden="1">
+            <a:extLst>
+              <a:ext uri="{FF2B5EF4-FFF2-40B4-BE49-F238E27FC236}">
+                <a16:creationId xmlns:a16="http://schemas.microsoft.com/office/drawing/2014/main" id="{87214C8E-523F-4C18-8FE9-9449DA4EFB71}"/>
+              </a:ext>
+            </a:extLst>
+          </p:cNvPr>
+          <p:cNvSpPr txBox="1"/>
+          <p:nvPr>
+            <p:custDataLst>
+              <p:tags r:id="rId17"/>
+            </p:custDataLst>
+          </p:nvPr>
+        </p:nvSpPr>
+        <p:spPr>
+          <a:xfrm>
+            <a:off x="0" y="3088005"/>
+            <a:ext cx="393700" cy="155025"/>
+          </a:xfrm>
+          <a:prstGeom prst="rect">
+            <a:avLst/>
+          </a:prstGeom>
+          <a:noFill/>
+        </p:spPr>
+        <p:txBody>
+          <a:bodyPr vert="horz" wrap="square" lIns="0" tIns="0" rIns="0" bIns="0" rtlCol="0" anchor="ctr" anchorCtr="0">
+            <a:spAutoFit/>
+          </a:bodyPr>
+          <a:lstStyle/>
+          <a:p>
+            <a:pPr algn="ctr"/>
+            <a:r>
+              <a:rPr lang="de-DE" sz="1000">
+                <a:solidFill>
+                  <a:srgbClr val="ED7D31"/>
+                </a:solidFill>
+                <a:latin typeface="Calibri" panose="020F0502020204030204" pitchFamily="34" charset="0"/>
+              </a:rPr>
+              <a:t>35 days</a:t>
+            </a:r>
+            <a:endParaRPr lang="en-DE" sz="1000">
+              <a:solidFill>
+                <a:srgbClr val="ED7D31"/>
+              </a:solidFill>
+              <a:latin typeface="Calibri" panose="020F0502020204030204" pitchFamily="34" charset="0"/>
+            </a:endParaRPr>
+          </a:p>
+        </p:txBody>
+      </p:sp>
+      <p:sp>
+        <p:nvSpPr>
+          <p:cNvPr id="64" name="OTLSHAPE_T_07915ac432264f2098af2af2c025e183_TextPercentage" hidden="1">
+            <a:extLst>
+              <a:ext uri="{FF2B5EF4-FFF2-40B4-BE49-F238E27FC236}">
+                <a16:creationId xmlns:a16="http://schemas.microsoft.com/office/drawing/2014/main" id="{5E4850C4-FCF4-4B79-AEC6-58807C5E382B}"/>
+              </a:ext>
+            </a:extLst>
+          </p:cNvPr>
+          <p:cNvSpPr txBox="1"/>
+          <p:nvPr>
+            <p:custDataLst>
+              <p:tags r:id="rId18"/>
+            </p:custDataLst>
+          </p:nvPr>
+        </p:nvSpPr>
+        <p:spPr>
+          <a:xfrm>
+            <a:off x="0" y="3243030"/>
+            <a:ext cx="0" cy="153888"/>
+          </a:xfrm>
+          <a:prstGeom prst="rect">
+            <a:avLst/>
+          </a:prstGeom>
+          <a:noFill/>
+        </p:spPr>
+        <p:txBody>
+          <a:bodyPr vert="horz" wrap="square" lIns="0" tIns="0" rIns="0" bIns="0" rtlCol="0" anchor="ctr" anchorCtr="0">
+            <a:spAutoFit/>
+          </a:bodyPr>
+          <a:lstStyle/>
+          <a:p>
+            <a:pPr algn="ctr"/>
+            <a:endParaRPr lang="en-DE" sz="1000">
+              <a:solidFill>
+                <a:srgbClr val="ED7D31"/>
+              </a:solidFill>
+              <a:latin typeface="Calibri" panose="020F0502020204030204" pitchFamily="34" charset="0"/>
+            </a:endParaRPr>
+          </a:p>
+        </p:txBody>
+      </p:sp>
+      <p:sp>
+        <p:nvSpPr>
+          <p:cNvPr id="65" name="OTLSHAPE_T_07915ac432264f2098af2af2c025e183_JoinedDate" hidden="1">
+            <a:extLst>
+              <a:ext uri="{FF2B5EF4-FFF2-40B4-BE49-F238E27FC236}">
+                <a16:creationId xmlns:a16="http://schemas.microsoft.com/office/drawing/2014/main" id="{F21CCB64-337A-4CC2-BB83-E584FBF50B6B}"/>
+              </a:ext>
+            </a:extLst>
+          </p:cNvPr>
+          <p:cNvSpPr txBox="1"/>
+          <p:nvPr>
+            <p:custDataLst>
+              <p:tags r:id="rId19"/>
+            </p:custDataLst>
+          </p:nvPr>
+        </p:nvSpPr>
+        <p:spPr>
+          <a:xfrm>
+            <a:off x="0" y="3243030"/>
+            <a:ext cx="0" cy="153888"/>
+          </a:xfrm>
+          <a:prstGeom prst="rect">
+            <a:avLst/>
+          </a:prstGeom>
+          <a:noFill/>
+        </p:spPr>
+        <p:txBody>
+          <a:bodyPr vert="horz" wrap="square" lIns="0" tIns="0" rIns="0" bIns="0" rtlCol="0" anchor="ctr" anchorCtr="0">
+            <a:spAutoFit/>
+          </a:bodyPr>
+          <a:lstStyle/>
+          <a:p>
+            <a:pPr algn="ctr"/>
+            <a:endParaRPr lang="en-DE" sz="1000">
+              <a:solidFill>
+                <a:srgbClr val="44546A"/>
+              </a:solidFill>
+              <a:latin typeface="Calibri" panose="020F0502020204030204" pitchFamily="34" charset="0"/>
+            </a:endParaRPr>
+          </a:p>
+        </p:txBody>
+      </p:sp>
+      <p:sp>
+        <p:nvSpPr>
+          <p:cNvPr id="66" name="OTLSHAPE_T_07915ac432264f2098af2af2c025e183_StartDate">
+            <a:extLst>
+              <a:ext uri="{FF2B5EF4-FFF2-40B4-BE49-F238E27FC236}">
+                <a16:creationId xmlns:a16="http://schemas.microsoft.com/office/drawing/2014/main" id="{881BA013-D8CD-458E-B460-A58254CD0DCD}"/>
+              </a:ext>
+            </a:extLst>
+          </p:cNvPr>
+          <p:cNvSpPr txBox="1"/>
+          <p:nvPr>
+            <p:custDataLst>
+              <p:tags r:id="rId20"/>
+            </p:custDataLst>
+          </p:nvPr>
+        </p:nvSpPr>
+        <p:spPr>
+          <a:xfrm>
+            <a:off x="647409" y="2574147"/>
+            <a:ext cx="558800" cy="155025"/>
+          </a:xfrm>
+          <a:prstGeom prst="rect">
+            <a:avLst/>
+          </a:prstGeom>
+          <a:noFill/>
+        </p:spPr>
+        <p:txBody>
+          <a:bodyPr vert="horz" wrap="square" lIns="0" tIns="0" rIns="0" bIns="0" rtlCol="0" anchor="ctr" anchorCtr="0">
+            <a:spAutoFit/>
+          </a:bodyPr>
+          <a:lstStyle/>
+          <a:p>
+            <a:pPr algn="ctr"/>
+            <a:r>
+              <a:rPr lang="en-DE" sz="1000" spc="-8">
+                <a:solidFill>
+                  <a:srgbClr val="44546A"/>
+                </a:solidFill>
+                <a:latin typeface="Calibri" panose="020F0502020204030204" pitchFamily="34" charset="0"/>
+              </a:rPr>
+              <a:t>11/5/2018</a:t>
+            </a:r>
+          </a:p>
+        </p:txBody>
+      </p:sp>
+      <p:sp>
+        <p:nvSpPr>
+          <p:cNvPr id="67" name="OTLSHAPE_T_07915ac432264f2098af2af2c025e183_EndDate">
+            <a:extLst>
+              <a:ext uri="{FF2B5EF4-FFF2-40B4-BE49-F238E27FC236}">
+                <a16:creationId xmlns:a16="http://schemas.microsoft.com/office/drawing/2014/main" id="{41965D5A-8F36-48D5-A5DF-845DBF3FB68F}"/>
+              </a:ext>
+            </a:extLst>
+          </p:cNvPr>
+          <p:cNvSpPr txBox="1"/>
+          <p:nvPr>
+            <p:custDataLst>
+              <p:tags r:id="rId21"/>
+            </p:custDataLst>
+          </p:nvPr>
+        </p:nvSpPr>
+        <p:spPr>
+          <a:xfrm>
+            <a:off x="3375907" y="2574147"/>
+            <a:ext cx="558800" cy="155025"/>
+          </a:xfrm>
+          <a:prstGeom prst="rect">
+            <a:avLst/>
+          </a:prstGeom>
+          <a:noFill/>
+        </p:spPr>
+        <p:txBody>
+          <a:bodyPr vert="horz" wrap="square" lIns="0" tIns="0" rIns="0" bIns="0" rtlCol="0" anchor="ctr" anchorCtr="0">
+            <a:spAutoFit/>
+          </a:bodyPr>
+          <a:lstStyle/>
+          <a:p>
+            <a:pPr algn="ctr"/>
+            <a:r>
+              <a:rPr lang="en-DE" sz="1000" spc="-8">
+                <a:solidFill>
+                  <a:srgbClr val="44546A"/>
+                </a:solidFill>
+                <a:latin typeface="Calibri" panose="020F0502020204030204" pitchFamily="34" charset="0"/>
+              </a:rPr>
+              <a:t>12/9/2018</a:t>
+            </a:r>
+          </a:p>
+        </p:txBody>
+      </p:sp>
+      <p:sp>
+        <p:nvSpPr>
+          <p:cNvPr id="68" name="OTLSHAPE_T_07915ac432264f2098af2af2c025e183_Title">
+            <a:extLst>
+              <a:ext uri="{FF2B5EF4-FFF2-40B4-BE49-F238E27FC236}">
+                <a16:creationId xmlns:a16="http://schemas.microsoft.com/office/drawing/2014/main" id="{1CF2CC1C-214F-4C47-8AB9-295DBF7B41C6}"/>
+              </a:ext>
+            </a:extLst>
+          </p:cNvPr>
+          <p:cNvSpPr txBox="1"/>
+          <p:nvPr>
+            <p:custDataLst>
+              <p:tags r:id="rId22"/>
+            </p:custDataLst>
+          </p:nvPr>
+        </p:nvSpPr>
+        <p:spPr>
+          <a:xfrm>
+            <a:off x="1761383" y="2566400"/>
+            <a:ext cx="1054100" cy="170519"/>
+          </a:xfrm>
+          <a:prstGeom prst="rect">
+            <a:avLst/>
+          </a:prstGeom>
+          <a:noFill/>
+        </p:spPr>
+        <p:txBody>
+          <a:bodyPr vert="horz" wrap="square" lIns="0" tIns="0" rIns="0" bIns="0" rtlCol="0" anchor="ctr" anchorCtr="0">
+            <a:spAutoFit/>
+          </a:bodyPr>
+          <a:lstStyle/>
+          <a:p>
+            <a:pPr algn="ctr"/>
+            <a:r>
+              <a:rPr lang="de-DE" sz="1100" b="1" spc="-4">
+                <a:solidFill>
+                  <a:schemeClr val="dk1"/>
+                </a:solidFill>
+                <a:latin typeface="Calibri" panose="020F0502020204030204" pitchFamily="34" charset="0"/>
+              </a:rPr>
+              <a:t>App Development</a:t>
+            </a:r>
+            <a:endParaRPr lang="en-DE" sz="1100" b="1" spc="-4">
+              <a:solidFill>
+                <a:schemeClr val="dk1"/>
+              </a:solidFill>
+              <a:latin typeface="Calibri" panose="020F0502020204030204" pitchFamily="34" charset="0"/>
+            </a:endParaRPr>
+          </a:p>
+        </p:txBody>
+      </p:sp>
+      <p:sp>
+        <p:nvSpPr>
+          <p:cNvPr id="69" name="OTLSHAPE_T_9441d0881af6475f86f4e37c92b04143_Shape">
+            <a:extLst>
+              <a:ext uri="{FF2B5EF4-FFF2-40B4-BE49-F238E27FC236}">
+                <a16:creationId xmlns:a16="http://schemas.microsoft.com/office/drawing/2014/main" id="{CCBF9615-679D-405F-85EF-126D50F6846E}"/>
+              </a:ext>
+            </a:extLst>
+          </p:cNvPr>
+          <p:cNvSpPr/>
+          <p:nvPr>
+            <p:custDataLst>
+              <p:tags r:id="rId23"/>
+            </p:custDataLst>
+          </p:nvPr>
+        </p:nvSpPr>
+        <p:spPr>
+          <a:xfrm>
+            <a:off x="3265774" y="2987278"/>
+            <a:ext cx="774700" cy="203200"/>
+          </a:xfrm>
+          <a:prstGeom prst="roundRect">
+            <a:avLst>
+              <a:gd name="adj" fmla="val 100000"/>
+            </a:avLst>
+          </a:prstGeom>
+          <a:solidFill>
+            <a:schemeClr val="accent1"/>
+          </a:solidFill>
+          <a:ln w="25400" cap="flat" cmpd="sng" algn="ctr">
+            <a:noFill/>
+            <a:prstDash val="solid"/>
+          </a:ln>
+          <a:effectLst/>
+          <a:scene3d>
+            <a:camera prst="orthographicFront"/>
+            <a:lightRig rig="balanced" dir="t">
+              <a:rot lat="0" lon="0" rev="8700000"/>
+            </a:lightRig>
+          </a:scene3d>
+          <a:sp3d>
+            <a:bevelT w="165100" h="12700"/>
+          </a:sp3d>
+          <a:extLst>
+            <a:ext uri="{91240B29-F687-4F45-9708-019B960494DF}">
+              <a14:hiddenLine xmlns:a14="http://schemas.microsoft.com/office/drawing/2010/main" w="25400" cap="flat" cmpd="sng" algn="ctr">
+                <a:solidFill>
+                  <a:schemeClr val="accent1">
+                    <a:shade val="50000"/>
+                  </a:schemeClr>
+                </a:solidFill>
+                <a:prstDash val="solid"/>
+              </a14:hiddenLine>
+            </a:ext>
+            <a:ext uri="{AF507438-7753-43E0-B8FC-AC1667EBCBE1}">
+              <a14:hiddenEffects xmlns:a14="http://schemas.microsoft.com/office/drawing/2010/main">
+                <a:effectLst>
+                  <a:outerShdw>
+                    <a:scrgbClr r="0" g="0" b="0">
+                      <a:alpha val="50000"/>
+                    </a:scrgbClr>
+                  </a:outerShdw>
+                </a:effectLst>
+              </a14:hiddenEffects>
+            </a:ext>
+            <a:ext uri="{53640926-AAD7-44D8-BBD7-CCE9431645EC}">
+              <a14:shadowObscured xmlns:a14="http://schemas.microsoft.com/office/drawing/2010/main" val="1"/>
+            </a:ext>
+          </a:extLst>
+        </p:spPr>
+        <p:style>
+          <a:lnRef idx="2">
+            <a:schemeClr val="accent1">
+              <a:shade val="50000"/>
+            </a:schemeClr>
+          </a:lnRef>
+          <a:fillRef idx="1">
+            <a:schemeClr val="accent1"/>
+          </a:fillRef>
+          <a:effectRef idx="0">
+            <a:schemeClr val="accent1"/>
+          </a:effectRef>
+          <a:fontRef idx="minor">
+            <a:schemeClr val="lt1"/>
+          </a:fontRef>
+        </p:style>
+        <p:txBody>
+          <a:bodyPr rtlCol="0" anchor="ctr"/>
+          <a:lstStyle/>
+          <a:p>
+            <a:pPr algn="ctr"/>
+            <a:endParaRPr lang="en-DE"/>
+          </a:p>
+        </p:txBody>
+      </p:sp>
+      <p:sp>
+        <p:nvSpPr>
+          <p:cNvPr id="70" name="OTLSHAPE_T_9441d0881af6475f86f4e37c92b04143_ShapePercentage" hidden="1">
+            <a:extLst>
+              <a:ext uri="{FF2B5EF4-FFF2-40B4-BE49-F238E27FC236}">
+                <a16:creationId xmlns:a16="http://schemas.microsoft.com/office/drawing/2014/main" id="{8BABF89D-0B15-4B45-888B-899A0E200EAA}"/>
+              </a:ext>
+            </a:extLst>
+          </p:cNvPr>
+          <p:cNvSpPr/>
+          <p:nvPr>
+            <p:custDataLst>
+              <p:tags r:id="rId24"/>
+            </p:custDataLst>
+          </p:nvPr>
+        </p:nvSpPr>
+        <p:spPr>
+          <a:xfrm>
+            <a:off x="3265774" y="3525224"/>
+            <a:ext cx="0" cy="0"/>
+          </a:xfrm>
+          <a:prstGeom prst="roundRect">
+            <a:avLst>
+              <a:gd name="adj" fmla="val 100000"/>
+            </a:avLst>
+          </a:prstGeom>
+        </p:spPr>
+        <p:style>
+          <a:lnRef idx="2">
+            <a:schemeClr val="accent1">
+              <a:shade val="50000"/>
+            </a:schemeClr>
+          </a:lnRef>
+          <a:fillRef idx="1">
+            <a:schemeClr val="accent1"/>
+          </a:fillRef>
+          <a:effectRef idx="0">
+            <a:schemeClr val="accent1"/>
+          </a:effectRef>
+          <a:fontRef idx="minor">
+            <a:schemeClr val="lt1"/>
+          </a:fontRef>
+        </p:style>
+        <p:txBody>
+          <a:bodyPr rtlCol="0" anchor="ctr"/>
+          <a:lstStyle/>
+          <a:p>
+            <a:pPr algn="ctr"/>
+            <a:endParaRPr lang="en-DE"/>
+          </a:p>
+        </p:txBody>
+      </p:sp>
+      <p:sp>
+        <p:nvSpPr>
+          <p:cNvPr id="71" name="OTLSHAPE_T_9441d0881af6475f86f4e37c92b04143_Duration" hidden="1">
+            <a:extLst>
+              <a:ext uri="{FF2B5EF4-FFF2-40B4-BE49-F238E27FC236}">
+                <a16:creationId xmlns:a16="http://schemas.microsoft.com/office/drawing/2014/main" id="{B5123DF8-B91D-40D9-8060-29F7A0C9716C}"/>
+              </a:ext>
+            </a:extLst>
+          </p:cNvPr>
+          <p:cNvSpPr txBox="1"/>
+          <p:nvPr>
+            <p:custDataLst>
+              <p:tags r:id="rId25"/>
+            </p:custDataLst>
+          </p:nvPr>
+        </p:nvSpPr>
+        <p:spPr>
+          <a:xfrm>
+            <a:off x="0" y="3354705"/>
+            <a:ext cx="393700" cy="155025"/>
+          </a:xfrm>
+          <a:prstGeom prst="rect">
+            <a:avLst/>
+          </a:prstGeom>
+          <a:noFill/>
+        </p:spPr>
+        <p:txBody>
+          <a:bodyPr vert="horz" wrap="square" lIns="0" tIns="0" rIns="0" bIns="0" rtlCol="0" anchor="ctr" anchorCtr="0">
+            <a:spAutoFit/>
+          </a:bodyPr>
+          <a:lstStyle/>
+          <a:p>
+            <a:pPr algn="ctr"/>
+            <a:r>
+              <a:rPr lang="de-DE" sz="1000">
+                <a:solidFill>
+                  <a:srgbClr val="ED7D31"/>
+                </a:solidFill>
+                <a:latin typeface="Calibri" panose="020F0502020204030204" pitchFamily="34" charset="0"/>
+              </a:rPr>
+              <a:t>13 days</a:t>
+            </a:r>
+            <a:endParaRPr lang="en-DE" sz="1000">
+              <a:solidFill>
+                <a:srgbClr val="ED7D31"/>
+              </a:solidFill>
+              <a:latin typeface="Calibri" panose="020F0502020204030204" pitchFamily="34" charset="0"/>
+            </a:endParaRPr>
+          </a:p>
+        </p:txBody>
+      </p:sp>
+      <p:sp>
+        <p:nvSpPr>
+          <p:cNvPr id="72" name="OTLSHAPE_T_9441d0881af6475f86f4e37c92b04143_TextPercentage" hidden="1">
+            <a:extLst>
+              <a:ext uri="{FF2B5EF4-FFF2-40B4-BE49-F238E27FC236}">
+                <a16:creationId xmlns:a16="http://schemas.microsoft.com/office/drawing/2014/main" id="{85B10900-F21F-4A71-AE3B-39E9C249F648}"/>
+              </a:ext>
+            </a:extLst>
+          </p:cNvPr>
+          <p:cNvSpPr txBox="1"/>
+          <p:nvPr>
+            <p:custDataLst>
+              <p:tags r:id="rId26"/>
+            </p:custDataLst>
+          </p:nvPr>
+        </p:nvSpPr>
+        <p:spPr>
+          <a:xfrm>
+            <a:off x="0" y="3509730"/>
+            <a:ext cx="0" cy="153888"/>
+          </a:xfrm>
+          <a:prstGeom prst="rect">
+            <a:avLst/>
+          </a:prstGeom>
+          <a:noFill/>
+        </p:spPr>
+        <p:txBody>
+          <a:bodyPr vert="horz" wrap="square" lIns="0" tIns="0" rIns="0" bIns="0" rtlCol="0" anchor="ctr" anchorCtr="0">
+            <a:spAutoFit/>
+          </a:bodyPr>
+          <a:lstStyle/>
+          <a:p>
+            <a:pPr algn="ctr"/>
+            <a:endParaRPr lang="en-DE" sz="1000">
+              <a:solidFill>
+                <a:srgbClr val="ED7D31"/>
+              </a:solidFill>
+              <a:latin typeface="Calibri" panose="020F0502020204030204" pitchFamily="34" charset="0"/>
+            </a:endParaRPr>
+          </a:p>
+        </p:txBody>
+      </p:sp>
+      <p:sp>
+        <p:nvSpPr>
+          <p:cNvPr id="73" name="OTLSHAPE_T_9441d0881af6475f86f4e37c92b04143_JoinedDate" hidden="1">
+            <a:extLst>
+              <a:ext uri="{FF2B5EF4-FFF2-40B4-BE49-F238E27FC236}">
+                <a16:creationId xmlns:a16="http://schemas.microsoft.com/office/drawing/2014/main" id="{B43A642D-D9FC-4F37-B5ED-5849E17F9A0D}"/>
+              </a:ext>
+            </a:extLst>
+          </p:cNvPr>
+          <p:cNvSpPr txBox="1"/>
+          <p:nvPr>
+            <p:custDataLst>
+              <p:tags r:id="rId27"/>
+            </p:custDataLst>
+          </p:nvPr>
+        </p:nvSpPr>
+        <p:spPr>
+          <a:xfrm>
+            <a:off x="0" y="3509730"/>
+            <a:ext cx="0" cy="153888"/>
+          </a:xfrm>
+          <a:prstGeom prst="rect">
+            <a:avLst/>
+          </a:prstGeom>
+          <a:noFill/>
+        </p:spPr>
+        <p:txBody>
+          <a:bodyPr vert="horz" wrap="square" lIns="0" tIns="0" rIns="0" bIns="0" rtlCol="0" anchor="ctr" anchorCtr="0">
+            <a:spAutoFit/>
+          </a:bodyPr>
+          <a:lstStyle/>
+          <a:p>
+            <a:pPr algn="ctr"/>
+            <a:endParaRPr lang="en-DE" sz="1000">
+              <a:solidFill>
+                <a:srgbClr val="44546A"/>
+              </a:solidFill>
+              <a:latin typeface="Calibri" panose="020F0502020204030204" pitchFamily="34" charset="0"/>
+            </a:endParaRPr>
+          </a:p>
+        </p:txBody>
+      </p:sp>
+      <p:sp>
+        <p:nvSpPr>
+          <p:cNvPr id="74" name="OTLSHAPE_T_9441d0881af6475f86f4e37c92b04143_StartDate">
+            <a:extLst>
+              <a:ext uri="{FF2B5EF4-FFF2-40B4-BE49-F238E27FC236}">
+                <a16:creationId xmlns:a16="http://schemas.microsoft.com/office/drawing/2014/main" id="{C4442D6D-19FE-4AC6-87CF-A0CCB9927DDB}"/>
+              </a:ext>
+            </a:extLst>
+          </p:cNvPr>
+          <p:cNvSpPr txBox="1"/>
+          <p:nvPr>
+            <p:custDataLst>
+              <p:tags r:id="rId28"/>
+            </p:custDataLst>
+          </p:nvPr>
+        </p:nvSpPr>
+        <p:spPr>
+          <a:xfrm>
+            <a:off x="2666123" y="3011365"/>
+            <a:ext cx="558800" cy="155025"/>
+          </a:xfrm>
+          <a:prstGeom prst="rect">
+            <a:avLst/>
+          </a:prstGeom>
+          <a:noFill/>
+        </p:spPr>
+        <p:txBody>
+          <a:bodyPr vert="horz" wrap="square" lIns="0" tIns="0" rIns="0" bIns="0" rtlCol="0" anchor="ctr" anchorCtr="0">
+            <a:spAutoFit/>
+          </a:bodyPr>
+          <a:lstStyle/>
+          <a:p>
+            <a:pPr algn="ctr"/>
+            <a:r>
+              <a:rPr lang="en-DE" sz="1000" spc="-8">
+                <a:solidFill>
+                  <a:srgbClr val="44546A"/>
+                </a:solidFill>
+                <a:latin typeface="Calibri" panose="020F0502020204030204" pitchFamily="34" charset="0"/>
+              </a:rPr>
+              <a:t>12/9/2018</a:t>
+            </a:r>
+          </a:p>
+        </p:txBody>
+      </p:sp>
+      <p:sp>
+        <p:nvSpPr>
+          <p:cNvPr id="75" name="OTLSHAPE_T_9441d0881af6475f86f4e37c92b04143_Title">
+            <a:extLst>
+              <a:ext uri="{FF2B5EF4-FFF2-40B4-BE49-F238E27FC236}">
+                <a16:creationId xmlns:a16="http://schemas.microsoft.com/office/drawing/2014/main" id="{82CEB7F7-F1E8-4C1A-8F79-9C6A4FEACC1F}"/>
+              </a:ext>
+            </a:extLst>
+          </p:cNvPr>
+          <p:cNvSpPr txBox="1"/>
+          <p:nvPr>
+            <p:custDataLst>
+              <p:tags r:id="rId29"/>
+            </p:custDataLst>
+          </p:nvPr>
+        </p:nvSpPr>
+        <p:spPr>
+          <a:xfrm>
+            <a:off x="3265774" y="2816759"/>
+            <a:ext cx="1028700" cy="170519"/>
+          </a:xfrm>
+          <a:prstGeom prst="rect">
+            <a:avLst/>
+          </a:prstGeom>
+          <a:noFill/>
+        </p:spPr>
+        <p:txBody>
+          <a:bodyPr vert="horz" wrap="square" lIns="0" tIns="0" rIns="0" bIns="0" rtlCol="0" anchor="ctr" anchorCtr="0">
+            <a:spAutoFit/>
+          </a:bodyPr>
+          <a:lstStyle/>
+          <a:p>
+            <a:r>
+              <a:rPr lang="de-DE" sz="1100" b="1" spc="-4">
+                <a:solidFill>
+                  <a:schemeClr val="dk1"/>
+                </a:solidFill>
+                <a:latin typeface="Calibri" panose="020F0502020204030204" pitchFamily="34" charset="0"/>
+              </a:rPr>
+              <a:t>Study Conduction</a:t>
+            </a:r>
+            <a:endParaRPr lang="en-DE" sz="1100" b="1" spc="-4">
+              <a:solidFill>
+                <a:schemeClr val="dk1"/>
+              </a:solidFill>
+              <a:latin typeface="Calibri" panose="020F0502020204030204" pitchFamily="34" charset="0"/>
+            </a:endParaRPr>
+          </a:p>
+        </p:txBody>
+      </p:sp>
+      <p:sp>
+        <p:nvSpPr>
+          <p:cNvPr id="76" name="OTLSHAPE_T_9441d0881af6475f86f4e37c92b04143_EndDate">
+            <a:extLst>
+              <a:ext uri="{FF2B5EF4-FFF2-40B4-BE49-F238E27FC236}">
+                <a16:creationId xmlns:a16="http://schemas.microsoft.com/office/drawing/2014/main" id="{BD5B29B4-1ECF-4C53-A0A9-F6356ABEA23C}"/>
+              </a:ext>
+            </a:extLst>
+          </p:cNvPr>
+          <p:cNvSpPr txBox="1"/>
+          <p:nvPr>
+            <p:custDataLst>
+              <p:tags r:id="rId30"/>
+            </p:custDataLst>
+          </p:nvPr>
+        </p:nvSpPr>
+        <p:spPr>
+          <a:xfrm>
+            <a:off x="4088394" y="3011365"/>
+            <a:ext cx="622300" cy="155025"/>
+          </a:xfrm>
+          <a:prstGeom prst="rect">
+            <a:avLst/>
+          </a:prstGeom>
+          <a:noFill/>
+        </p:spPr>
+        <p:txBody>
+          <a:bodyPr vert="horz" wrap="square" lIns="0" tIns="0" rIns="0" bIns="0" rtlCol="0" anchor="ctr" anchorCtr="0">
+            <a:spAutoFit/>
+          </a:bodyPr>
+          <a:lstStyle/>
+          <a:p>
+            <a:pPr algn="ctr"/>
+            <a:r>
+              <a:rPr lang="en-DE" sz="1000" spc="-8">
+                <a:solidFill>
+                  <a:srgbClr val="44546A"/>
+                </a:solidFill>
+                <a:latin typeface="Calibri" panose="020F0502020204030204" pitchFamily="34" charset="0"/>
+              </a:rPr>
+              <a:t>12/21/2018</a:t>
+            </a:r>
+          </a:p>
+        </p:txBody>
+      </p:sp>
+      <p:sp>
+        <p:nvSpPr>
+          <p:cNvPr id="77" name="OTLSHAPE_T_bd11d65597b24786847e3b45a563c9c3_Shape">
+            <a:extLst>
+              <a:ext uri="{FF2B5EF4-FFF2-40B4-BE49-F238E27FC236}">
+                <a16:creationId xmlns:a16="http://schemas.microsoft.com/office/drawing/2014/main" id="{D45E6C33-1230-4244-BF4D-5B57B4FDFC48}"/>
+              </a:ext>
+            </a:extLst>
+          </p:cNvPr>
+          <p:cNvSpPr/>
+          <p:nvPr>
+            <p:custDataLst>
+              <p:tags r:id="rId31"/>
+            </p:custDataLst>
+          </p:nvPr>
+        </p:nvSpPr>
+        <p:spPr>
+          <a:xfrm>
+            <a:off x="3978261" y="3253978"/>
+            <a:ext cx="2501900" cy="203200"/>
+          </a:xfrm>
+          <a:prstGeom prst="roundRect">
+            <a:avLst>
+              <a:gd name="adj" fmla="val 100000"/>
+            </a:avLst>
+          </a:prstGeom>
+          <a:solidFill>
+            <a:schemeClr val="accent1"/>
+          </a:solidFill>
+          <a:ln w="25400" cap="flat" cmpd="sng" algn="ctr">
+            <a:noFill/>
+            <a:prstDash val="solid"/>
+          </a:ln>
+          <a:effectLst/>
+          <a:scene3d>
+            <a:camera prst="orthographicFront"/>
+            <a:lightRig rig="balanced" dir="t">
+              <a:rot lat="0" lon="0" rev="8700000"/>
+            </a:lightRig>
+          </a:scene3d>
+          <a:sp3d>
+            <a:bevelT w="165100" h="12700"/>
+          </a:sp3d>
+          <a:extLst>
+            <a:ext uri="{91240B29-F687-4F45-9708-019B960494DF}">
+              <a14:hiddenLine xmlns:a14="http://schemas.microsoft.com/office/drawing/2010/main" w="25400" cap="flat" cmpd="sng" algn="ctr">
+                <a:solidFill>
+                  <a:schemeClr val="accent1">
+                    <a:shade val="50000"/>
+                  </a:schemeClr>
+                </a:solidFill>
+                <a:prstDash val="solid"/>
+              </a14:hiddenLine>
+            </a:ext>
+            <a:ext uri="{AF507438-7753-43E0-B8FC-AC1667EBCBE1}">
+              <a14:hiddenEffects xmlns:a14="http://schemas.microsoft.com/office/drawing/2010/main">
+                <a:effectLst>
+                  <a:outerShdw>
+                    <a:scrgbClr r="0" g="0" b="0">
+                      <a:alpha val="50000"/>
+                    </a:scrgbClr>
+                  </a:outerShdw>
+                </a:effectLst>
+              </a14:hiddenEffects>
+            </a:ext>
+            <a:ext uri="{53640926-AAD7-44D8-BBD7-CCE9431645EC}">
+              <a14:shadowObscured xmlns:a14="http://schemas.microsoft.com/office/drawing/2010/main" val="1"/>
+            </a:ext>
+          </a:extLst>
+        </p:spPr>
+        <p:style>
+          <a:lnRef idx="2">
+            <a:schemeClr val="accent1">
+              <a:shade val="50000"/>
+            </a:schemeClr>
+          </a:lnRef>
+          <a:fillRef idx="1">
+            <a:schemeClr val="accent1"/>
+          </a:fillRef>
+          <a:effectRef idx="0">
+            <a:schemeClr val="accent1"/>
+          </a:effectRef>
+          <a:fontRef idx="minor">
+            <a:schemeClr val="lt1"/>
+          </a:fontRef>
+        </p:style>
+        <p:txBody>
+          <a:bodyPr rtlCol="0" anchor="ctr"/>
+          <a:lstStyle/>
+          <a:p>
+            <a:pPr algn="ctr"/>
+            <a:endParaRPr lang="en-DE"/>
+          </a:p>
+        </p:txBody>
+      </p:sp>
+      <p:sp>
+        <p:nvSpPr>
+          <p:cNvPr id="78" name="OTLSHAPE_T_bd11d65597b24786847e3b45a563c9c3_ShapePercentage" hidden="1">
+            <a:extLst>
+              <a:ext uri="{FF2B5EF4-FFF2-40B4-BE49-F238E27FC236}">
+                <a16:creationId xmlns:a16="http://schemas.microsoft.com/office/drawing/2014/main" id="{9129987E-F887-4790-BCE3-F85321BB421D}"/>
+              </a:ext>
+            </a:extLst>
+          </p:cNvPr>
+          <p:cNvSpPr/>
+          <p:nvPr>
+            <p:custDataLst>
+              <p:tags r:id="rId32"/>
+            </p:custDataLst>
+          </p:nvPr>
+        </p:nvSpPr>
+        <p:spPr>
+          <a:xfrm>
+            <a:off x="3978261" y="3791924"/>
+            <a:ext cx="0" cy="0"/>
+          </a:xfrm>
+          <a:prstGeom prst="roundRect">
+            <a:avLst>
+              <a:gd name="adj" fmla="val 100000"/>
+            </a:avLst>
+          </a:prstGeom>
+        </p:spPr>
+        <p:style>
+          <a:lnRef idx="2">
+            <a:schemeClr val="accent1">
+              <a:shade val="50000"/>
+            </a:schemeClr>
+          </a:lnRef>
+          <a:fillRef idx="1">
+            <a:schemeClr val="accent1"/>
+          </a:fillRef>
+          <a:effectRef idx="0">
+            <a:schemeClr val="accent1"/>
+          </a:effectRef>
+          <a:fontRef idx="minor">
+            <a:schemeClr val="lt1"/>
+          </a:fontRef>
+        </p:style>
+        <p:txBody>
+          <a:bodyPr rtlCol="0" anchor="ctr"/>
+          <a:lstStyle/>
+          <a:p>
+            <a:pPr algn="ctr"/>
+            <a:endParaRPr lang="en-DE"/>
+          </a:p>
+        </p:txBody>
+      </p:sp>
+      <p:sp>
+        <p:nvSpPr>
+          <p:cNvPr id="79" name="OTLSHAPE_T_bd11d65597b24786847e3b45a563c9c3_Duration" hidden="1">
+            <a:extLst>
+              <a:ext uri="{FF2B5EF4-FFF2-40B4-BE49-F238E27FC236}">
+                <a16:creationId xmlns:a16="http://schemas.microsoft.com/office/drawing/2014/main" id="{47C8B960-05D3-40F9-BCCE-2AD3FB57D020}"/>
+              </a:ext>
+            </a:extLst>
+          </p:cNvPr>
+          <p:cNvSpPr txBox="1"/>
+          <p:nvPr>
+            <p:custDataLst>
+              <p:tags r:id="rId33"/>
+            </p:custDataLst>
+          </p:nvPr>
+        </p:nvSpPr>
+        <p:spPr>
+          <a:xfrm>
+            <a:off x="0" y="3791924"/>
+            <a:ext cx="393700" cy="155025"/>
+          </a:xfrm>
+          <a:prstGeom prst="rect">
+            <a:avLst/>
+          </a:prstGeom>
+          <a:noFill/>
+        </p:spPr>
+        <p:txBody>
+          <a:bodyPr vert="horz" wrap="square" lIns="0" tIns="0" rIns="0" bIns="0" rtlCol="0" anchor="ctr" anchorCtr="0">
+            <a:spAutoFit/>
+          </a:bodyPr>
+          <a:lstStyle/>
+          <a:p>
+            <a:pPr algn="ctr"/>
+            <a:r>
+              <a:rPr lang="de-DE" sz="1000">
+                <a:solidFill>
+                  <a:srgbClr val="ED7D31"/>
+                </a:solidFill>
+                <a:latin typeface="Calibri" panose="020F0502020204030204" pitchFamily="34" charset="0"/>
+              </a:rPr>
+              <a:t>42 days</a:t>
+            </a:r>
+            <a:endParaRPr lang="en-DE" sz="1000">
+              <a:solidFill>
+                <a:srgbClr val="ED7D31"/>
+              </a:solidFill>
+              <a:latin typeface="Calibri" panose="020F0502020204030204" pitchFamily="34" charset="0"/>
+            </a:endParaRPr>
+          </a:p>
+        </p:txBody>
+      </p:sp>
+      <p:sp>
+        <p:nvSpPr>
+          <p:cNvPr id="80" name="OTLSHAPE_T_bd11d65597b24786847e3b45a563c9c3_TextPercentage" hidden="1">
+            <a:extLst>
+              <a:ext uri="{FF2B5EF4-FFF2-40B4-BE49-F238E27FC236}">
+                <a16:creationId xmlns:a16="http://schemas.microsoft.com/office/drawing/2014/main" id="{27C8F293-9765-4290-AA6E-1E84DAA51E09}"/>
+              </a:ext>
+            </a:extLst>
+          </p:cNvPr>
+          <p:cNvSpPr txBox="1"/>
+          <p:nvPr>
+            <p:custDataLst>
+              <p:tags r:id="rId34"/>
+            </p:custDataLst>
+          </p:nvPr>
+        </p:nvSpPr>
+        <p:spPr>
+          <a:xfrm>
+            <a:off x="0" y="3946948"/>
+            <a:ext cx="0" cy="153888"/>
+          </a:xfrm>
+          <a:prstGeom prst="rect">
+            <a:avLst/>
+          </a:prstGeom>
+          <a:noFill/>
+        </p:spPr>
+        <p:txBody>
+          <a:bodyPr vert="horz" wrap="square" lIns="0" tIns="0" rIns="0" bIns="0" rtlCol="0" anchor="ctr" anchorCtr="0">
+            <a:spAutoFit/>
+          </a:bodyPr>
+          <a:lstStyle/>
+          <a:p>
+            <a:pPr algn="ctr"/>
+            <a:endParaRPr lang="en-DE" sz="1000">
+              <a:solidFill>
+                <a:srgbClr val="ED7D31"/>
+              </a:solidFill>
+              <a:latin typeface="Calibri" panose="020F0502020204030204" pitchFamily="34" charset="0"/>
+            </a:endParaRPr>
+          </a:p>
+        </p:txBody>
+      </p:sp>
+      <p:sp>
+        <p:nvSpPr>
+          <p:cNvPr id="81" name="OTLSHAPE_T_bd11d65597b24786847e3b45a563c9c3_JoinedDate" hidden="1">
+            <a:extLst>
+              <a:ext uri="{FF2B5EF4-FFF2-40B4-BE49-F238E27FC236}">
+                <a16:creationId xmlns:a16="http://schemas.microsoft.com/office/drawing/2014/main" id="{3FDA7B45-84E6-49F4-995F-811712A9DA8F}"/>
+              </a:ext>
+            </a:extLst>
+          </p:cNvPr>
+          <p:cNvSpPr txBox="1"/>
+          <p:nvPr>
+            <p:custDataLst>
+              <p:tags r:id="rId35"/>
+            </p:custDataLst>
+          </p:nvPr>
+        </p:nvSpPr>
+        <p:spPr>
+          <a:xfrm>
+            <a:off x="0" y="3946948"/>
+            <a:ext cx="0" cy="153888"/>
+          </a:xfrm>
+          <a:prstGeom prst="rect">
+            <a:avLst/>
+          </a:prstGeom>
+          <a:noFill/>
+        </p:spPr>
+        <p:txBody>
+          <a:bodyPr vert="horz" wrap="square" lIns="0" tIns="0" rIns="0" bIns="0" rtlCol="0" anchor="ctr" anchorCtr="0">
+            <a:spAutoFit/>
+          </a:bodyPr>
+          <a:lstStyle/>
+          <a:p>
+            <a:pPr algn="ctr"/>
+            <a:endParaRPr lang="en-DE" sz="1000">
+              <a:solidFill>
+                <a:srgbClr val="44546A"/>
+              </a:solidFill>
+              <a:latin typeface="Calibri" panose="020F0502020204030204" pitchFamily="34" charset="0"/>
+            </a:endParaRPr>
+          </a:p>
+        </p:txBody>
+      </p:sp>
+      <p:sp>
+        <p:nvSpPr>
+          <p:cNvPr id="82" name="OTLSHAPE_T_bd11d65597b24786847e3b45a563c9c3_StartDate">
+            <a:extLst>
+              <a:ext uri="{FF2B5EF4-FFF2-40B4-BE49-F238E27FC236}">
+                <a16:creationId xmlns:a16="http://schemas.microsoft.com/office/drawing/2014/main" id="{1E8CF818-ED08-44C9-A632-32B84017B33B}"/>
+              </a:ext>
+            </a:extLst>
+          </p:cNvPr>
+          <p:cNvSpPr txBox="1"/>
+          <p:nvPr>
+            <p:custDataLst>
+              <p:tags r:id="rId36"/>
+            </p:custDataLst>
+          </p:nvPr>
+        </p:nvSpPr>
+        <p:spPr>
+          <a:xfrm>
+            <a:off x="3314221" y="3278065"/>
+            <a:ext cx="622300" cy="155025"/>
+          </a:xfrm>
+          <a:prstGeom prst="rect">
+            <a:avLst/>
+          </a:prstGeom>
+          <a:noFill/>
+        </p:spPr>
+        <p:txBody>
+          <a:bodyPr vert="horz" wrap="square" lIns="0" tIns="0" rIns="0" bIns="0" rtlCol="0" anchor="ctr" anchorCtr="0">
+            <a:spAutoFit/>
+          </a:bodyPr>
+          <a:lstStyle/>
+          <a:p>
+            <a:pPr algn="ctr"/>
+            <a:r>
+              <a:rPr lang="en-DE" sz="1000" spc="-8">
+                <a:solidFill>
+                  <a:srgbClr val="44546A"/>
+                </a:solidFill>
+                <a:latin typeface="Calibri" panose="020F0502020204030204" pitchFamily="34" charset="0"/>
+              </a:rPr>
+              <a:t>12/21/2018</a:t>
+            </a:r>
+          </a:p>
+        </p:txBody>
+      </p:sp>
+      <p:sp>
+        <p:nvSpPr>
+          <p:cNvPr id="83" name="OTLSHAPE_T_bd11d65597b24786847e3b45a563c9c3_EndDate">
+            <a:extLst>
+              <a:ext uri="{FF2B5EF4-FFF2-40B4-BE49-F238E27FC236}">
+                <a16:creationId xmlns:a16="http://schemas.microsoft.com/office/drawing/2014/main" id="{DB47AD8A-8893-4B16-B839-9344B1ECF2ED}"/>
+              </a:ext>
+            </a:extLst>
+          </p:cNvPr>
+          <p:cNvSpPr txBox="1"/>
+          <p:nvPr>
+            <p:custDataLst>
+              <p:tags r:id="rId37"/>
+            </p:custDataLst>
+          </p:nvPr>
+        </p:nvSpPr>
+        <p:spPr>
+          <a:xfrm>
+            <a:off x="6522724" y="3278065"/>
+            <a:ext cx="558800" cy="155025"/>
+          </a:xfrm>
+          <a:prstGeom prst="rect">
+            <a:avLst/>
+          </a:prstGeom>
+          <a:noFill/>
+        </p:spPr>
+        <p:txBody>
+          <a:bodyPr vert="horz" wrap="square" lIns="0" tIns="0" rIns="0" bIns="0" rtlCol="0" anchor="ctr" anchorCtr="0">
+            <a:spAutoFit/>
+          </a:bodyPr>
+          <a:lstStyle/>
+          <a:p>
+            <a:pPr algn="ctr"/>
+            <a:r>
+              <a:rPr lang="en-DE" sz="1000" spc="-8">
+                <a:solidFill>
+                  <a:srgbClr val="44546A"/>
+                </a:solidFill>
+                <a:latin typeface="Calibri" panose="020F0502020204030204" pitchFamily="34" charset="0"/>
+              </a:rPr>
+              <a:t>1/31/2019</a:t>
+            </a:r>
+          </a:p>
+        </p:txBody>
+      </p:sp>
+      <p:sp>
+        <p:nvSpPr>
+          <p:cNvPr id="84" name="OTLSHAPE_T_bd11d65597b24786847e3b45a563c9c3_Title">
+            <a:extLst>
+              <a:ext uri="{FF2B5EF4-FFF2-40B4-BE49-F238E27FC236}">
+                <a16:creationId xmlns:a16="http://schemas.microsoft.com/office/drawing/2014/main" id="{6BD1DC17-F8D0-413F-80B7-21403C5EBC7D}"/>
+              </a:ext>
+            </a:extLst>
+          </p:cNvPr>
+          <p:cNvSpPr txBox="1"/>
+          <p:nvPr>
+            <p:custDataLst>
+              <p:tags r:id="rId38"/>
+            </p:custDataLst>
+          </p:nvPr>
+        </p:nvSpPr>
+        <p:spPr>
+          <a:xfrm>
+            <a:off x="4789737" y="3270318"/>
+            <a:ext cx="876300" cy="170519"/>
+          </a:xfrm>
+          <a:prstGeom prst="rect">
+            <a:avLst/>
+          </a:prstGeom>
+          <a:noFill/>
+        </p:spPr>
+        <p:txBody>
+          <a:bodyPr vert="horz" wrap="square" lIns="0" tIns="0" rIns="0" bIns="0" rtlCol="0" anchor="ctr" anchorCtr="0">
+            <a:spAutoFit/>
+          </a:bodyPr>
+          <a:lstStyle/>
+          <a:p>
+            <a:pPr algn="ctr"/>
+            <a:r>
+              <a:rPr lang="de-DE" sz="1100" b="1" spc="-10">
+                <a:solidFill>
+                  <a:schemeClr val="dk1"/>
+                </a:solidFill>
+                <a:latin typeface="Calibri" panose="020F0502020204030204" pitchFamily="34" charset="0"/>
+              </a:rPr>
+              <a:t>Model Training</a:t>
+            </a:r>
+            <a:endParaRPr lang="en-DE" sz="1100" b="1" spc="-10">
+              <a:solidFill>
+                <a:schemeClr val="dk1"/>
+              </a:solidFill>
+              <a:latin typeface="Calibri" panose="020F0502020204030204" pitchFamily="34" charset="0"/>
+            </a:endParaRPr>
+          </a:p>
+        </p:txBody>
+      </p:sp>
+      <p:sp>
+        <p:nvSpPr>
+          <p:cNvPr id="85" name="OTLSHAPE_T_8ace1770f7fd4bf18264622287d860d5_Shape">
+            <a:extLst>
+              <a:ext uri="{FF2B5EF4-FFF2-40B4-BE49-F238E27FC236}">
+                <a16:creationId xmlns:a16="http://schemas.microsoft.com/office/drawing/2014/main" id="{E59A7AFE-FA30-45E2-9A86-3FD34F13E69B}"/>
+              </a:ext>
+            </a:extLst>
+          </p:cNvPr>
+          <p:cNvSpPr/>
+          <p:nvPr>
+            <p:custDataLst>
+              <p:tags r:id="rId39"/>
+            </p:custDataLst>
+          </p:nvPr>
+        </p:nvSpPr>
+        <p:spPr>
+          <a:xfrm>
+            <a:off x="5403235" y="3520678"/>
+            <a:ext cx="1549400" cy="203200"/>
+          </a:xfrm>
+          <a:prstGeom prst="roundRect">
+            <a:avLst>
+              <a:gd name="adj" fmla="val 100000"/>
+            </a:avLst>
+          </a:prstGeom>
+          <a:solidFill>
+            <a:schemeClr val="accent1"/>
+          </a:solidFill>
+          <a:ln w="25400" cap="flat" cmpd="sng" algn="ctr">
+            <a:noFill/>
+            <a:prstDash val="solid"/>
+          </a:ln>
+          <a:effectLst/>
+          <a:scene3d>
+            <a:camera prst="orthographicFront"/>
+            <a:lightRig rig="balanced" dir="t">
+              <a:rot lat="0" lon="0" rev="8700000"/>
+            </a:lightRig>
+          </a:scene3d>
+          <a:sp3d>
+            <a:bevelT w="165100" h="12700"/>
+          </a:sp3d>
+          <a:extLst>
+            <a:ext uri="{91240B29-F687-4F45-9708-019B960494DF}">
+              <a14:hiddenLine xmlns:a14="http://schemas.microsoft.com/office/drawing/2010/main" w="25400" cap="flat" cmpd="sng" algn="ctr">
+                <a:solidFill>
+                  <a:schemeClr val="accent1">
+                    <a:shade val="50000"/>
+                  </a:schemeClr>
+                </a:solidFill>
+                <a:prstDash val="solid"/>
+              </a14:hiddenLine>
+            </a:ext>
+            <a:ext uri="{AF507438-7753-43E0-B8FC-AC1667EBCBE1}">
+              <a14:hiddenEffects xmlns:a14="http://schemas.microsoft.com/office/drawing/2010/main">
+                <a:effectLst>
+                  <a:outerShdw>
+                    <a:scrgbClr r="0" g="0" b="0">
+                      <a:alpha val="50000"/>
+                    </a:scrgbClr>
+                  </a:outerShdw>
+                </a:effectLst>
+              </a14:hiddenEffects>
+            </a:ext>
+            <a:ext uri="{53640926-AAD7-44D8-BBD7-CCE9431645EC}">
+              <a14:shadowObscured xmlns:a14="http://schemas.microsoft.com/office/drawing/2010/main" val="1"/>
+            </a:ext>
+          </a:extLst>
+        </p:spPr>
+        <p:style>
+          <a:lnRef idx="2">
+            <a:schemeClr val="accent1">
+              <a:shade val="50000"/>
+            </a:schemeClr>
+          </a:lnRef>
+          <a:fillRef idx="1">
+            <a:schemeClr val="accent1"/>
+          </a:fillRef>
+          <a:effectRef idx="0">
+            <a:schemeClr val="accent1"/>
+          </a:effectRef>
+          <a:fontRef idx="minor">
+            <a:schemeClr val="lt1"/>
+          </a:fontRef>
+        </p:style>
+        <p:txBody>
+          <a:bodyPr rtlCol="0" anchor="ctr"/>
+          <a:lstStyle/>
+          <a:p>
+            <a:pPr algn="ctr"/>
+            <a:endParaRPr lang="en-DE"/>
+          </a:p>
+        </p:txBody>
+      </p:sp>
+      <p:sp>
+        <p:nvSpPr>
+          <p:cNvPr id="86" name="OTLSHAPE_T_8ace1770f7fd4bf18264622287d860d5_ShapePercentage" hidden="1">
+            <a:extLst>
+              <a:ext uri="{FF2B5EF4-FFF2-40B4-BE49-F238E27FC236}">
+                <a16:creationId xmlns:a16="http://schemas.microsoft.com/office/drawing/2014/main" id="{CA3539EE-C228-4BC2-A980-C37EA224F05B}"/>
+              </a:ext>
+            </a:extLst>
+          </p:cNvPr>
+          <p:cNvSpPr/>
+          <p:nvPr>
+            <p:custDataLst>
+              <p:tags r:id="rId40"/>
+            </p:custDataLst>
+          </p:nvPr>
+        </p:nvSpPr>
+        <p:spPr>
+          <a:xfrm>
+            <a:off x="5403235" y="4058624"/>
+            <a:ext cx="0" cy="0"/>
+          </a:xfrm>
+          <a:prstGeom prst="roundRect">
+            <a:avLst>
+              <a:gd name="adj" fmla="val 100000"/>
+            </a:avLst>
+          </a:prstGeom>
+        </p:spPr>
+        <p:style>
+          <a:lnRef idx="2">
+            <a:schemeClr val="accent1">
+              <a:shade val="50000"/>
+            </a:schemeClr>
+          </a:lnRef>
+          <a:fillRef idx="1">
+            <a:schemeClr val="accent1"/>
+          </a:fillRef>
+          <a:effectRef idx="0">
+            <a:schemeClr val="accent1"/>
+          </a:effectRef>
+          <a:fontRef idx="minor">
+            <a:schemeClr val="lt1"/>
+          </a:fontRef>
+        </p:style>
+        <p:txBody>
+          <a:bodyPr rtlCol="0" anchor="ctr"/>
+          <a:lstStyle/>
+          <a:p>
+            <a:pPr algn="ctr"/>
+            <a:endParaRPr lang="en-DE"/>
+          </a:p>
+        </p:txBody>
+      </p:sp>
+      <p:sp>
+        <p:nvSpPr>
+          <p:cNvPr id="87" name="OTLSHAPE_T_8ace1770f7fd4bf18264622287d860d5_Duration" hidden="1">
+            <a:extLst>
+              <a:ext uri="{FF2B5EF4-FFF2-40B4-BE49-F238E27FC236}">
+                <a16:creationId xmlns:a16="http://schemas.microsoft.com/office/drawing/2014/main" id="{1A2AADCC-FB0B-4552-8DAC-27CA74C46112}"/>
+              </a:ext>
+            </a:extLst>
+          </p:cNvPr>
+          <p:cNvSpPr txBox="1"/>
+          <p:nvPr>
+            <p:custDataLst>
+              <p:tags r:id="rId41"/>
+            </p:custDataLst>
+          </p:nvPr>
+        </p:nvSpPr>
+        <p:spPr>
+          <a:xfrm>
+            <a:off x="0" y="4058624"/>
+            <a:ext cx="393700" cy="155025"/>
+          </a:xfrm>
+          <a:prstGeom prst="rect">
+            <a:avLst/>
+          </a:prstGeom>
+          <a:noFill/>
+        </p:spPr>
+        <p:txBody>
+          <a:bodyPr vert="horz" wrap="square" lIns="0" tIns="0" rIns="0" bIns="0" rtlCol="0" anchor="ctr" anchorCtr="0">
+            <a:spAutoFit/>
+          </a:bodyPr>
+          <a:lstStyle/>
+          <a:p>
+            <a:pPr algn="ctr"/>
+            <a:r>
+              <a:rPr lang="de-DE" sz="1000">
+                <a:solidFill>
+                  <a:srgbClr val="ED7D31"/>
+                </a:solidFill>
+                <a:latin typeface="Calibri" panose="020F0502020204030204" pitchFamily="34" charset="0"/>
+              </a:rPr>
+              <a:t>26 days</a:t>
+            </a:r>
+            <a:endParaRPr lang="en-DE" sz="1000">
+              <a:solidFill>
+                <a:srgbClr val="ED7D31"/>
+              </a:solidFill>
+              <a:latin typeface="Calibri" panose="020F0502020204030204" pitchFamily="34" charset="0"/>
+            </a:endParaRPr>
+          </a:p>
+        </p:txBody>
+      </p:sp>
+      <p:sp>
+        <p:nvSpPr>
+          <p:cNvPr id="88" name="OTLSHAPE_T_8ace1770f7fd4bf18264622287d860d5_TextPercentage" hidden="1">
+            <a:extLst>
+              <a:ext uri="{FF2B5EF4-FFF2-40B4-BE49-F238E27FC236}">
+                <a16:creationId xmlns:a16="http://schemas.microsoft.com/office/drawing/2014/main" id="{E5349162-C69F-4D8F-9401-18577E880672}"/>
+              </a:ext>
+            </a:extLst>
+          </p:cNvPr>
+          <p:cNvSpPr txBox="1"/>
+          <p:nvPr>
+            <p:custDataLst>
+              <p:tags r:id="rId42"/>
+            </p:custDataLst>
+          </p:nvPr>
+        </p:nvSpPr>
+        <p:spPr>
+          <a:xfrm>
+            <a:off x="0" y="4213648"/>
+            <a:ext cx="0" cy="153888"/>
+          </a:xfrm>
+          <a:prstGeom prst="rect">
+            <a:avLst/>
+          </a:prstGeom>
+          <a:noFill/>
+        </p:spPr>
+        <p:txBody>
+          <a:bodyPr vert="horz" wrap="square" lIns="0" tIns="0" rIns="0" bIns="0" rtlCol="0" anchor="ctr" anchorCtr="0">
+            <a:spAutoFit/>
+          </a:bodyPr>
+          <a:lstStyle/>
+          <a:p>
+            <a:pPr algn="ctr"/>
+            <a:endParaRPr lang="en-DE" sz="1000">
+              <a:solidFill>
+                <a:srgbClr val="ED7D31"/>
+              </a:solidFill>
+              <a:latin typeface="Calibri" panose="020F0502020204030204" pitchFamily="34" charset="0"/>
+            </a:endParaRPr>
+          </a:p>
+        </p:txBody>
+      </p:sp>
+      <p:sp>
+        <p:nvSpPr>
+          <p:cNvPr id="89" name="OTLSHAPE_T_8ace1770f7fd4bf18264622287d860d5_JoinedDate" hidden="1">
+            <a:extLst>
+              <a:ext uri="{FF2B5EF4-FFF2-40B4-BE49-F238E27FC236}">
+                <a16:creationId xmlns:a16="http://schemas.microsoft.com/office/drawing/2014/main" id="{314A1606-77AD-46AB-90D0-4D48321800AC}"/>
+              </a:ext>
+            </a:extLst>
+          </p:cNvPr>
+          <p:cNvSpPr txBox="1"/>
+          <p:nvPr>
+            <p:custDataLst>
+              <p:tags r:id="rId43"/>
+            </p:custDataLst>
+          </p:nvPr>
+        </p:nvSpPr>
+        <p:spPr>
+          <a:xfrm>
+            <a:off x="0" y="4213648"/>
+            <a:ext cx="0" cy="153888"/>
+          </a:xfrm>
+          <a:prstGeom prst="rect">
+            <a:avLst/>
+          </a:prstGeom>
+          <a:noFill/>
+        </p:spPr>
+        <p:txBody>
+          <a:bodyPr vert="horz" wrap="square" lIns="0" tIns="0" rIns="0" bIns="0" rtlCol="0" anchor="ctr" anchorCtr="0">
+            <a:spAutoFit/>
+          </a:bodyPr>
+          <a:lstStyle/>
+          <a:p>
+            <a:pPr algn="ctr"/>
+            <a:endParaRPr lang="en-DE" sz="1000">
+              <a:solidFill>
+                <a:srgbClr val="44546A"/>
+              </a:solidFill>
+              <a:latin typeface="Calibri" panose="020F0502020204030204" pitchFamily="34" charset="0"/>
+            </a:endParaRPr>
+          </a:p>
+        </p:txBody>
+      </p:sp>
+      <p:sp>
+        <p:nvSpPr>
+          <p:cNvPr id="90" name="OTLSHAPE_T_8ace1770f7fd4bf18264622287d860d5_StartDate">
+            <a:extLst>
+              <a:ext uri="{FF2B5EF4-FFF2-40B4-BE49-F238E27FC236}">
+                <a16:creationId xmlns:a16="http://schemas.microsoft.com/office/drawing/2014/main" id="{1F86CF12-00AC-43BB-B071-A28B91497E75}"/>
+              </a:ext>
+            </a:extLst>
+          </p:cNvPr>
+          <p:cNvSpPr txBox="1"/>
+          <p:nvPr>
+            <p:custDataLst>
+              <p:tags r:id="rId44"/>
+            </p:custDataLst>
+          </p:nvPr>
+        </p:nvSpPr>
+        <p:spPr>
+          <a:xfrm>
+            <a:off x="4803584" y="3544765"/>
+            <a:ext cx="558800" cy="155025"/>
+          </a:xfrm>
+          <a:prstGeom prst="rect">
+            <a:avLst/>
+          </a:prstGeom>
+          <a:noFill/>
+        </p:spPr>
+        <p:txBody>
+          <a:bodyPr vert="horz" wrap="square" lIns="0" tIns="0" rIns="0" bIns="0" rtlCol="0" anchor="ctr" anchorCtr="0">
+            <a:spAutoFit/>
+          </a:bodyPr>
+          <a:lstStyle/>
+          <a:p>
+            <a:pPr algn="ctr"/>
+            <a:r>
+              <a:rPr lang="en-DE" sz="1000" spc="-8">
+                <a:solidFill>
+                  <a:srgbClr val="44546A"/>
+                </a:solidFill>
+                <a:latin typeface="Calibri" panose="020F0502020204030204" pitchFamily="34" charset="0"/>
+              </a:rPr>
+              <a:t>1/14/2019</a:t>
+            </a:r>
+          </a:p>
+        </p:txBody>
+      </p:sp>
+      <p:sp>
+        <p:nvSpPr>
+          <p:cNvPr id="91" name="OTLSHAPE_T_8ace1770f7fd4bf18264622287d860d5_EndDate">
+            <a:extLst>
+              <a:ext uri="{FF2B5EF4-FFF2-40B4-BE49-F238E27FC236}">
+                <a16:creationId xmlns:a16="http://schemas.microsoft.com/office/drawing/2014/main" id="{796BC965-D08E-4AD6-94E5-46CE9F0FDD0A}"/>
+              </a:ext>
+            </a:extLst>
+          </p:cNvPr>
+          <p:cNvSpPr txBox="1"/>
+          <p:nvPr>
+            <p:custDataLst>
+              <p:tags r:id="rId45"/>
+            </p:custDataLst>
+          </p:nvPr>
+        </p:nvSpPr>
+        <p:spPr>
+          <a:xfrm>
+            <a:off x="6997716" y="3544765"/>
+            <a:ext cx="495300" cy="155025"/>
+          </a:xfrm>
+          <a:prstGeom prst="rect">
+            <a:avLst/>
+          </a:prstGeom>
+          <a:noFill/>
+        </p:spPr>
+        <p:txBody>
+          <a:bodyPr vert="horz" wrap="square" lIns="0" tIns="0" rIns="0" bIns="0" rtlCol="0" anchor="ctr" anchorCtr="0">
+            <a:spAutoFit/>
+          </a:bodyPr>
+          <a:lstStyle/>
+          <a:p>
+            <a:pPr algn="ctr"/>
+            <a:r>
+              <a:rPr lang="en-DE" sz="1000" spc="-8">
+                <a:solidFill>
+                  <a:srgbClr val="44546A"/>
+                </a:solidFill>
+                <a:latin typeface="Calibri" panose="020F0502020204030204" pitchFamily="34" charset="0"/>
+              </a:rPr>
+              <a:t>2/8/2019</a:t>
+            </a:r>
+          </a:p>
+        </p:txBody>
+      </p:sp>
+      <p:sp>
+        <p:nvSpPr>
+          <p:cNvPr id="92" name="OTLSHAPE_T_8ace1770f7fd4bf18264622287d860d5_Title">
+            <a:extLst>
+              <a:ext uri="{FF2B5EF4-FFF2-40B4-BE49-F238E27FC236}">
+                <a16:creationId xmlns:a16="http://schemas.microsoft.com/office/drawing/2014/main" id="{3D1E5B62-38C9-480B-A951-F4F18120F2F1}"/>
+              </a:ext>
+            </a:extLst>
+          </p:cNvPr>
+          <p:cNvSpPr txBox="1"/>
+          <p:nvPr>
+            <p:custDataLst>
+              <p:tags r:id="rId46"/>
+            </p:custDataLst>
+          </p:nvPr>
+        </p:nvSpPr>
+        <p:spPr>
+          <a:xfrm>
+            <a:off x="6007309" y="3537018"/>
+            <a:ext cx="342900" cy="170519"/>
+          </a:xfrm>
+          <a:prstGeom prst="rect">
+            <a:avLst/>
+          </a:prstGeom>
+          <a:noFill/>
+        </p:spPr>
+        <p:txBody>
+          <a:bodyPr vert="horz" wrap="square" lIns="0" tIns="0" rIns="0" bIns="0" rtlCol="0" anchor="ctr" anchorCtr="0">
+            <a:spAutoFit/>
+          </a:bodyPr>
+          <a:lstStyle/>
+          <a:p>
+            <a:pPr algn="ctr"/>
+            <a:r>
+              <a:rPr lang="de-DE" sz="1100" b="1" spc="-10">
+                <a:solidFill>
+                  <a:schemeClr val="dk1"/>
+                </a:solidFill>
+                <a:latin typeface="Calibri" panose="020F0502020204030204" pitchFamily="34" charset="0"/>
+              </a:rPr>
+              <a:t>Paper</a:t>
+            </a:r>
+            <a:endParaRPr lang="en-DE" sz="1100" b="1" spc="-10">
+              <a:solidFill>
+                <a:schemeClr val="dk1"/>
+              </a:solidFill>
+              <a:latin typeface="Calibri" panose="020F0502020204030204" pitchFamily="34" charset="0"/>
+            </a:endParaRPr>
+          </a:p>
+        </p:txBody>
+      </p:sp>
+      <p:sp>
+        <p:nvSpPr>
+          <p:cNvPr id="93" name="Titel 3">
+            <a:extLst>
+              <a:ext uri="{FF2B5EF4-FFF2-40B4-BE49-F238E27FC236}">
+                <a16:creationId xmlns:a16="http://schemas.microsoft.com/office/drawing/2014/main" id="{AC01D3F5-6BD0-4EDB-930C-1E5C71266C4F}"/>
+              </a:ext>
+            </a:extLst>
+          </p:cNvPr>
+          <p:cNvSpPr txBox="1">
+            <a:spLocks/>
           </p:cNvSpPr>
-          <p:nvPr>
-            <p:ph type="title"/>
-          </p:nvPr>
-        </p:nvSpPr>
-        <p:spPr/>
+          <p:nvPr/>
+        </p:nvSpPr>
+        <p:spPr>
+          <a:xfrm>
+            <a:off x="251520" y="171451"/>
+            <a:ext cx="8641006" cy="820625"/>
+          </a:xfrm>
+          <a:prstGeom prst="rect">
+            <a:avLst/>
+          </a:prstGeom>
+        </p:spPr>
         <p:txBody>
           <a:bodyPr/>
-          <a:lstStyle/>
-          <a:p>
-            <a:r>
-              <a:rPr lang="de-DE" dirty="0"/>
+          <a:lstStyle>
+            <a:lvl1pPr algn="l" defTabSz="914400" rtl="0" eaLnBrk="1" latinLnBrk="0" hangingPunct="1">
+              <a:spcBef>
+                <a:spcPct val="0"/>
+              </a:spcBef>
+              <a:buNone/>
+              <a:defRPr lang="de-DE" sz="3600" kern="1200" dirty="0">
+                <a:solidFill>
+                  <a:srgbClr val="137CBE"/>
+                </a:solidFill>
+                <a:latin typeface="+mj-lt"/>
+                <a:ea typeface="+mj-ea"/>
+                <a:cs typeface="+mj-cs"/>
+              </a:defRPr>
+            </a:lvl1pPr>
+          </a:lstStyle>
+          <a:p>
+            <a:r>
+              <a:rPr lang="de-DE"/>
               <a:t>Agenda</a:t>
             </a:r>
           </a:p>
         </p:txBody>
       </p:sp>
     </p:spTree>
+    <p:custDataLst>
+      <p:tags r:id="rId1"/>
+    </p:custDataLst>
     <p:extLst>
       <p:ext uri="{BB962C8B-B14F-4D97-AF65-F5344CB8AC3E}">
-        <p14:creationId xmlns:p14="http://schemas.microsoft.com/office/powerpoint/2010/main" val="1059873877"/>
+        <p14:creationId xmlns:p14="http://schemas.microsoft.com/office/powerpoint/2010/main" val="1170433167"/>
       </p:ext>
     </p:extLst>
   </p:cSld>
@@ -4711,6 +8749,283 @@
     <a:masterClrMapping/>
   </p:clrMapOvr>
 </p:sld>
+</file>
+
+<file path=ppt/tags/tag1.xml><?xml version="1.0" encoding="utf-8"?>
+<p:tagLst xmlns:a="http://schemas.openxmlformats.org/drawingml/2006/main" xmlns:r="http://schemas.openxmlformats.org/officeDocument/2006/relationships" xmlns:p="http://schemas.openxmlformats.org/presentationml/2006/main">
+  <p:tag name="__PART_0" val="eyIkaWQiOiIxIiwiQ3VsdHVyZUluZm9OYW1lIjoiZW4tREUiLCJTdHlsZU5hbWUiOm51bGwsIlZlcnNpb24iOnsiJGlkIjoiMiIsIlZlcnNpb24iOiIzLjEuMSIsIk9yaWdpbmFsQXNzZW1ibHlWZXJzaW9uIjoiMy4yMi4wMS4wMCIsIkVkaXRpb24iOiJCYXNpYyIsIklzUGx1c0VkaXRpb24iOmZhbHNlfSwiRWZmZWN0IjoxLCJTdHlsZSI6eyIkaWQiOiIzIiwiVGltZWJhbmRTdHlsZSI6eyIkaWQiOiI0IiwiU2NhbGVNYXJraW5nIjowLCJTaGFwZSI6MTMsIlNoYXBlU3R5bGUiOnsiJGlkIjoiNSIsIk1hcmdpbiI6eyIkaWQiOiI2IiwiVG9wIjowLCJMZWZ0IjoxMCwiUmlnaHQiOjEwLCJCb3R0b20iOjB9LCJQYWRkaW5nIjp7IiRpZCI6IjciLCJUb3AiOjUsIkxlZnQiOjEzLCJSaWdodCI6MTMsIkJvdHRvbSI6NX0sIkJhY2tncm91bmQiOnsiJGlkIjoiOCIsIkNvbG9yIjp7IiRpZCI6IjkiLCJBIjoyNTUsIlIiOjY4LCJHIjo4NCwiQiI6MTA2fX0sIklzVmlzaWJsZSI6dHJ1ZSwiV2lkdGgiOjg1OC4wLCJIZWlnaHQiOjMwLjAsIkJvcmRlclN0eWxlIjp7IiRpZCI6IjEwIiwiTGluZUNvbG9yIjp7IiRpZCI6IjExIiwiJHR5cGUiOiJOTFJFLkNvbW1vbi5Eb20uU29saWRDb2xvckJydXNoLCBOTFJFLkNvbW1vbiIsIkNvbG9yIjp7IiRpZCI6IjEyIiwiQSI6MjU1LCJSIjoyNTUsIkciOjAsIkIiOjB9fSwiTGluZVdlaWdodCI6MC4wLCJMaW5lVHlwZSI6MCwiUGFyZW50U3R5bGUiOm51bGx9LCJQYXJlbnRTdHlsZSI6bnVsbH0sIlJpZ2h0RW5kQ2Fwc1N0eWxlIjp7IiRpZCI6IjEzIiwiRm9udFNldHRpbmdzIjp7IiRpZCI6IjE0IiwiRm9udFNpemUiOjE4LCJGb250TmFtZSI6IkNhbGlicmkiLCJJc0JvbGQiOnRydWUsIklzSXRhbGljIjpmYWxzZSwiSXNVbmRlcmxpbmVkIjpmYWxzZSwiUGFyZW50U3R5bGUiOm51bGx9LCJBdXRvU2l6ZSI6MCwiRm9yZWdyb3VuZCI6eyIkaWQiOiIxNSIsIkNvbG9yIjp7IiRpZCI6IjE2IiwiQSI6MjU1LCJSIjoyMzcsIkciOjEyNSwiQiI6NDl9fSwiTWF4V2lkdGgiOiJJbmZpbml0eSIsIk1heEhlaWdodCI6IkluZmluaXR5IiwiU21hcnRGb3JlZ3JvdW5kSXNBY3RpdmUiOmZhbHNlLCJIb3Jpem9udGFsQWxpZ25tZW50IjowLCJWZXJ0aWNhbEFsaWdubWVudCI6MCwiU21hcnRGb3JlZ3JvdW5kIjpudWxsLCJNYXJnaW4iOnsiJGlkIjoiMTciLCJUb3AiOjAsIkxlZnQiOjAsIlJpZ2h0IjoyMCwiQm90dG9tIjowfSwiUGFkZGluZyI6eyIkaWQiOiIxOCIsIlRvcCI6MCwiTGVmdCI6MCwiUmlnaHQiOjAsIkJvdHRvbSI6MH0sIkJhY2tncm91bmQiOnsiJGlkIjoiMTkiLCJDb2xvciI6eyIkaWQiOiIyMCIsIkEiOjg5LCJSIjowLCJHIjowLCJCIjowfX0sIklzVmlzaWJsZSI6dHJ1ZSwiV2lkdGgiOjAuMCwiSGVpZ2h0IjowLjAsIkJvcmRlclN0eWxlIjpudWxsLCJQYXJlbnRTdHlsZSI6bnVsbH0sIkxlZnRFbmRDYXBzU3R5bGUiOnsiJGlkIjoiMjEiLCJGb250U2V0dGluZ3MiOnsiJGlkIjoiMjIiLCJGb250U2l6ZSI6MTgsIkZvbnROYW1lIjoiQ2FsaWJyaSIsIklzQm9sZCI6dHJ1ZSwiSXNJdGFsaWMiOmZhbHNlLCJJc1VuZGVybGluZWQiOmZhbHNlLCJQYXJlbnRTdHlsZSI6bnVsbH0sIkF1dG9TaXplIjowLCJGb3JlZ3JvdW5kIjp7IiRpZCI6IjIzIiwiQ29sb3IiOnsiJGlkIjoiMjQiLCJBIjoyNTUsIlIiOjIzNywiRyI6MTI1LCJCIjo0OX19LCJNYXhXaWR0aCI6IkluZmluaXR5IiwiTWF4SGVpZ2h0IjoiSW5maW5pdHkiLCJTbWFydEZvcmVncm91bmRJc0FjdGl2ZSI6ZmFsc2UsIkhvcml6b250YWxBbGlnbm1lbnQiOjAsIlZlcnRpY2FsQWxpZ25tZW50IjowLCJTbWFydEZvcmVncm91bmQiOm51bGwsIk1hcmdpbiI6eyIkaWQiOiIyNSIsIlRvcCI6MCwiTGVmdCI6MjAsIlJpZ2h0IjowLCJCb3R0b20iOjB9LCJQYWRkaW5nIjp7IiRpZCI6IjI2IiwiVG9wIjowLCJMZWZ0IjowLCJSaWdodCI6MCwiQm90dG9tIjowfSwiQmFja2dyb3VuZCI6eyIkaWQiOiIyNyIsIkNvbG9yIjp7IiRyZWYiOiIyMCJ9fSwiSXNWaXNpYmxlIjpmYWxzZSwiV2lkdGgiOjAuMCwiSGVpZ2h0IjowLjAsIkJvcmRlclN0eWxlIjpudWxsLCJQYXJlbnRTdHlsZSI6bnVsbH0sIlRvZGF5VGV4dFN0eWxlIjp7IiRpZCI6IjI4IiwiRm9udFNldHRpbmdzIjp7IiRpZCI6IjI5IiwiRm9udFNpemUiOjEyLCJGb250TmFtZSI6IkNhbGlicmkiLCJJc0JvbGQiOmZhbHNlLCJJc0l0YWxpYyI6ZmFsc2UsIklzVW5kZXJsaW5lZCI6ZmFsc2UsIlBhcmVudFN0eWxlIjpudWxsfSwiQXV0b1NpemUiOjAsIkZvcmVncm91bmQiOnsiJGlkIjoiMzAiLCJDb2xvciI6eyIkaWQiOiIzMSIsIkEiOjI1NSwiUiI6MCwiRyI6MCwiQiI6MH19LCJNYXhXaWR0aCI6MjAwLjAsIk1heEhlaWdodCI6IkluZmluaXR5IiwiU21hcnRGb3JlZ3JvdW5kSXNBY3RpdmUiOmZhbHNlLCJIb3Jpem9udGFsQWxpZ25tZW50IjowLCJWZXJ0aWNhbEFsaWdubWVudCI6MCwiU21hcnRGb3JlZ3JvdW5kIjpudWxsLCJNYXJnaW4iOnsiJGlkIjoiMzIiLCJUb3AiOjAsIkxlZnQiOjAsIlJpZ2h0IjowLCJCb3R0b20iOjB9LCJQYWRkaW5nIjp7IiRpZCI6IjMzIiwiVG9wIjowLCJMZWZ0IjowLCJSaWdodCI6MCwiQm90dG9tIjowfSwiQmFja2dyb3VuZCI6eyIkaWQiOiIzNCIsIkNvbG9yIjp7IiRyZWYiOiIyMCJ9fSwiSXNWaXNpYmxlIjp0cnVlLCJXaWR0aCI6MC4wLCJIZWlnaHQiOjAuMCwiQm9yZGVyU3R5bGUiOm51bGwsIlBhcmVudFN0eWxlIjpudWxsfSwiVG9kYXlNYXJrZXJTdHlsZSI6eyIkaWQiOiIzNSIsIk1hcmdpbiI6eyIkaWQiOiIzNiIsIlRvcCI6MCwiTGVmdCI6MCwiUmlnaHQiOjAsIkJvdHRvbSI6MH0sIlBhZGRpbmciOnsiJGlkIjoiMzciLCJUb3AiOjAsIkxlZnQiOjAsIlJpZ2h0IjowLCJCb3R0b20iOjB9LCJCYWNrZ3JvdW5kIjp7IiRpZCI6IjM4IiwiQ29sb3IiOnsiJGlkIjoiMzkiLCJBIjoyNTUsIlIiOjI1NSwiRyI6MCwiQiI6MH19LCJJc1Zpc2libGUiOnRydWUsIldpZHRoIjowLjAsIkhlaWdodCI6MC4wLCJCb3JkZXJTdHlsZSI6bnVsbCwiUGFyZW50U3R5bGUiOm51bGx9LCJTY2FsZVN0eWxlIjp7IiRpZCI6IjQwIiwiU2hvd1NlZ21lbnRTZXBhcmF0b3JzIjp0cnVlLCJTZWdtZW50U2VwYXJhdG9yT3BhY2l0eSI6MzAsIkZvbnRTZXR0aW5ncyI6eyIkaWQiOiI0MSIsIkZvbnRTaXplIjoxMiwiRm9udE5hbWUiOiJDYWxpYnJpIiwiSXNCb2xkIjpmYWxzZSwiSXNJdGFsaWMiOmZhbHNlLCJJc1VuZGVybGluZWQiOmZhbHNlLCJQYXJlbnRTdHlsZSI6bnVsbH0sIkF1dG9TaXplIjowLCJGb3JlZ3JvdW5kIjp7IiRpZCI6IjQyIiwiQ29sb3IiOnsiJGlkIjoiNDMiLCJBIjoyNTUsIlIiOjI1NSwiRyI6MjU1LCJCIjoyNTV9fSwiTWF4V2lkdGgiOjIwMC4wLCJNYXhIZWlnaHQiOiJJbmZpbml0eSIsIlNtYXJ0Rm9yZWdyb3VuZElzQWN0aXZlIjpmYWxzZSwiSG9yaXpvbnRhbEFsaWdubWVudCI6MCwiVmVydGljYWxBbGlnbm1lbnQiOjEsIlNtYXJ0Rm9yZWdyb3VuZCI6bnVsbCwiTWFyZ2luIjp7IiRpZCI6IjQ0IiwiVG9wIjowLCJMZWZ0Ijo1LCJSaWdodCI6MCwiQm90dG9tIjowfSwiUGFkZGluZyI6eyIkaWQiOiI0NSIsIlRvcCI6MCwiTGVmdCI6MCwiUmlnaHQiOjAsIkJvdHRvbSI6MH0sIkJhY2tncm91bmQiOnsiJGlkIjoiNDYiLCJDb2xvciI6eyIkcmVmIjoiMjAifX0sIklzVmlzaWJsZSI6dHJ1ZSwiV2lkdGgiOjAuMCwiSGVpZ2h0IjowLjAsIkJvcmRlclN0eWxlIjpudWxsLCJQYXJlbnRTdHlsZSI6bnVsbH0sIkVsYXBzZWRUaW1lQmFja2dyb3VuZCI6eyIkaWQiOiI0NyIsIkNvbG9yIjp7IiRpZCI6IjQ4IiwiQSI6NzcsIlIiOjI1NSwiRyI6MCwiQiI6MH19LCJBcHBlbmRZZWFyT25ZZWFyQ2hhbmdlIjp0cnVlLCJFbGFwc2VkVGltZUZvcm1hdCI6MSwiVG9kYXlNYXJrZXJQb3NpdGlvbiI6MywiUXVpY2tQb3NpdGlvbiI6MSwiQWJzb2x1dGVQb3NpdGlvbiI6MTcyLjUsIk1hcmdpbiI6eyIkaWQiOiI0OSIsIlRvcCI6MCwiTGVmdCI6MTAsIlJpZ2h0IjoxMCwiQm90dG9tIjowfSwiUGFkZGluZyI6eyIkaWQiOiI1MCIsIlRvcCI6MCwiTGVmdCI6MCwiUmlnaHQiOjAsIkJvdHRvbSI6MH0sIkJhY2tncm91bmQiOnsiJGlkIjoiNTEiLCJDb2xvciI6eyIkaWQiOiI1MiIsIkEiOjI1NSwiUiI6MTE1LCJHIjoxMTUsIkIiOjExNX19LCJJc1Zpc2libGUiOnRydWUsIldpZHRoIjowLjAsIkhlaWdodCI6MC4wLCJCb3JkZXJTdHlsZSI6bnVsbCwiUGFyZW50U3R5bGUiOm51bGx9LCJEZWZhdWx0TWlsZXN0b25lU3R5bGUiOnsiJGlkIjoiNTMiLCJTaGFwZSI6MiwiQ29ubmVjdG9yTWFyZ2luIjp7IiRpZCI6IjU0IiwiVG9wIjowLCJMZWZ0IjoyLCJSaWdodCI6MiwiQm90dG9tIjowfSwiQ29ubmVjdG9yU3R5bGUiOnsiJGlkIjoiNTUiLCJMaW5lQ29sb3IiOnsiJGlkIjoiNTYiLCIkdHlwZSI6Ik5MUkUuQ29tbW9uLkRvbS5Tb2xpZENvbG9yQnJ1c2gsIE5MUkUuQ29tbW9uIiwiQ29sb3IiOnsiJGlkIjoiNTciLCJBIjoxMjcsIlIiOjMxLCJHIjo3MywiQiI6MTI2fX0sIkxpbmVXZWlnaHQiOjEuMCwiTGluZVR5cGUiOjAsIlBhcmVudFN0eWxlIjpudWxsfSwiSXNCZWxvd1RpbWViYW5kIjpmYWxzZSwiSGlkZURhdGUiOmZhbHNlLCJTaGFwZVNpemUiOjEsIlNwYWNpbmciOjIuMCwiUGFkZGluZyI6eyIkaWQiOiI1OCIsIlRvcCI6NywiTGVmdCI6MywiUmlnaHQiOjAsIkJvdHRvbSI6Mn0sIlNoYXBlU3R5bGUiOnsiJGlkIjoiNTkiLCJNYXJnaW4iOnsiJGlkIjoiNjAiLCJUb3AiOjAsIkxlZnQiOjAsIlJpZ2h0IjowLCJCb3R0b20iOjB9LCJQYWRkaW5nIjp7IiRpZCI6IjYxIiwiVG9wIjowLCJMZWZ0IjowLCJSaWdodCI6MCwiQm90dG9tIjowfSwiQmFja2dyb3VuZCI6eyIkaWQiOiI2MiIsIkNvbG9yIjp7IiRpZCI6IjYzIiwiQSI6MjU1LCJSIjowLCJHIjoxMTQsIkIiOjE4OH19LCJJc1Zpc2libGUiOnRydWUsIldpZHRoIjoxOC4wLCJIZWlnaHQiOjIwLjAsIkJvcmRlclN0eWxlIjp7IiRpZCI6IjY0IiwiTGluZUNvbG9yIjp7IiRpZCI6IjY1IiwiJHR5cGUiOiJOTFJFLkNvbW1vbi5Eb20uU29saWRDb2xvckJydXNoLCBOTFJFLkNvbW1vbiIsIkNvbG9yIjp7IiRpZCI6IjY2IiwiQSI6MjU1LCJSIjoyNTUsIkciOjAsIkIiOjB9fSwiTGluZVdlaWdodCI6MC4wLCJMaW5lVHlwZSI6MCwiUGFyZW50U3R5bGUiOm51bGx9LCJQYXJlbnRTdHlsZSI6bnVsbH0sIlRpdGxlU3R5bGUiOnsiJGlkIjoiNjciLCJGb250U2V0dGluZ3MiOnsiJGlkIjoiNjgiLCJGb250U2l6ZSI6MTEsIkZvbnROYW1lIjoiQ2FsaWJyaSIsIklzQm9sZCI6dHJ1ZSwiSXNJdGFsaWMiOmZhbHNlLCJJc1VuZGVybGluZWQiOmZhbHNlLCJQYXJlbnRTdHlsZSI6bnVsbH0sIkF1dG9TaXplIjowLCJGb3JlZ3JvdW5kIjp7IiRpZCI6IjY5IiwiQ29sb3IiOnsiJGlkIjoiNzAiLCJBIjoyNTUsIlIiOjAsIkciOjAsIkIiOjB9fSwiTWF4V2lkdGgiOjIwMC4wLCJNYXhIZWlnaHQiOiJJbmZpbml0eSIsIlNtYXJ0Rm9yZWdyb3VuZElzQWN0aXZlIjpmYWxzZSwiSG9yaXpvbnRhbEFsaWdubWVudCI6MCwiVmVydGljYWxBbGlnbm1lbnQiOjAsIlNtYXJ0Rm9yZWdyb3VuZCI6bnVsbCwiTWFyZ2luIjp7IiRpZCI6IjcxIiwiVG9wIjowLCJMZWZ0IjowLCJSaWdodCI6MCwiQm90dG9tIjowfSwiUGFkZGluZyI6eyIkaWQiOiI3MiIsIlRvcCI6MCwiTGVmdCI6MCwiUmlnaHQiOjAsIkJvdHRvbSI6MH0sIkJhY2tncm91bmQiOnsiJGlkIjoiNzMiLCJDb2xvciI6eyIkcmVmIjoiMjAifX0sIklzVmlzaWJsZSI6dHJ1ZSwiV2lkdGgiOjAuMCwiSGVpZ2h0IjowLjAsIkJvcmRlclN0eWxlIjpudWxsLCJQYXJlbnRTdHlsZSI6bnVsbH0sIkRhdGVTdHlsZSI6eyIkaWQiOiI3NCIsIkZvbnRTZXR0aW5ncyI6eyIkaWQiOiI3NSIsIkZvbnRTaXplIjoxMCwiRm9udE5hbWUiOiJDYWxpYnJpIiwiSXNCb2xkIjpmYWxzZSwiSXNJdGFsaWMiOmZhbHNlLCJJc1VuZGVybGluZWQiOmZhbHNlLCJQYXJlbnRTdHlsZSI6bnVsbH0sIkF1dG9TaXplIjowLCJGb3JlZ3JvdW5kIjp7IiRpZCI6Ijc2IiwiQ29sb3IiOnsiJGlkIjoiNzciLCJBIjoyNTUsIlIiOjY4LCJHIjo4NCwiQiI6MTA2fX0sIk1heFdpZHRoIjoyMDAuMCwiTWF4SGVpZ2h0IjoiSW5maW5pdHkiLCJTbWFydEZvcmVncm91bmRJc0FjdGl2ZSI6ZmFsc2UsIkhvcml6b250YWxBbGlnbm1lbnQiOjAsIlZlcnRpY2FsQWxpZ25tZW50IjowLCJTbWFydEZvcmVncm91bmQiOm51bGwsIk1hcmdpbiI6eyIkaWQiOiI3OCIsIlRvcCI6MCwiTGVmdCI6MCwiUmlnaHQiOjAsIkJvdHRvbSI6MH0sIlBhZGRpbmciOnsiJGlkIjoiNzkiLCJUb3AiOjAsIkxlZnQiOjAsIlJpZ2h0IjowLCJCb3R0b20iOjB9LCJCYWNrZ3JvdW5kIjp7IiRpZCI6IjgwIiwiQ29sb3IiOnsiJHJlZiI6IjIwIn19LCJJc1Zpc2libGUiOnRydWUsIldpZHRoIjowLjAsIkhlaWdodCI6MC4wLCJCb3JkZXJTdHlsZSI6bnVsbCwiUGFyZW50U3R5bGUiOm51bGx9LCJEYXRlRm9ybWF0Ijp7IiRpZCI6IjgxIiwiRm9ybWF0U3RyaW5nIjoiTS9kL3l5eXkiLCJTZXBhcmF0b3IiOiIvIiwiVXNlSW50ZXJuYXRpb25hbERhdGVGb3JtYXQiOmZhbHNlLCJEYXRlSXNWaXNpYmxlIjp0cnVlLCJUaW1lSXNWaXNpYmxlIjpmYWxzZSwiSG91ckRpZ2l0cyI6MSwiQW1QbURlc2lnbmF0b3IiOjIsIlRyaW0wME1pbnV0ZXMiOmZhbHNlLCJMYXN0S25vd25WaXNpYmlsaXR5U3RhdGUiOm51bGx9LCJJc1Zpc2libGUiOnRydWUsIlBhcmVudFN0eWxlIjpudWxsfSwiRGVmYXVsdFRhc2tTdHlsZSI6eyIkaWQiOiI4MiIsIlNoYXBlIjoyLCJTaGFwZVRoaWNrbmVzcyI6MSwiRHVyYXRpb25Gb3JtYXQiOjAsIkluY2x1ZGVOb25Xb3JraW5nRGF5c0luRHVyYXRpb24iOmZhbHNlLCJQZXJjZW50YWdlQ29tcGxldGVTdHlsZSI6eyIkaWQiOiI4MyIsIkZvbnRTZXR0aW5ncyI6eyIkaWQiOiI4NCIsIkZvbnRTaXplIjoxMCwiRm9udE5hbWUiOiJDYWxpYnJpIiwiSXNCb2xkIjpmYWxzZSwiSXNJdGFsaWMiOmZhbHNlLCJJc1VuZGVybGluZWQiOmZhbHNlLCJQYXJlbnRTdHlsZSI6bnVsbH0sIkF1dG9TaXplIjowLCJGb3JlZ3JvdW5kIjp7IiRpZCI6Ijg1IiwiQ29sb3IiOnsiJGlkIjoiODYiLCJBIjoyNTUsIlIiOjIzNywiRyI6MTI1LCJCIjo0OX19LCJNYXhXaWR0aCI6MjAwLjAsIk1heEhlaWdodCI6IkluZmluaXR5IiwiU21hcnRGb3JlZ3JvdW5kSXNBY3RpdmUiOmZhbHNlLCJIb3Jpem9udGFsQWxpZ25tZW50IjowLCJWZXJ0aWNhbEFsaWdubWVudCI6MCwiU21hcnRGb3JlZ3JvdW5kIjpudWxsLCJNYXJnaW4iOnsiJGlkIjoiODciLCJUb3AiOjAsIkxlZnQiOjAsIlJpZ2h0IjowLCJCb3R0b20iOjB9LCJQYWRkaW5nIjp7IiRpZCI6Ijg4IiwiVG9wIjowLCJMZWZ0IjowLCJSaWdodCI6MCwiQm90dG9tIjowfSwiQmFja2dyb3VuZCI6eyIkaWQiOiI4OSIsIkNvbG9yIjp7IiRyZWYiOiIyMCJ9fSwiSXNWaXNpYmxlIjp0cnVlLCJXaWR0aCI6MC4wLCJIZWlnaHQiOjAuMCwiQm9yZGVyU3R5bGUiOm51bGwsIlBhcmVudFN0eWxlIjpudWxsfSwiRHVyYXRpb25TdHlsZSI6eyIkaWQiOiI5MCIsIkZvbnRTZXR0aW5ncyI6eyIkaWQiOiI5MSIsIkZvbnRTaXplIjoxMCwiRm9udE5hbWUiOiJDYWxpYnJpIiwiSXNCb2xkIjpmYWxzZSwiSXNJdGFsaWMiOmZhbHNlLCJJc1VuZGVybGluZWQiOmZhbHNlLCJQYXJlbnRTdHlsZSI6bnVsbH0sIkF1dG9TaXplIjowLCJGb3JlZ3JvdW5kIjp7IiRpZCI6IjkyIiwiQ29sb3IiOnsiJGlkIjoiOTMiLCJBIjoyNTUsIlIiOjIzNywiRyI6MTI1LCJCIjo0OX19LCJNYXhXaWR0aCI6MjAwLjAsIk1heEhlaWdodCI6IkluZmluaXR5IiwiU21hcnRGb3JlZ3JvdW5kSXNBY3RpdmUiOmZhbHNlLCJIb3Jpem9udGFsQWxpZ25tZW50IjowLCJWZXJ0aWNhbEFsaWdubWVudCI6MCwiU21hcnRGb3JlZ3JvdW5kIjpudWxsLCJNYXJnaW4iOnsiJGlkIjoiOTQiLCJUb3AiOjAsIkxlZnQiOjAsIlJpZ2h0IjowLCJCb3R0b20iOjB9LCJQYWRkaW5nIjp7IiRpZCI6Ijk1IiwiVG9wIjowLCJMZWZ0IjowLCJSaWdodCI6MCwiQm90dG9tIjowfSwiQmFja2dyb3VuZCI6eyIkaWQiOiI5NiIsIkNvbG9yIjp7IiRyZWYiOiIyMCJ9fSwiSXNWaXNpYmxlIjp0cnVlLCJXaWR0aCI6MC4wLCJIZWlnaHQiOjAuMCwiQm9yZGVyU3R5bGUiOm51bGwsIlBhcmVudFN0eWxlIjpudWxsfSwiSG9yaXpvbnRhbENvbm5lY3RvclN0eWxlIjp7IiRpZCI6Ijk3IiwiTGluZUNvbG9yIjp7IiRpZCI6Ijk4IiwiJHR5cGUiOiJOTFJFLkNvbW1vbi5Eb20uU29saWRDb2xvckJydXNoLCBOTFJFLkNvbW1vbiIsIkNvbG9yIjp7IiRpZCI6Ijk5IiwiQSI6MjU1LCJSIjoyMDQsIkciOjIwNCwiQiI6MjA0fX0sIkxpbmVXZWlnaHQiOjEuMCwiTGluZVR5cGUiOjAsIlBhcmVudFN0eWxlIjpudWxsfSwiVmVydGljYWxDb25uZWN0b3JTdHlsZSI6eyIkaWQiOiIxMDAiLCJMaW5lQ29sb3IiOnsiJGlkIjoiMTAxIiwiJHR5cGUiOiJOTFJFLkNvbW1vbi5Eb20uU29saWRDb2xvckJydXNoLCBOTFJFLkNvbW1vbiIsIkNvbG9yIjp7IiRpZCI6IjEwMiIsIkEiOjI1NSwiUiI6MjA0LCJHIjoyMDQsIkIiOjIwNH19LCJMaW5lV2VpZ2h0IjowLjAsIkxpbmVUeXBlIjowLCJQYXJlbnRTdHlsZSI6bnVsbH0sIk1hcmdpbiI6bnVsbCwiU3RhcnREYXRlUG9zaXRpb24iOjMsIkVuZERhdGVQb3NpdGlvbiI6NCwiRGF0ZUlzVmlzaWJsZSI6dHJ1ZSwiVGl0bGVQb3NpdGlvbiI6MiwiRHVyYXRpb25Qb3NpdGlvbiI6NiwiUGVyY2VudGFnZUNvbXBsZXRlZFBvc2l0aW9uIjo2LCJTcGFjaW5nIjo1LCJJc0JlbG93VGltZWJhbmQiOnRydWUsIlBlcmNlbnRhZ2VDb21wbGV0ZVNoYXBlT3BhY2l0eSI6MzUsIlNoYXBlU3R5bGUiOnsiJGlkIjoiMTAzIiwiTWFyZ2luIjp7IiRpZCI6IjEwNCIsIlRvcCI6MCwiTGVmdCI6NCwiUmlnaHQiOjQsIkJvdHRvbSI6MH0sIlBhZGRpbmciOnsiJGlkIjoiMTA1IiwiVG9wIjowLCJMZWZ0IjowLCJSaWdodCI6MCwiQm90dG9tIjowfSwiQmFja2dyb3VuZCI6eyIkaWQiOiIxMDYiLCJDb2xvciI6eyIkaWQiOiIxMDciLCJBIjoyNTUsIlIiOjAsIkciOjExNCwiQiI6MTg4fX0sIklzVmlzaWJsZSI6dHJ1ZSwiV2lkdGgiOjAuMCwiSGVpZ2h0IjoxNi4wLCJCb3JkZXJTdHlsZSI6eyIkaWQiOiIxMDgiLCJMaW5lQ29sb3IiOnsiJGlkIjoiMTA5IiwiJHR5cGUiOiJOTFJFLkNvbW1vbi5Eb20uU29saWRDb2xvckJydXNoLCBOTFJFLkNvbW1vbiIsIkNvbG9yIjp7IiRpZCI6IjExMCIsIkEiOjI1NSwiUiI6MjU1LCJHIjowLCJCIjowfX0sIkxpbmVXZWlnaHQiOjAuMCwiTGluZVR5cGUiOjAsIlBhcmVudFN0eWxlIjpudWxsfSwiUGFyZW50U3R5bGUiOm51bGx9LCJUaXRsZVN0eWxlIjp7IiRpZCI6IjExMSIsIkZvbnRTZXR0aW5ncyI6eyIkaWQiOiIxMTIiLCJGb250U2l6ZSI6MTEsIkZvbnROYW1lIjoiQ2FsaWJyaSIsIklzQm9sZCI6dHJ1ZSwiSXNJdGFsaWMiOmZhbHNlLCJJc1VuZGVybGluZWQiOmZhbHNlLCJQYXJlbnRTdHlsZSI6bnVsbH0sIkF1dG9TaXplIjowLCJGb3JlZ3JvdW5kIjp7IiRpZCI6IjExMyIsIkNvbG9yIjp7IiRpZCI6IjExNCIsIkEiOjI1NSwiUiI6MCwiRyI6MCwiQiI6MH19LCJNYXhXaWR0aCI6OTYwLjAsIk1heEhlaWdodCI6IkluZmluaXR5IiwiU21hcnRGb3JlZ3JvdW5kSXNBY3RpdmUiOmZhbHNlLCJIb3Jpem9udGFsQWxpZ25tZW50IjoxLCJWZXJ0aWNhbEFsaWdubWVudCI6MCwiU21hcnRGb3JlZ3JvdW5kIjpudWxsLCJNYXJnaW4iOnsiJGlkIjoiMTE1IiwiVG9wIjowLCJMZWZ0IjowLCJSaWdodCI6MCwiQm90dG9tIjowfSwiUGFkZGluZyI6eyIkaWQiOiIxMTYiLCJUb3AiOjAsIkxlZnQiOjAsIlJpZ2h0IjowLCJCb3R0b20iOjB9LCJCYWNrZ3JvdW5kIjp7IiRpZCI6IjExNyIsIkNvbG9yIjp7IiRyZWYiOiIyMCJ9fSwiSXNWaXNpYmxlIjp0cnVlLCJXaWR0aCI6MC4wLCJIZWlnaHQiOjAuMCwiQm9yZGVyU3R5bGUiOm51bGwsIlBhcmVudFN0eWxlIjpudWxsfSwiRGF0ZVN0eWxlIjp7IiRpZCI6IjExOCIsIkZvbnRTZXR0aW5ncyI6eyIkaWQiOiIxMTkiLCJGb250U2l6ZSI6MTAsIkZvbnROYW1lIjoiQ2FsaWJyaSIsIklzQm9sZCI6ZmFsc2UsIklzSXRhbGljIjpmYWxzZSwiSXNVbmRlcmxpbmVkIjpmYWxzZSwiUGFyZW50U3R5bGUiOm51bGx9LCJBdXRvU2l6ZSI6MCwiRm9yZWdyb3VuZCI6eyIkaWQiOiIxMjAiLCJDb2xvciI6eyIkaWQiOiIxMjEiLCJBIjoyNTUsIlIiOjY4LCJHIjo4NCwiQiI6MTA2fX0sIk1heFdpZHRoIjoyMDAuMCwiTWF4SGVpZ2h0IjoiSW5maW5pdHkiLCJTbWFydEZvcmVncm91bmRJc0FjdGl2ZSI6ZmFsc2UsIkhvcml6b250YWxBbGlnbm1lbnQiOjAsIlZlcnRpY2FsQWxpZ25tZW50IjowLCJTbWFydEZvcmVncm91bmQiOm51bGwsIk1hcmdpbiI6eyIkaWQiOiIxMjIiLCJUb3AiOjAsIkxlZnQiOjAsIlJpZ2h0IjowLCJCb3R0b20iOjB9LCJQYWRkaW5nIjp7IiRpZCI6IjEyMyIsIlRvcCI6MCwiTGVmdCI6MCwiUmlnaHQiOjAsIkJvdHRvbSI6MH0sIkJhY2tncm91bmQiOnsiJGlkIjoiMTI0IiwiQ29sb3IiOnsiJHJlZiI6IjIwIn19LCJJc1Zpc2libGUiOnRydWUsIldpZHRoIjowLjAsIkhlaWdodCI6MC4wLCJCb3JkZXJTdHlsZSI6bnVsbCwiUGFyZW50U3R5bGUiOm51bGx9LCJEYXRlRm9ybWF0Ijp7IiRpZCI6IjEyNSIsIkZvcm1hdFN0cmluZyI6Ik0vZC95eXl5IiwiU2VwYXJhdG9yIjoiLyIsIlVzZUludGVybmF0aW9uYWxEYXRlRm9ybWF0IjpmYWxzZSwiRGF0ZUlzVmlzaWJsZSI6dHJ1ZSwiVGltZUlzVmlzaWJsZSI6ZmFsc2UsIkhvdXJEaWdpdHMiOjEsIkFtUG1EZXNpZ25hdG9yIjoyLCJUcmltMDBNaW51dGVzIjpmYWxzZSwiTGFzdEtub3duVmlzaWJpbGl0eVN0YXRlIjpudWxsfSwiSXNWaXNpYmxlIjp0cnVlLCJQYXJlbnRTdHlsZSI6bnVsbCwiX2V4cGxpY2l0bHlTZXQiOnsiJGlkIjoiMTI2IiwiU2hhcGVTdHlsZSI6ZmFsc2UsIlRpdGxlU3R5bGUiOmZhbHNlLCJEYXRlU3R5bGUiOmZhbHNlLCJIb3Jpem9udGFsQ29ubmVjdG9yU3R5bGUiOmZhbHNlLCJWZXJ0aWNhbENvbm5lY3RvclN0eWxlIjpmYWxzZSwiUGVyY2VudGFnZUNvbXBsZXRlU2hhcGVPcGFjaXR5IjpmYWxzZSwiRHVyYXRpb25Gb3JtYXQiOmZhbHNlLCJEdXJhdGlvblBvc2l0aW9uIjpmYWxzZSwiRW5kRGF0ZVBvc2l0aW9uIjpmYWxzZSwiSXNCZWxvd1RpbWViYW5kIjpmYWxzZSwiUGVyY2VudGFnZUNvbXBsZXRlZFBvc2l0aW9uIjpmYWxzZSwiU2hhcGUiOmZhbHNlLCJTaGFwZVRoaWNrbmVzcyI6ZmFsc2UsIlNwYWNpbmciOmZhbHNlLCJTdGFydERhdGVQb3NpdGlvbiI6ZmFsc2UsIlRpdGxlUG9zaXRpb24iOmZhbHNlLCJEYXRlRm9ybWF0IjpmYWxzZSwiSXNWaXNpYmxlIjpmYWxzZSwiTWFyZ2luIjpmYWxzZX19LCJTaG93RWxhcHNlZFRpbWVHcmFkaWVudFN0eWxlIjpmYWxzZX0sIlNjYWxlIjp7IiRpZCI6IjEyNyIsIlN0YXJ0RGF0ZSI6IjAwMDEtMDEtMDFUMDA6MDA6MDAiLCJFbmREYXRlIjoiMjAxOS0wMi0wOFQyMzo1OTowMCIsIkZvcm1hdCI6Ik1NTSIsIlR5cGUiOjIsIkF1dG9EYXRlUmFuZ2UiOnRydWUsIldvcmtpbmdEYXlzIjoxMjcsIlRvZGF5TWFya2VyVGV4dCI6IlRvZGF5IiwiQXV0b1NjYWxlVHlwZSI6dHJ1ZX0sIk1pbGVzdG9uZXMiOltdLCJUYXNrcyI6W3siJGlkIjoiMTI4IiwiR3JvdXBOYW1lIjpudWxsLCJTdGFydERhdGUiOiIyMDE4LTExLTA1VDAwOjAwOjAwIiwiRW5kRGF0ZSI6IjIwMTgtMTItMDlUMjM6NTk6MDAiLCJQZXJjZW50YWdlQ29tcGxldGUiOm51bGwsIlN0eWxlIjp7IiRpZCI6IjEyOSIsIlNoYXBlIjoyLCJTaGFwZVRoaWNrbmVzcyI6MSwiRHVyYXRpb25Gb3JtYXQiOjAsIkluY2x1ZGVOb25Xb3JraW5nRGF5c0luRHVyYXRpb24iOmZhbHNlLCJQZXJjZW50YWdlQ29tcGxldGVTdHlsZSI6eyIkaWQiOiIxMzAiLCJGb250U2V0dGluZ3MiOnsiJGlkIjoiMTMxIiwiRm9udFNpemUiOjEwLCJGb250TmFtZSI6IkNhbGlicmkiLCJJc0JvbGQiOmZhbHNlLCJJc0l0YWxpYyI6ZmFsc2UsIklzVW5kZXJsaW5lZCI6ZmFsc2UsIlBhcmVudFN0eWxlIjpudWxsfSwiQXV0b1NpemUiOjAsIkZvcmVncm91bmQiOnsiJGlkIjoiMTMyIiwiQ29sb3IiOnsiJHJlZiI6Ijg2In19LCJNYXhXaWR0aCI6MjAwLjAsIk1heEhlaWdodCI6IkluZmluaXR5IiwiU21hcnRGb3JlZ3JvdW5kSXNBY3RpdmUiOmZhbHNlLCJIb3Jpem9udGFsQWxpZ25tZW50IjowLCJWZXJ0aWNhbEFsaWdubWVudCI6MCwiU21hcnRGb3JlZ3JvdW5kIjpudWxsLCJNYXJnaW4iOnsiJGlkIjoiMTMzIiwiVG9wIjowLCJMZWZ0IjowLCJSaWdodCI6MCwiQm90dG9tIjowfSwiUGFkZGluZyI6eyIkaWQiOiIxMzQiLCJUb3AiOjAsIkxlZnQiOjAsIlJpZ2h0IjowLCJCb3R0b20iOjB9LCJCYWNrZ3JvdW5kIjp7IiRyZWYiOiI4OSJ9LCJJc1Zpc2libGUiOnRydWUsIldpZHRoIjowLjAsIkhlaWdodCI6MC4wLCJCb3JkZXJTdHlsZSI6eyIkaWQiOiIxMzUiLCJMaW5lQ29sb3IiOm51bGwsIkxpbmVXZWlnaHQiOjAuMCwiTGluZVR5cGUiOjAsIlBhcmVudFN0eWxlIjpudWxsfSwiUGFyZW50U3R5bGUiOm51bGx9LCJEdXJhdGlvblN0eWxlIjp7IiRpZCI6IjEzNiIsIkZvbnRTZXR0aW5ncyI6eyIkaWQiOiIxMzciLCJGb250U2l6ZSI6MTAsIkZvbnROYW1lIjoiQ2FsaWJyaSIsIklzQm9sZCI6ZmFsc2UsIklzSXRhbGljIjpmYWxzZSwiSXNVbmRlcmxpbmVkIjpmYWxzZSwiUGFyZW50U3R5bGUiOm51bGx9LCJBdXRvU2l6ZSI6MCwiRm9yZWdyb3VuZCI6eyIkaWQiOiIxMzgiLCJDb2xvciI6eyIkcmVmIjoiOTMifX0sIk1heFdpZHRoIjoyMDAuMCwiTWF4SGVpZ2h0IjoiSW5maW5pdHkiLCJTbWFydEZvcmVncm91bmRJc0FjdGl2ZSI6ZmFsc2UsIkhvcml6b250YWxBbGlnbm1lbnQiOjAsIlZlcnRpY2FsQWxpZ25tZW50IjowLCJTbWFydEZvcmVncm91bmQiOm51bGwsIk1hcmdpbiI6eyIkaWQiOiIxMzkiLCJUb3AiOjAsIkxlZnQiOjAsIlJpZ2h0IjowLCJCb3R0b20iOjB9LCJQYWRkaW5nIjp7IiRpZCI6IjE0MCIsIlRvcCI6MCwiTGVmdCI6MCwiUmlnaHQiOjAsIkJvdHRvbSI6MH0sIkJhY2tncm91bmQiOnsiJHJlZiI6Ijk2In0sIklzVmlzaWJsZSI6dHJ1ZSwiV2lkdGgiOjAuMCwiSGVpZ2h0IjowLjAsIkJvcmRlclN0eWxlIjp7IiRpZCI6IjE0MSIsIkxpbmVDb2xvciI6bnVsbCwiTGluZVdlaWdodCI6MC4wLCJMaW5lVHlwZSI6MCwiUGFyZW50U3R5bGUiOm51bGx9LCJQYXJlbnRTdHlsZSI6bnVsbH0sIkhvcml6b250YWxDb25uZWN0b3JTdHlsZSI6eyIkaWQiOiIxNDIiLCJMaW5lQ29sb3IiOnsiJHJlZiI6Ijk4In0sIkxpbmVXZWlnaHQiOjEuMCwiTGluZVR5cGUiOjAsIlBhcmVudFN0eWxlIjpudWxsfSwiVmVydGljYWxDb25uZWN0b3JTdHlsZSI6eyIkaWQiOiIxNDMiLCJMaW5lQ29sb3IiOnsiJHJlZiI6IjEwMSJ9LCJMaW5lV2VpZ2h0IjowLjAsIkxpbmVUeXBlIjowLCJQYXJlbnRTdHlsZSI6bnVsbH0sIk1hcmdpbiI6bnVsbCwiU3RhcnREYXRlUG9zaXRpb24iOjMsIkVuZERhdGVQb3NpdGlvbiI6NCwiRGF0ZUlzVmlzaWJsZSI6dHJ1ZSwiVGl0bGVQb3NpdGlvbiI6MiwiRHVyYXRpb25Qb3NpdGlvbiI6NiwiUGVyY2VudGFnZUNvbXBsZXRlZFBvc2l0aW9uIjo2LCJTcGFjaW5nIjo1LCJJc0JlbG93VGltZWJhbmQiOnRydWUsIlBlcmNlbnRhZ2VDb21wbGV0ZVNoYXBlT3BhY2l0eSI6MzUsIlNoYXBlU3R5bGUiOnsiJGlkIjoiMTQ0IiwiTWFyZ2luIjp7IiRpZCI6IjE0NSIsIlRvcCI6MCwiTGVmdCI6NCwiUmlnaHQiOjQsIkJvdHRvbSI6MH0sIlBhZGRpbmciOnsiJGlkIjoiMTQ2IiwiVG9wIjowLCJMZWZ0IjowLCJSaWdodCI6MCwiQm90dG9tIjowfSwiQmFja2dyb3VuZCI6eyIkaWQiOiIxNDciLCJDb2xvciI6eyIkaWQiOiIxNDgiLCJBIjoyNTUsIlIiOjQ5LCJHIjo5OSwiQiI6MTg0fX0sIklzVmlzaWJsZSI6dHJ1ZSwiV2lkdGgiOjAuMCwiSGVpZ2h0IjoxNi4wLCJCb3JkZXJTdHlsZSI6eyIkaWQiOiIxNDkiLCJMaW5lQ29sb3IiOnsiJHJlZiI6IjEwOSJ9LCJMaW5lV2VpZ2h0IjowLjAsIkxpbmVUeXBlIjowLCJQYXJlbnRTdHlsZSI6bnVsbH0sIlBhcmVudFN0eWxlIjpudWxsfSwiVGl0bGVTdHlsZSI6eyIkaWQiOiIxNTAiLCJGb250U2V0dGluZ3MiOnsiJGlkIjoiMTUxIiwiRm9udFNpemUiOjExLCJGb250TmFtZSI6IkNhbGlicmkiLCJJc0JvbGQiOnRydWUsIklzSXRhbGljIjpmYWxzZSwiSXNVbmRlcmxpbmVkIjpmYWxzZSwiUGFyZW50U3R5bGUiOm51bGx9LCJBdXRvU2l6ZSI6MCwiRm9yZWdyb3VuZCI6eyIkaWQiOiIxNTIiLCJDb2xvciI6eyIkcmVmIjoiMTE0In19LCJNYXhXaWR0aCI6OTYwLjAsIk1heEhlaWdodCI6IkluZmluaXR5IiwiU21hcnRGb3JlZ3JvdW5kSXNBY3RpdmUiOmZhbHNlLCJIb3Jpem9udGFsQWxpZ25tZW50IjoxLCJWZXJ0aWNhbEFsaWdubWVudCI6MCwiU21hcnRGb3JlZ3JvdW5kIjpudWxsLCJNYXJnaW4iOnsiJGlkIjoiMTUzIiwiVG9wIjowLCJMZWZ0IjowLCJSaWdodCI6MCwiQm90dG9tIjowfSwiUGFkZGluZyI6eyIkaWQiOiIxNTQiLCJUb3AiOjAsIkxlZnQiOjAsIlJpZ2h0IjowLCJCb3R0b20iOjB9LCJCYWNrZ3JvdW5kIjp7IiRyZWYiOiIxMTcifSwiSXNWaXNpYmxlIjp0cnVlLCJXaWR0aCI6MC4wLCJIZWlnaHQiOjAuMCwiQm9yZGVyU3R5bGUiOnsiJGlkIjoiMTU1IiwiTGluZUNvbG9yIjpudWxsLCJMaW5lV2VpZ2h0IjowLjAsIkxpbmVUeXBlIjowLCJQYXJlbnRTdHlsZSI6bnVsbH0sIlBhcmVudFN0eWxlIjpudWxsfSwiRGF0ZVN0eWxlIjp7IiRpZCI6IjE1NiIsIkZvbnRTZXR0aW5ncyI6eyIkaWQiOiIxNTciLCJGb250U2l6ZSI6MTAsIkZvbnROYW1lIjoiQ2FsaWJyaSIsIklzQm9sZCI6ZmFsc2UsIklzSXRhbGljIjpmYWxzZSwiSXNVbmRlcmxpbmVkIjpmYWxzZSwiUGFyZW50U3R5bGUiOm51bGx9LCJBdXRvU2l6ZSI6MCwiRm9yZWdyb3VuZCI6eyIkaWQiOiIxNTgiLCJDb2xvciI6eyIkcmVmIjoiMTIxIn19LCJNYXhXaWR0aCI6MjAwLjAsIk1heEhlaWdodCI6IkluZmluaXR5IiwiU21hcnRGb3JlZ3JvdW5kSXNBY3RpdmUiOmZhbHNlLCJIb3Jpem9udGFsQWxpZ25tZW50IjowLCJWZXJ0aWNhbEFsaWdubWVudCI6MCwiU21hcnRGb3JlZ3JvdW5kIjpudWxsLCJNYXJnaW4iOnsiJGlkIjoiMTU5IiwiVG9wIjowLCJMZWZ0IjowLCJSaWdodCI6MCwiQm90dG9tIjowfSwiUGFkZGluZyI6eyIkaWQiOiIxNjAiLCJUb3AiOjAsIkxlZnQiOjAsIlJpZ2h0IjowLCJCb3R0b20iOjB9LCJCYWNrZ3JvdW5kIjp7IiRyZWYiOiIxMjQifSwiSXNWaXNpYmxlIjp0cnVlLCJXaWR0aCI6MC4wLCJIZWlnaHQiOjAuMCwiQm9yZGVyU3R5bGUiOnsiJGlkIjoiMTYxIiwiTGluZUNvbG9yIjpudWxsLCJMaW5lV2VpZ2h0IjowLjAsIkxpbmVUeXBlIjowLCJQYXJlbnRTdHlsZSI6bnVsbH0sIlBhcmVudFN0eWxlIjpudWxsfSwiRGF0ZUZvcm1hdCI6eyIkaWQiOiIxNjIiLCJGb3JtYXRTdHJpbmciOiJNL2QveXl5eSIsIlNlcGFyYXRvciI6Ii8iLCJVc2VJbnRlcm5hdGlvbmFsRGF0ZUZvcm1hdCI6ZmFsc2UsIkRhdGVJc1Zpc2libGUiOnRydWUsIlRpbWVJc1Zpc2libGUiOmZhbHNlLCJIb3VyRGlnaXRzIjoxLCJBbVBtRGVzaWduYXRvciI6MiwiVHJpbTAwTWludXRlcyI6ZmFsc2UsIkxhc3RLbm93blZpc2liaWxpdHlTdGF0ZSI6bnVsbH0sIklzVmlzaWJsZSI6dHJ1ZSwiUGFyZW50U3R5bGUiOm51bGx9LCJJbmRleCI6MSwiU21hcnREdXJhdGlvbkFjdGl2YXRlZCI6ZmFsc2UsIkRhdGVGb3JtYXQiOnsiJHJlZiI6IjE2MiJ9LCJJZCI6IjA3OTE1YWM0LTMyMjYtNGYyMC05OGFmLTJhZjJjMDI1ZTE4MyIsIkltcG9ydElkIjpudWxsLCJUaXRsZSI6IkFwcCBEZXZlbG9wbWVudCIsIk5vdGUiOm51bGwsIkh5cGVybGluayI6bnVsbCwiSXNDaGFuZ2VkIjpmYWxzZSwiSXNOZXciOmZhbHNlfSx7IiRpZCI6IjE2MyIsIkdyb3VwTmFtZSI6bnVsbCwiU3RhcnREYXRlIjoiMjAxOC0xMi0wOVQwMDowMDowMCIsIkVuZERhdGUiOiIyMDE4LTEyLTIxVDIzOjU5OjAwIiwiUGVyY2VudGFnZUNvbXBsZXRlIjpudWxsLCJTdHlsZSI6eyIkaWQiOiIxNjQiLCJTaGFwZSI6MiwiU2hhcGVUaGlja25lc3MiOjEsIkR1cmF0aW9uRm9ybWF0IjowLCJJbmNsdWRlTm9uV29ya2luZ0RheXNJbkR1cmF0aW9uIjpmYWxzZSwiUGVyY2VudGFnZUNvbXBsZXRlU3R5bGUiOnsiJGlkIjoiMTY1IiwiRm9udFNldHRpbmdzIjp7IiRpZCI6IjE2NiIsIkZvbnRTaXplIjoxMCwiRm9udE5hbWUiOiJDYWxpYnJpIiwiSXNCb2xkIjpmYWxzZSwiSXNJdGFsaWMiOmZhbHNlLCJJc1VuZGVybGluZWQiOmZhbHNlLCJQYXJlbnRTdHlsZSI6bnVsbH0sIkF1dG9TaXplIjowLCJGb3JlZ3JvdW5kIjp7IiRpZCI6IjE2NyIsIkNvbG9yIjp7IiRyZWYiOiI4NiJ9fSwiTWF4V2lkdGgiOjIwMC4wLCJNYXhIZWlnaHQiOiJJbmZpbml0eSIsIlNtYXJ0Rm9yZWdyb3VuZElzQWN0aXZlIjpmYWxzZSwiSG9yaXpvbnRhbEFsaWdubWVudCI6MCwiVmVydGljYWxBbGlnbm1lbnQiOjAsIlNtYXJ0Rm9yZWdyb3VuZCI6bnVsbCwiTWFyZ2luIjp7IiRpZCI6IjE2OCIsIlRvcCI6MCwiTGVmdCI6MCwiUmlnaHQiOjAsIkJvdHRvbSI6MH0sIlBhZGRpbmciOnsiJGlkIjoiMTY5IiwiVG9wIjowLCJMZWZ0IjowLCJSaWdodCI6MCwiQm90dG9tIjowfSwiQmFja2dyb3VuZCI6eyIkcmVmIjoiODkifSwiSXNWaXNpYmxlIjp0cnVlLCJXaWR0aCI6MC4wLCJIZWlnaHQiOjAuMCwiQm9yZGVyU3R5bGUiOnsiJGlkIjoiMTcwIiwiTGluZUNvbG9yIjpudWxsLCJMaW5lV2VpZ2h0IjowLjAsIkxpbmVUeXBlIjowLCJQYXJlbnRTdHlsZSI6bnVsbH0sIlBhcmVudFN0eWxlIjpudWxsfSwiRHVyYXRpb25TdHlsZSI6eyIkaWQiOiIxNzEiLCJGb250U2V0dGluZ3MiOnsiJGlkIjoiMTcyIiwiRm9udFNpemUiOjEwLCJGb250TmFtZSI6IkNhbGlicmkiLCJJc0JvbGQiOmZhbHNlLCJJc0l0YWxpYyI6ZmFsc2UsIklzVW5kZXJsaW5lZCI6ZmFsc2UsIlBhcmVudFN0eWxlIjpudWxsfSwiQXV0b1NpemUiOjAsIkZvcmVncm91bmQiOnsiJGlkIjoiMTczIiwiQ29sb3IiOnsiJHJlZiI6IjkzIn19LCJNYXhXaWR0aCI6MjAwLjAsIk1heEhlaWdodCI6IkluZmluaXR5IiwiU21hcnRGb3JlZ3JvdW5kSXNBY3RpdmUiOmZhbHNlLCJIb3Jpem9udGFsQWxpZ25tZW50IjowLCJWZXJ0aWNhbEFsaWdubWVudCI6MCwiU21hcnRGb3JlZ3JvdW5kIjpudWxsLCJNYXJnaW4iOnsiJGlkIjoiMTc0IiwiVG9wIjowLCJMZWZ0IjowLCJSaWdodCI6MCwiQm90dG9tIjowfSwiUGFkZGluZyI6eyIkaWQiOiIxNzUiLCJUb3AiOjAsIkxlZnQiOjAsIlJpZ2h0IjowLCJCb3R0b20iOjB9LCJCYWNrZ3JvdW5kIjp7IiRyZWYiOiI5NiJ9LCJJc1Zpc2libGUiOnRydWUsIldpZHRoIjowLjAsIkhlaWdodCI6MC4wLCJCb3JkZXJTdHlsZSI6eyIkaWQiOiIxNzYiLCJMaW5lQ29sb3IiOm51bGwsIkxpbmVXZWlnaHQiOjAuMCwiTGluZVR5cGUiOjAsIlBhcmVudFN0eWxlIjpudWxsfSwiUGFyZW50U3R5bGUiOm51bGx9LCJIb3Jpem9udGFsQ29ubmVjdG9yU3R5bGUiOnsiJGlkIjoiMTc3IiwiTGluZUNvbG9yIjp7IiRyZWYiOiI5OCJ9LCJMaW5lV2VpZ2h0IjoxLjAsIkxpbmVUeXBlIjowLCJQYXJlbnRTdHlsZSI6bnVsbH0sIlZlcnRpY2FsQ29ubmVjdG9yU3R5bGUiOnsiJGlkIjoiMTc4IiwiTGluZUNvbG9yIjp7IiRyZWYiOiIxMDEifSwiTGluZVdlaWdodCI6MC4wLCJMaW5lVHlwZSI6MCwiUGFyZW50U3R5bGUiOm51bGx9LCJNYXJnaW4iOm51bGwsIlN0YXJ0RGF0ZVBvc2l0aW9uIjozLCJFbmREYXRlUG9zaXRpb24iOjQsIkRhdGVJc1Zpc2libGUiOnRydWUsIlRpdGxlUG9zaXRpb24iOjIsIkR1cmF0aW9uUG9zaXRpb24iOjYsIlBlcmNlbnRhZ2VDb21wbGV0ZWRQb3NpdGlvbiI6NiwiU3BhY2luZyI6NSwiSXNCZWxvd1RpbWViYW5kIjp0cnVlLCJQZXJjZW50YWdlQ29tcGxldGVTaGFwZU9wYWNpdHkiOjM1LCJTaGFwZVN0eWxlIjp7IiRpZCI6IjE3OSIsIk1hcmdpbiI6eyIkaWQiOiIxODAiLCJUb3AiOjAsIkxlZnQiOjQsIlJpZ2h0Ijo0LCJCb3R0b20iOjB9LCJQYWRkaW5nIjp7IiRpZCI6IjE4MSIsIlRvcCI6MCwiTGVmdCI6MCwiUmlnaHQiOjAsIkJvdHRvbSI6MH0sIkJhY2tncm91bmQiOnsiJGlkIjoiMTgyIiwiQ29sb3IiOnsiJGlkIjoiMTgzIiwiQSI6MjU1LCJSIjo0OSwiRyI6OTksIkIiOjE4NH19LCJJc1Zpc2libGUiOnRydWUsIldpZHRoIjowLjAsIkhlaWdodCI6MTYuMCwiQm9yZGVyU3R5bGUiOnsiJGlkIjoiMTg0IiwiTGluZUNvbG9yIjp7IiRyZWYiOiIxMDkifSwiTGluZVdlaWdodCI6MC4wLCJMaW5lVHlwZSI6MCwiUGFyZW50U3R5bGUiOm51bGx9LCJQYXJlbnRTdHlsZSI6bnVsbH0sIlRpdGxlU3R5bGUiOnsiJGlkIjoiMTg1IiwiRm9udFNldHRpbmdzIjp7IiRpZCI6IjE4NiIsIkZvbnRTaXplIjoxMSwiRm9udE5hbWUiOiJDYWxpYnJpIiwiSXNCb2xkIjp0cnVlLCJJc0l0YWxpYyI6ZmFsc2UsIklzVW5kZXJsaW5lZCI6ZmFsc2UsIlBhcmVudFN0eWxlIjpudWxsfSwiQXV0b1NpemUiOjAsIkZvcmVncm91bmQiOnsiJGlkIjoiMTg3IiwiQ29sb3IiOnsiJHJlZiI6IjExNCJ9fSwiTWF4V2lkdGgiOjk2MC4wLCJNYXhIZWlnaHQiOiJJbmZpbml0eSIsIlNtYXJ0Rm9yZWdyb3VuZElzQWN0aXZlIjpmYWxzZSwiSG9yaXpvbnRhbEFsaWdubWVudCI6MSwiVmVydGljYWxBbGlnbm1lbnQiOjAsIlNtYXJ0Rm9yZWdyb3VuZCI6bnVsbCwiTWFyZ2luIjp7IiRpZCI6IjE4OCIsIlRvcCI6MCwiTGVmdCI6MCwiUmlnaHQiOjAsIkJvdHRvbSI6MH0sIlBhZGRpbmciOnsiJGlkIjoiMTg5IiwiVG9wIjowLCJMZWZ0IjowLCJSaWdodCI6MCwiQm90dG9tIjowfSwiQmFja2dyb3VuZCI6eyIkcmVmIjoiMTE3In0sIklzVmlzaWJsZSI6dHJ1ZSwiV2lkdGgiOjAuMCwiSGVpZ2h0IjowLjAsIkJvcmRlclN0eWxlIjp7IiRpZCI6IjE5MCIsIkxpbmVDb2xvciI6bnVsbCwiTGluZVdlaWdodCI6MC4wLCJMaW5lVHlwZSI6MCwiUGFyZW50U3R5bGUiOm51bGx9LCJQYXJlbnRTdHlsZSI6bnVsbH0sIkRhdGVTdHlsZSI6eyIkaWQiOiIxOTEiLCJGb250U2V0dGluZ3MiOnsiJGlkIjoiMTkyIiwiRm9udFNpemUiOjEwLCJGb250TmFtZSI6IkNhbGlicmkiLCJJc0JvbGQiOmZhbHNlLCJJc0l0YWxpYyI6ZmFsc2UsIklzVW5kZXJsaW5lZCI6ZmFsc2UsIlBhcmVudFN0eWxlIjpudWxsfSwiQXV0b1NpemUiOjAsIkZvcmVncm91bmQiOnsiJGlkIjoiMTkzIiwiQ29sb3IiOnsiJHJlZiI6IjEyMSJ9fSwiTWF4V2lkdGgiOjIwMC4wLCJNYXhIZWlnaHQiOiJJbmZpbml0eSIsIlNtYXJ0Rm9yZWdyb3VuZElzQWN0aXZlIjpmYWxzZSwiSG9yaXpvbnRhbEFsaWdubWVudCI6MCwiVmVydGljYWxBbGlnbm1lbnQiOjAsIlNtYXJ0Rm9yZWdyb3VuZCI6bnVsbCwiTWFyZ2luIjp7IiRpZCI6IjE5NCIsIlRvcCI6MCwiTGVmdCI6MCwiUmlnaHQiOjAsIkJvdHRvbSI6MH0sIlBhZGRpbmciOnsiJGlkIjoiMTk1IiwiVG9wIjowLCJMZWZ0IjowLCJSaWdodCI6MCwiQm90dG9tIjowfSwiQmFja2dyb3VuZCI6eyIkcmVmIjoiMTI0In0sIklzVmlzaWJsZSI6dHJ1ZSwiV2lkdGgiOjAuMCwiSGVpZ2h0IjowLjAsIkJvcmRlclN0eWxlIjp7IiRpZCI6IjE5NiIsIkxpbmVDb2xvciI6bnVsbCwiTGluZVdlaWdodCI6MC4wLCJMaW5lVHlwZSI6MCwiUGFyZW50U3R5bGUiOm51bGx9LCJQYXJlbnRTdHlsZSI6bnVsbH0sIkRhdGVGb3JtYXQiOnsiJGlkIjoiMTk3IiwiRm9ybWF0U3RyaW5nIjoiTS9kL3l5eXkiLCJTZXBhcmF0b3IiOiIvIiwiVXNlSW50ZXJuYXRpb25hbERhdGVGb3JtYXQiOmZhbHNlLCJEYXRlSXNWaXNpYmxlIjp0cnVlLCJUaW1lSXNWaXNpYmxlIjpmYWxzZSwiSG91ckRpZ2l0cyI6MSwiQW1QbURlc2lnbmF0b3IiOjIsIlRyaW0wME1pbnV0ZXMiOmZhbHNlLCJMYXN0S25vd25WaXNpYmlsaXR5U3RhdGUiOm51bGx9LCJJc1Zpc2libGUiOnRydWUsIlBhcmVudFN0eWxlIjpudWxsfSwiSW5kZXgiOjIsIlNtYXJ0RHVyYXRpb25BY3RpdmF0ZWQiOmZhbHNlLCJEYXRlRm9ybWF0Ijp7IiRyZWYiOiIxOTcifSwiSWQiOiI5NDQxZDA4OC0xYWY2LTQ3NWYtODZmNC1lMzdjOTJiMDQxNDMiLCJJbXBvcnRJZCI6bnVsbCwiVGl0bGUiOiJTdHVkeSBDb25kdWN0aW9uIiwiTm90ZSI6bnVsbCwiSHlwZXJsaW5rIjpudWxsLCJJc0NoYW5nZWQiOmZhbHNlLCJJc05ldyI6ZmFsc2V9LHsiJGlkIjoiMTk4IiwiR3JvdXBOYW1lIjpudWxsLCJTdGFydERhdGUiOiIyMDE4LTEyLTIxVDAwOjAwOjAwIiwiRW5kRGF0ZSI6IjIwMTktMDEtMzFUMjM6NTk6MDAiLCJQZXJjZW50YWdlQ29tcGxldGUiOm51bGwsIlN0eWxlIjp7IiRpZCI6IjE5OSIsIlNoYXBlIjoyLCJTaGFwZVRoaWNrbmVzcyI6MSwiRHVyYXRpb25Gb3JtYXQiOjAsIkluY2x1ZGVOb25Xb3JraW5nRGF5c0luRHVyYXRpb24iOmZhbHNlLCJQZXJjZW50YWdlQ29tcGxldGVTdHlsZSI6eyIkaWQiOiIyMDAiLCJGb250U2V0dGluZ3MiOnsiJGlkIjoiMjAxIiwiRm9udFNpemUiOjEwLCJGb250TmFtZSI6IkNhbGlicmkiLCJJc0JvbGQiOmZhbHNlLCJJc0l0YWxpYyI6ZmFsc2UsIklzVW5kZXJsaW5lZCI6ZmFsc2UsIlBhcmVudFN0eWxlIjpudWxsfSwiQXV0b1NpemUiOjAsIkZvcmVncm91bmQiOnsiJGlkIjoiMjAyIiwiQ29sb3IiOnsiJHJlZiI6Ijg2In19LCJNYXhXaWR0aCI6MjAwLjAsIk1heEhlaWdodCI6IkluZmluaXR5IiwiU21hcnRGb3JlZ3JvdW5kSXNBY3RpdmUiOmZhbHNlLCJIb3Jpem9udGFsQWxpZ25tZW50IjowLCJWZXJ0aWNhbEFsaWdubWVudCI6MCwiU21hcnRGb3JlZ3JvdW5kIjpudWxsLCJNYXJnaW4iOnsiJGlkIjoiMjAzIiwiVG9wIjowLCJMZWZ0IjowLCJSaWdodCI6MCwiQm90dG9tIjowfSwiUGFkZGluZyI6eyIkaWQiOiIyMDQiLCJUb3AiOjAsIkxlZnQiOjAsIlJpZ2h0IjowLCJCb3R0b20iOjB9LCJCYWNrZ3JvdW5kIjp7IiRyZWYiOiI4OSJ9LCJJc1Zpc2libGUiOnRydWUsIldpZHRoIjowLjAsIkhlaWdodCI6MC4wLCJCb3JkZXJTdHlsZSI6eyIkaWQiOiIyMDUiLCJMaW5lQ29sb3IiOm51bGwsIkxpbmVXZWlnaHQiOjAuMCwiTGluZVR5cGUiOjAsIlBhcmVudFN0eWxlIjpudWxsfSwiUGFyZW50U3R5bGUiOm51bGx9LCJEdXJhdGlvblN0eWxlIjp7IiRpZCI6IjIwNiIsIkZvbnRTZXR0aW5ncyI6eyIkaWQiOiIyMDciLCJGb250U2l6ZSI6MTAsIkZvbnROYW1lIjoiQ2FsaWJyaSIsIklzQm9sZCI6ZmFsc2UsIklzSXRhbGljIjpmYWxzZSwiSXNVbmRlcmxpbmVkIjpmYWxzZSwiUGFyZW50U3R5bGUiOm51bGx9LCJBdXRvU2l6ZSI6MCwiRm9yZWdyb3VuZCI6eyIkaWQiOiIyMDgiLCJDb2xvciI6eyIkcmVmIjoiOTMifX0sIk1heFdpZHRoIjoyMDAuMCwiTWF4SGVpZ2h0IjoiSW5maW5pdHkiLCJTbWFydEZvcmVncm91bmRJc0FjdGl2ZSI6ZmFsc2UsIkhvcml6b250YWxBbGlnbm1lbnQiOjAsIlZlcnRpY2FsQWxpZ25tZW50IjowLCJTbWFydEZvcmVncm91bmQiOm51bGwsIk1hcmdpbiI6eyIkaWQiOiIyMDkiLCJUb3AiOjAsIkxlZnQiOjAsIlJpZ2h0IjowLCJCb3R0b20iOjB9LCJQYWRkaW5nIjp7IiRpZCI6IjIxMCIsIlRvcCI6MCwiTGVmdCI6MCwiUmlnaHQiOjAsIkJvdHRvbSI6MH0sIkJhY2tncm91bmQiOnsiJHJlZiI6Ijk2In0sIklzVmlzaWJsZSI6dHJ1ZSwiV2lkdGgiOjAuMCwiSGVpZ2h0IjowLjAsIkJvcmRlclN0eWxlIjp7IiRpZCI6IjIxMSIsIkxpbmVDb2xvciI6bnVsbCwiTGluZVdlaWdodCI6MC4wLCJMaW5lVHlwZSI6MCwiUGFyZW50U3R5bGUiOm51bGx9LCJQYXJlbnRTdHlsZSI6bnVsbH0sIkhvcml6b250YWxDb25uZWN0b3JTdHlsZSI6eyIkaWQiOiIyMTIiLCJMaW5lQ29sb3IiOnsiJHJlZiI6Ijk4In0sIkxpbmVXZWlnaHQiOjEuMCwiTGluZVR5cGUiOjAsIlBhcmVudFN0eWxlIjpudWxsfSwiVmVydGljYWxDb25uZWN0b3JTdHlsZSI6eyIkaWQiOiIyMTMiLCJMaW5lQ29sb3IiOnsiJHJlZiI6IjEwMSJ9LCJMaW5lV2VpZ2h0IjowLjAsIkxpbmVUeXBlIjowLCJQYXJlbnRTdHlsZSI6bnVsbH0sIk1hcmdpbiI6bnVsbCwiU3RhcnREYXRlUG9zaXRpb24iOjMsIkVuZERhdGVQb3NpdGlvbiI6NCwiRGF0ZUlzVmlzaWJsZSI6dHJ1ZSwiVGl0bGVQb3NpdGlvbiI6MiwiRHVyYXRpb25Qb3NpdGlvbiI6NiwiUGVyY2VudGFnZUNvbXBsZXRlZFBvc2l0aW9uIjo2LCJTcGFjaW5nIjo1LCJJc0JlbG93VGltZWJhbmQiOnRydWUsIlBlcmNlbnRhZ2VDb21wbGV0ZVNoYXBlT3BhY2l0eSI6MzUsIlNoYXBlU3R5bGUiOnsiJGlkIjoiMjE0IiwiTWFyZ2luIjp7IiRpZCI6IjIxNSIsIlRvcCI6MCwiTGVmdCI6NCwiUmlnaHQiOjQsIkJvdHRvbSI6MH0sIlBhZGRpbmciOnsiJGlkIjoiMjE2IiwiVG9wIjowLCJMZWZ0IjowLCJSaWdodCI6MCwiQm90dG9tIjowfSwiQmFja2dyb3VuZCI6eyIkaWQiOiIyMTciLCJDb2xvciI6eyIkaWQiOiIyMTgiLCJBIjoyNTUsIlIiOjQ5LCJHIjo5OSwiQiI6MTg0fX0sIklzVmlzaWJsZSI6dHJ1ZSwiV2lkdGgiOjAuMCwiSGVpZ2h0IjoxNi4wLCJCb3JkZXJTdHlsZSI6eyIkaWQiOiIyMTkiLCJMaW5lQ29sb3IiOnsiJHJlZiI6IjEwOSJ9LCJMaW5lV2VpZ2h0IjowLjAsIkxpbmVUeXBlIjowLCJQYXJlbnRTdHlsZSI6bnVsbH0sIlBhcmVudFN0eWxlIjpudWxsfSwiVGl0bGVTdHlsZSI6eyIkaWQiOiIyMjAiLCJGb250U2V0dGluZ3MiOnsiJGlkIjoiMjIxIiwiRm9udFNpemUiOjExLCJGb250TmFtZSI6IkNhbGlicmkiLCJJc0JvbGQiOnRydWUsIklzSXRhbGljIjpmYWxzZSwiSXNVbmRlcmxpbmVkIjpmYWxzZSwiUGFyZW50U3R5bGUiOm51bGx9LCJBdXRvU2l6ZSI6MCwiRm9yZWdyb3VuZCI6eyIkaWQiOiIyMjIiLCJDb2xvciI6eyIkcmVmIjoiMTE0In19LCJNYXhXaWR0aCI6OTYwLjAsIk1heEhlaWdodCI6IkluZmluaXR5IiwiU21hcnRGb3JlZ3JvdW5kSXNBY3RpdmUiOmZhbHNlLCJIb3Jpem9udGFsQWxpZ25tZW50IjoxLCJWZXJ0aWNhbEFsaWdubWVudCI6MCwiU21hcnRGb3JlZ3JvdW5kIjpudWxsLCJNYXJnaW4iOnsiJGlkIjoiMjIzIiwiVG9wIjowLCJMZWZ0IjowLCJSaWdodCI6MCwiQm90dG9tIjowfSwiUGFkZGluZyI6eyIkaWQiOiIyMjQiLCJUb3AiOjAsIkxlZnQiOjAsIlJpZ2h0IjowLCJCb3R0b20iOjB9LCJCYWNrZ3JvdW5kIjp7IiRyZWYiOiIxMTcifSwiSXNWaXNpYmxlIjp0cnVlLCJXaWR0aCI6MC4wLCJIZWlnaHQiOjAuMCwiQm9yZGVyU3R5bGUiOnsiJGlkIjoiMjI1IiwiTGluZUNvbG9yIjpudWxsLCJMaW5lV2VpZ2h0IjowLjAsIkxpbmVUeXBlIjowLCJQYXJlbnRTdHlsZSI6bnVsbH0sIlBhcmVudFN0eWxlIjpudWxsfSwiRGF0ZVN0eWxlIjp7IiRpZCI6IjIyNiIsIkZvbnRTZXR0aW5ncyI6eyIkaWQiOiIyMjciLCJGb250U2l6ZSI6MTAsIkZvbnROYW1lIjoiQ2FsaWJyaSIsIklzQm9sZCI6ZmFsc2UsIklzSXRhbGljIjpmYWxzZSwiSXNVbmRlcmxpbmVkIjpmYWxzZSwiUGFyZW50U3R5bGUiOm51bGx9LCJBdXRvU2l6ZSI6MCwiRm9yZWdyb3VuZCI6eyIkaWQiOiIyMjgiLCJDb2xvciI6eyIkcmVmIjoiMTIxIn19LCJNYXhXaWR0aCI6MjAwLjAsIk1heEhlaWdodCI6IkluZmluaXR5IiwiU21hcnRGb3JlZ3JvdW5kSXNBY3RpdmUiOmZhbHNlLCJIb3Jpem9udGFsQWxpZ25tZW50IjowLCJWZXJ0aWNhbEFsaWdubWVudCI6MCwiU21hcnRGb3JlZ3JvdW5kIjpudWxsLCJNYXJnaW4iOnsiJGlkIjoiMjI5IiwiVG9wIjowLCJMZWZ0IjowLCJSaWdodCI6MCwiQm90dG9tIjowfSwiUGFkZGluZyI6eyIkaWQiOiIyMzAiLCJUb3AiOjAsIkxlZnQiOjAsIlJpZ2h0IjowLCJCb3R0b20iOjB9LCJCYWNrZ3JvdW5kIjp7IiRyZWYiOiIxMjQifSwiSXNWaXNpYmxlIjp0cnVlLCJXaWR0aCI6MC4wLCJIZWlnaHQiOjAuMCwiQm9yZGVyU3R5bGUiOnsiJGlkIjoiMjMxIiwiTGluZUNvbG9yIjpudWxsLCJMaW5lV2VpZ2h0IjowLjAsIkxpbmVUeXBlIjowLCJQYXJlbnRTdHlsZSI6bnVsbH0sIlBhcmVudFN0eWxlIjpudWxsfSwiRGF0ZUZvcm1hdCI6eyIkaWQiOiIyMzIiLCJGb3JtYXRTdHJpbmciOiJNL2QveXl5eSIsIlNlcGFyYXRvciI6Ii8iLCJVc2VJbnRlcm5hdGlvbmFsRGF0ZUZvcm1hdCI6ZmFsc2UsIkRhdGVJc1Zpc2libGUiOnRydWUsIlRpbWVJc1Zpc2libGUiOmZhbHNlLCJIb3VyRGlnaXRzIjoxLCJBbVBtRGVzaWduYXRvciI6MiwiVHJpbTAwTWludXRlcyI6ZmFsc2UsIkxhc3RLbm93blZpc2liaWxpdHlTdGF0ZSI6bnVsbH0sIklzVmlzaWJsZSI6dHJ1ZSwiUGFyZW50U3R5bGUiOm51bGx9LCJJbmRleCI6MywiU21hcnREdXJhdGlvbkFjdGl2YXRlZCI6ZmFsc2UsIkRhdGVGb3JtYXQiOnsiJHJlZiI6IjIzMiJ9LCJJZCI6ImJkMTFkNjU1LTk3YjItNDc4Ni04NDdlLTNiNDVhNTYzYzljMyIsIkltcG9ydElkIjpudWxsLCJUaXRsZSI6Ik1vZGVsIFRyYWluaW5nIiwiTm90ZSI6bnVsbCwiSHlwZXJsaW5rIjpudWxsLCJJc0NoYW5nZWQiOmZhbHNlLCJJc05ldyI6ZmFsc2V9LHsiJGlkIjoiMjMzIiwiR3JvdXBOYW1lIjpudWxsLCJTdGFydERhdGUiOiIyMDE5LTAxLTE0VDAwOjAwOjAwIiwiRW5kRGF0ZSI6IjIwMTktMDItMDhUMjM6NTk6MDAiLCJQZXJjZW50YWdlQ29tcGxldGUiOm51bGwsIlN0eWxlIjp7IiRpZCI6IjIzNCIsIlNoYXBlIjoyLCJTaGFwZVRoaWNrbmVzcyI6MSwiRHVyYXRpb25Gb3JtYXQiOjAsIkluY2x1ZGVOb25Xb3JraW5nRGF5c0luRHVyYXRpb24iOmZhbHNlLCJQZXJjZW50YWdlQ29tcGxldGVTdHlsZSI6eyIkaWQiOiIyMzUiLCJGb250U2V0dGluZ3MiOnsiJGlkIjoiMjM2IiwiRm9udFNpemUiOjEwLCJGb250TmFtZSI6IkNhbGlicmkiLCJJc0JvbGQiOmZhbHNlLCJJc0l0YWxpYyI6ZmFsc2UsIklzVW5kZXJsaW5lZCI6ZmFsc2UsIlBhcmVudFN0eWxlIjpudWxsfSwiQXV0b1NpemUiOjAsIkZvcmVncm91bmQiOnsiJGlkIjoiMjM3IiwiQ29sb3IiOnsiJHJlZiI6Ijg2In19LCJNYXhXaWR0aCI6MjAwLjAsIk1heEhlaWdodCI6IkluZmluaXR5IiwiU21hcnRGb3JlZ3JvdW5kSXNBY3RpdmUiOmZhbHNlLCJIb3Jpem9udGFsQWxpZ25tZW50IjowLCJWZXJ0aWNhbEFsaWdubWVudCI6MCwiU21hcnRGb3JlZ3JvdW5kIjpudWxsLCJNYXJnaW4iOnsiJGlkIjoiMjM4IiwiVG9wIjowLCJMZWZ0IjowLCJSaWdodCI6MCwiQm90dG9tIjowfSwiUGFkZGluZyI6eyIkaWQiOiIyMzkiLCJUb3AiOjAsIkxlZnQiOjAsIlJpZ2h0IjowLCJCb3R0b20iOjB9LCJCYWNrZ3JvdW5kIjp7IiRyZWYiOiI4OSJ9LCJJc1Zpc2libGUiOnRydWUsIldpZHRoIjowLjAsIkhlaWdodCI6MC4wLCJCb3JkZXJTdHlsZSI6eyIkaWQiOiIyNDAiLCJMaW5lQ29sb3IiOm51bGwsIkxpbmVXZWlnaHQiOjAuMCwiTGluZVR5cGUiOjAsIlBhcmVudFN0eWxlIjpudWxsfSwiUGFyZW50U3R5bGUiOm51bGx9LCJEdXJhdGlvblN0eWxlIjp7IiRpZCI6IjI0MSIsIkZvbnRTZXR0aW5ncyI6eyIkaWQiOiIyNDIiLCJGb250U2l6ZSI6MTAsIkZvbnROYW1lIjoiQ2FsaWJyaSIsIklzQm9sZCI6ZmFsc2UsIklzSXRhbGljIjpmYWxzZSwiSXNVbmRlcmxpbmVkIjpmYWxzZSwiUGFyZW50U3R5bGUiOm51bGx9LCJBdXRvU2l6ZSI6MCwiRm9yZWdyb3VuZCI6eyIkaWQiOiIyNDMiLCJDb2xvciI6eyIkcmVmIjoiOTMifX0sIk1heFdpZHRoIjoyMDAuMCwiTWF4SGVpZ2h0IjoiSW5maW5pdHkiLCJTbWFydEZvcmVncm91bmRJc0FjdGl2ZSI6ZmFsc2UsIkhvcml6b250YWxBbGlnbm1lbnQiOjAsIlZlcnRpY2FsQWxpZ25tZW50IjowLCJTbWFydEZvcmVncm91bmQiOm51bGwsIk1hcmdpbiI6eyIkaWQiOiIyNDQiLCJUb3AiOjAsIkxlZnQiOjAsIlJpZ2h0IjowLCJCb3R0b20iOjB9LCJQYWRkaW5nIjp7IiRpZCI6IjI0NSIsIlRvcCI6MCwiTGVmdCI6MCwiUmlnaHQiOjAsIkJvdHRvbSI6MH0sIkJhY2tncm91bmQiOnsiJHJlZiI6Ijk2In0sIklzVmlzaWJsZSI6dHJ1ZSwiV2lkdGgiOjAuMCwiSGVpZ2h0IjowLjAsIkJvcmRlclN0eWxlIjp7IiRpZCI6IjI0NiIsIkxpbmVDb2xvciI6bnVsbCwiTGluZVdlaWdodCI6MC4wLCJMaW5lVHlwZSI6MCwiUGFyZW50U3R5bGUiOm51bGx9LCJQYXJlbnRTdHlsZSI6bnVsbH0sIkhvcml6b250YWxDb25uZWN0b3JTdHlsZSI6eyIkaWQiOiIyNDciLCJMaW5lQ29sb3IiOnsiJHJlZiI6Ijk4In0sIkxpbmVXZWlnaHQiOjEuMCwiTGluZVR5cGUiOjAsIlBhcmVudFN0eWxlIjpudWxsfSwiVmVydGljYWxDb25uZWN0b3JTdHlsZSI6eyIkaWQiOiIyNDgiLCJMaW5lQ29sb3IiOnsiJHJlZiI6IjEwMSJ9LCJMaW5lV2VpZ2h0IjowLjAsIkxpbmVUeXBlIjowLCJQYXJlbnRTdHlsZSI6bnVsbH0sIk1hcmdpbiI6bnVsbCwiU3RhcnREYXRlUG9zaXRpb24iOjMsIkVuZERhdGVQb3NpdGlvbiI6NCwiRGF0ZUlzVmlzaWJsZSI6dHJ1ZSwiVGl0bGVQb3NpdGlvbiI6MiwiRHVyYXRpb25Qb3NpdGlvbiI6NiwiUGVyY2VudGFnZUNvbXBsZXRlZFBvc2l0aW9uIjo2LCJTcGFjaW5nIjo1LCJJc0JlbG93VGltZWJhbmQiOnRydWUsIlBlcmNlbnRhZ2VDb21wbGV0ZVNoYXBlT3BhY2l0eSI6MzUsIlNoYXBlU3R5bGUiOnsiJGlkIjoiMjQ5IiwiTWFyZ2luIjp7IiRpZCI6IjI1MCIsIlRvcCI6MCwiTGVmdCI6NCwiUmlnaHQiOjQsIkJvdHRvbSI6MH0sIlBhZGRpbmciOnsiJGlkIjoiMjUxIiwiVG9wIjowLCJMZWZ0IjowLCJSaWdodCI6MCwiQm90dG9tIjowfSwiQmFja2dyb3VuZCI6eyIkaWQiOiIyNTIiLCJDb2xvciI6eyIkaWQiOiIyNTMiLCJBIjoyNTUsIlIiOjQ5LCJHIjo5OSwiQiI6MTg0fX0sIklzVmlzaWJsZSI6dHJ1ZSwiV2lkdGgiOjAuMCwiSGVpZ2h0IjoxNi4wLCJCb3JkZXJTdHlsZSI6eyIkaWQiOiIyNTQiLCJMaW5lQ29sb3IiOnsiJHJlZiI6IjEwOSJ9LCJMaW5lV2VpZ2h0IjowLjAsIkxpbmVUeXBlIjowLCJQYXJlbnRTdHlsZSI6bnVsbH0sIlBhcmVudFN0eWxlIjpudWxsfSwiVGl0bGVTdHlsZSI6eyIkaWQiOiIyNTUiLCJGb250U2V0dGluZ3MiOnsiJGlkIjoiMjU2IiwiRm9udFNpemUiOjExLCJGb250TmFtZSI6IkNhbGlicmkiLCJJc0JvbGQiOnRydWUsIklzSXRhbGljIjpmYWxzZSwiSXNVbmRlcmxpbmVkIjpmYWxzZSwiUGFyZW50U3R5bGUiOm51bGx9LCJBdXRvU2l6ZSI6MCwiRm9yZWdyb3VuZCI6eyIkaWQiOiIyNTciLCJDb2xvciI6eyIkcmVmIjoiMTE0In19LCJNYXhXaWR0aCI6OTYwLjAsIk1heEhlaWdodCI6IkluZmluaXR5IiwiU21hcnRGb3JlZ3JvdW5kSXNBY3RpdmUiOmZhbHNlLCJIb3Jpem9udGFsQWxpZ25tZW50IjoxLCJWZXJ0aWNhbEFsaWdubWVudCI6MCwiU21hcnRGb3JlZ3JvdW5kIjpudWxsLCJNYXJnaW4iOnsiJGlkIjoiMjU4IiwiVG9wIjowLCJMZWZ0IjowLCJSaWdodCI6MCwiQm90dG9tIjowfSwiUGFkZGluZyI6eyIkaWQiOiIyNTkiLCJUb3AiOjAsIkxlZnQiOjAsIlJpZ2h0IjowLCJCb3R0b20iOjB9LCJCYWNrZ3JvdW5kIjp7IiRyZWYiOiIxMTcifSwiSXNWaXNpYmxlIjp0cnVlLCJXaWR0aCI6MC4wLCJIZWlnaHQiOjAuMCwiQm9yZGVyU3R5bGUiOnsiJGlkIjoiMjYwIiwiTGluZUNvbG9yIjpudWxsLCJMaW5lV2VpZ2h0IjowLjAsIkxpbmVUeXBlIjowLCJQYXJlbnRTdHlsZSI6bnVsbH0sIlBhcmVudFN0eWxlIjpudWxsfSwiRGF0ZVN0eWxlIjp7IiRpZCI6IjI2MSIsIkZvbnRTZXR0aW5ncyI6eyIkaWQiOiIyNjIiLCJGb250U2l6ZSI6MTAsIkZvbnROYW1lIjoiQ2FsaWJyaSIsIklzQm9sZCI6ZmFsc2UsIklzSXRhbGljIjpmYWxzZSwiSXNVbmRlcmxpbmVkIjpmYWxzZSwiUGFyZW50U3R5bGUiOm51bGx9LCJBdXRvU2l6ZSI6MCwiRm9yZWdyb3VuZCI6eyIkaWQiOiIyNjMiLCJDb2xvciI6eyIkcmVmIjoiMTIxIn19LCJNYXhXaWR0aCI6MjAwLjAsIk1heEhlaWdodCI6IkluZmluaXR5IiwiU21hcnRGb3JlZ3JvdW5kSXNBY3RpdmUiOmZhbHNlLCJIb3Jpem9udGFsQWxpZ25tZW50IjowLCJWZXJ0aWNhbEFsaWdubWVudCI6MCwiU21hcnRGb3JlZ3JvdW5kIjpudWxsLCJNYXJnaW4iOnsiJGlkIjoiMjY0IiwiVG9wIjowLCJMZWZ0IjowLCJSaWdodCI6MCwiQm90dG9tIjowfSwiUGFkZGluZyI6eyIkaWQiOiIyNjUiLCJUb3AiOjAsIkxlZnQiOjAsIlJpZ2h0IjowLCJCb3R0b20iOjB9LCJCYWNrZ3JvdW5kIjp7IiRyZWYiOiIxMjQifSwiSXNWaXNpYmxlIjp0cnVlLCJXaWR0aCI6MC4wLCJIZWlnaHQiOjAuMCwiQm9yZGVyU3R5bGUiOnsiJGlkIjoiMjY2IiwiTGluZUNvbG9yIjpudWxsLCJMaW5lV2VpZ2h0IjowLjAsIkxpbmVUeXBlIjowLCJQYXJlbnRTdHlsZSI6bnVsbH0sIlBhcmVudFN0eWxlIjpudWxsfSwiRGF0ZUZvcm1hdCI6eyIkaWQiOiIyNjciLCJGb3JtYXRTdHJpbmciOiJNL2QveXl5eSIsIlNlcGFyYXRvciI6Ii8iLCJVc2VJbnRlcm5hdGlvbmFsRGF0ZUZvcm1hdCI6ZmFsc2UsIkRhdGVJc1Zpc2libGUiOnRydWUsIlRpbWVJc1Zpc2libGUiOmZhbHNlLCJIb3VyRGlnaXRzIjoxLCJBbVBtRGVzaWduYXRvciI6MiwiVHJpbTAwTWludXRlcyI6ZmFsc2UsIkxhc3RLbm93blZpc2liaWxpdHlTdGF0ZSI6bnVsbH0sIklzVmlzaWJsZSI6dHJ1ZSwiUGFyZW50U3R5bGUiOm51bGx9LCJJbmRleCI6NCwiU21hcnREdXJhdGlvbkFjdGl2YXRlZCI6ZmFsc2UsIkRhdGVGb3JtYXQiOnsiJHJlZiI6IjI2NyJ9LCJJZCI6IjhhY2UxNzcwLWY3ZmQtNGJmMS04MjY0LTYyMjI4N2Q4NjBkNSIsIkltcG9ydElkIjpudWxsLCJUaXRsZSI6IlBhcGVyIiwiTm90ZSI6bnVsbCwiSHlwZXJsaW5rIjpudWxsLCJJc0NoYW5nZWQiOmZhbHNlLCJJc05ldyI6ZmFsc2V9XSwiTXNQcm9qZWN0SXRlbXNUcmVlIjp7IiRpZCI6IjI2OCIsIlJvb3QiOnsiSW1wb3J0SWQiOm51bGwsIklzSW1wb3J0ZWQiOmZhbHNlLCJDaGlsZHJlbiI6W119fSwiTWV0YWRhdGEiOnsiJGlkIjoiMjY5IiwiUmVjZW50Q29sb3JzQ29sbGVjdGlvbiI6IltdIn0sIlNldHRpbmdzIjp7IiRpZCI6IjI3MCIsIkltcGFPcHRpb25zIjp7IiRpZCI6IjI3MSIsIkxlZnRUb1JpZ2h0IjpmYWxzZSwiUGF5bG9hZE9wdGlvbnMiOjJ9LCJVc2VDb21wcmVzc2lvbiI6ZmFsc2UsIkNvbXByZXNpb25QZXJjZW50YWdlIjo1MC4wLCJJbmFjdGl2ZUludGVydmFsV2lkdGhUaHJlc2hvbGQiOjMwLjAsIkluYWN0aXZlSW50ZXJ2YWxXaWR0aCI6MS4wLCJTcGxpdFRhc2tzIjpmYWxzZSwiVXNlQ2x1c3RlciI6ZmFsc2UsIkVwc2lsb24iOjAuMCwiTWluUG9pbnRzVG9Gb3JtQUNsdXN0ZXIiOjIsIkdlbmVyYXRlSW52aXNpYmxlU2hhcGVzIjpmYWxzZSwiU21hcnRUaW1lbGluZVRhc2tQZXJjZW50YWdlRml0IjpmYWxzZX0sIklzTmV3Ijp0cnVlLCJJbXBvcnRUeXBlIjowLCJGaWxlUGF0aCI6bnVsbCwiVGltZUNvbmZpZ3VyYXRpb24iOnsiJGlkIjoiMjcyIiwiVXNlVGltZSI6ZmFsc2UsIldvcmtEYXlTdGFydCI6IjAwOjAwOjAwIiwiV29ya0RheUVuZCI6IjIzOjU5OjAwIn0sIkxhc3RVc2VkVGVtcGxhdGVJZCI6ImMxMWY2ZjQ5LTdkYjgtNDVmZC1iYTMyLWJmY2FlYTQ5MmYzOSJ9"/>
+  <p:tag name="__MASTER" val="__part_0"/>
+</p:tagLst>
+</file>
+
+<file path=ppt/tags/tag10.xml><?xml version="1.0" encoding="utf-8"?>
+<p:tagLst xmlns:a="http://schemas.openxmlformats.org/drawingml/2006/main" xmlns:r="http://schemas.openxmlformats.org/officeDocument/2006/relationships" xmlns:p="http://schemas.openxmlformats.org/presentationml/2006/main">
+  <p:tag name="OTLMARKERSHAPE" val="OTL"/>
+</p:tagLst>
+</file>
+
+<file path=ppt/tags/tag11.xml><?xml version="1.0" encoding="utf-8"?>
+<p:tagLst xmlns:a="http://schemas.openxmlformats.org/drawingml/2006/main" xmlns:r="http://schemas.openxmlformats.org/officeDocument/2006/relationships" xmlns:p="http://schemas.openxmlformats.org/presentationml/2006/main">
+  <p:tag name="OTLMARKERSHAPE" val="OTL"/>
+</p:tagLst>
+</file>
+
+<file path=ppt/tags/tag12.xml><?xml version="1.0" encoding="utf-8"?>
+<p:tagLst xmlns:a="http://schemas.openxmlformats.org/drawingml/2006/main" xmlns:r="http://schemas.openxmlformats.org/officeDocument/2006/relationships" xmlns:p="http://schemas.openxmlformats.org/presentationml/2006/main">
+  <p:tag name="OTLMARKERSHAPE" val="OTL"/>
+</p:tagLst>
+</file>
+
+<file path=ppt/tags/tag13.xml><?xml version="1.0" encoding="utf-8"?>
+<p:tagLst xmlns:a="http://schemas.openxmlformats.org/drawingml/2006/main" xmlns:r="http://schemas.openxmlformats.org/officeDocument/2006/relationships" xmlns:p="http://schemas.openxmlformats.org/presentationml/2006/main">
+  <p:tag name="OTLMARKERSHAPE" val="OTL"/>
+</p:tagLst>
+</file>
+
+<file path=ppt/tags/tag14.xml><?xml version="1.0" encoding="utf-8"?>
+<p:tagLst xmlns:a="http://schemas.openxmlformats.org/drawingml/2006/main" xmlns:r="http://schemas.openxmlformats.org/officeDocument/2006/relationships" xmlns:p="http://schemas.openxmlformats.org/presentationml/2006/main">
+  <p:tag name="OTLMARKERSHAPE" val="OTL"/>
+</p:tagLst>
+</file>
+
+<file path=ppt/tags/tag15.xml><?xml version="1.0" encoding="utf-8"?>
+<p:tagLst xmlns:a="http://schemas.openxmlformats.org/drawingml/2006/main" xmlns:r="http://schemas.openxmlformats.org/officeDocument/2006/relationships" xmlns:p="http://schemas.openxmlformats.org/presentationml/2006/main">
+  <p:tag name="OTLMARKERSHAPE" val="OTL"/>
+</p:tagLst>
+</file>
+
+<file path=ppt/tags/tag16.xml><?xml version="1.0" encoding="utf-8"?>
+<p:tagLst xmlns:a="http://schemas.openxmlformats.org/drawingml/2006/main" xmlns:r="http://schemas.openxmlformats.org/officeDocument/2006/relationships" xmlns:p="http://schemas.openxmlformats.org/presentationml/2006/main">
+  <p:tag name="OTLMARKERSHAPE" val="OTL"/>
+</p:tagLst>
+</file>
+
+<file path=ppt/tags/tag17.xml><?xml version="1.0" encoding="utf-8"?>
+<p:tagLst xmlns:a="http://schemas.openxmlformats.org/drawingml/2006/main" xmlns:r="http://schemas.openxmlformats.org/officeDocument/2006/relationships" xmlns:p="http://schemas.openxmlformats.org/presentationml/2006/main">
+  <p:tag name="OTLMARKERSHAPE" val="OTL"/>
+</p:tagLst>
+</file>
+
+<file path=ppt/tags/tag18.xml><?xml version="1.0" encoding="utf-8"?>
+<p:tagLst xmlns:a="http://schemas.openxmlformats.org/drawingml/2006/main" xmlns:r="http://schemas.openxmlformats.org/officeDocument/2006/relationships" xmlns:p="http://schemas.openxmlformats.org/presentationml/2006/main">
+  <p:tag name="OTLMARKERSHAPE" val="OTL"/>
+</p:tagLst>
+</file>
+
+<file path=ppt/tags/tag19.xml><?xml version="1.0" encoding="utf-8"?>
+<p:tagLst xmlns:a="http://schemas.openxmlformats.org/drawingml/2006/main" xmlns:r="http://schemas.openxmlformats.org/officeDocument/2006/relationships" xmlns:p="http://schemas.openxmlformats.org/presentationml/2006/main">
+  <p:tag name="OTLMARKERSHAPE" val="OTL"/>
+</p:tagLst>
+</file>
+
+<file path=ppt/tags/tag2.xml><?xml version="1.0" encoding="utf-8"?>
+<p:tagLst xmlns:a="http://schemas.openxmlformats.org/drawingml/2006/main" xmlns:r="http://schemas.openxmlformats.org/officeDocument/2006/relationships" xmlns:p="http://schemas.openxmlformats.org/presentationml/2006/main">
+  <p:tag name="OTLMARKERSHAPE" val="OTL"/>
+</p:tagLst>
+</file>
+
+<file path=ppt/tags/tag20.xml><?xml version="1.0" encoding="utf-8"?>
+<p:tagLst xmlns:a="http://schemas.openxmlformats.org/drawingml/2006/main" xmlns:r="http://schemas.openxmlformats.org/officeDocument/2006/relationships" xmlns:p="http://schemas.openxmlformats.org/presentationml/2006/main">
+  <p:tag name="OTLMARKERSHAPE" val="OTL"/>
+</p:tagLst>
+</file>
+
+<file path=ppt/tags/tag21.xml><?xml version="1.0" encoding="utf-8"?>
+<p:tagLst xmlns:a="http://schemas.openxmlformats.org/drawingml/2006/main" xmlns:r="http://schemas.openxmlformats.org/officeDocument/2006/relationships" xmlns:p="http://schemas.openxmlformats.org/presentationml/2006/main">
+  <p:tag name="OTLMARKERSHAPE" val="OTL"/>
+</p:tagLst>
+</file>
+
+<file path=ppt/tags/tag22.xml><?xml version="1.0" encoding="utf-8"?>
+<p:tagLst xmlns:a="http://schemas.openxmlformats.org/drawingml/2006/main" xmlns:r="http://schemas.openxmlformats.org/officeDocument/2006/relationships" xmlns:p="http://schemas.openxmlformats.org/presentationml/2006/main">
+  <p:tag name="OTLMARKERSHAPE" val="OTL"/>
+</p:tagLst>
+</file>
+
+<file path=ppt/tags/tag23.xml><?xml version="1.0" encoding="utf-8"?>
+<p:tagLst xmlns:a="http://schemas.openxmlformats.org/drawingml/2006/main" xmlns:r="http://schemas.openxmlformats.org/officeDocument/2006/relationships" xmlns:p="http://schemas.openxmlformats.org/presentationml/2006/main">
+  <p:tag name="OTLMARKERSHAPE" val="OTL"/>
+</p:tagLst>
+</file>
+
+<file path=ppt/tags/tag24.xml><?xml version="1.0" encoding="utf-8"?>
+<p:tagLst xmlns:a="http://schemas.openxmlformats.org/drawingml/2006/main" xmlns:r="http://schemas.openxmlformats.org/officeDocument/2006/relationships" xmlns:p="http://schemas.openxmlformats.org/presentationml/2006/main">
+  <p:tag name="OTLMARKERSHAPE" val="OTL"/>
+</p:tagLst>
+</file>
+
+<file path=ppt/tags/tag25.xml><?xml version="1.0" encoding="utf-8"?>
+<p:tagLst xmlns:a="http://schemas.openxmlformats.org/drawingml/2006/main" xmlns:r="http://schemas.openxmlformats.org/officeDocument/2006/relationships" xmlns:p="http://schemas.openxmlformats.org/presentationml/2006/main">
+  <p:tag name="OTLMARKERSHAPE" val="OTL"/>
+</p:tagLst>
+</file>
+
+<file path=ppt/tags/tag26.xml><?xml version="1.0" encoding="utf-8"?>
+<p:tagLst xmlns:a="http://schemas.openxmlformats.org/drawingml/2006/main" xmlns:r="http://schemas.openxmlformats.org/officeDocument/2006/relationships" xmlns:p="http://schemas.openxmlformats.org/presentationml/2006/main">
+  <p:tag name="OTLMARKERSHAPE" val="OTL"/>
+</p:tagLst>
+</file>
+
+<file path=ppt/tags/tag27.xml><?xml version="1.0" encoding="utf-8"?>
+<p:tagLst xmlns:a="http://schemas.openxmlformats.org/drawingml/2006/main" xmlns:r="http://schemas.openxmlformats.org/officeDocument/2006/relationships" xmlns:p="http://schemas.openxmlformats.org/presentationml/2006/main">
+  <p:tag name="OTLMARKERSHAPE" val="OTL"/>
+</p:tagLst>
+</file>
+
+<file path=ppt/tags/tag28.xml><?xml version="1.0" encoding="utf-8"?>
+<p:tagLst xmlns:a="http://schemas.openxmlformats.org/drawingml/2006/main" xmlns:r="http://schemas.openxmlformats.org/officeDocument/2006/relationships" xmlns:p="http://schemas.openxmlformats.org/presentationml/2006/main">
+  <p:tag name="OTLMARKERSHAPE" val="OTL"/>
+</p:tagLst>
+</file>
+
+<file path=ppt/tags/tag29.xml><?xml version="1.0" encoding="utf-8"?>
+<p:tagLst xmlns:a="http://schemas.openxmlformats.org/drawingml/2006/main" xmlns:r="http://schemas.openxmlformats.org/officeDocument/2006/relationships" xmlns:p="http://schemas.openxmlformats.org/presentationml/2006/main">
+  <p:tag name="OTLMARKERSHAPE" val="OTL"/>
+</p:tagLst>
+</file>
+
+<file path=ppt/tags/tag3.xml><?xml version="1.0" encoding="utf-8"?>
+<p:tagLst xmlns:a="http://schemas.openxmlformats.org/drawingml/2006/main" xmlns:r="http://schemas.openxmlformats.org/officeDocument/2006/relationships" xmlns:p="http://schemas.openxmlformats.org/presentationml/2006/main">
+  <p:tag name="OTLMARKERSHAPE" val="OTL"/>
+</p:tagLst>
+</file>
+
+<file path=ppt/tags/tag30.xml><?xml version="1.0" encoding="utf-8"?>
+<p:tagLst xmlns:a="http://schemas.openxmlformats.org/drawingml/2006/main" xmlns:r="http://schemas.openxmlformats.org/officeDocument/2006/relationships" xmlns:p="http://schemas.openxmlformats.org/presentationml/2006/main">
+  <p:tag name="OTLMARKERSHAPE" val="OTL"/>
+</p:tagLst>
+</file>
+
+<file path=ppt/tags/tag31.xml><?xml version="1.0" encoding="utf-8"?>
+<p:tagLst xmlns:a="http://schemas.openxmlformats.org/drawingml/2006/main" xmlns:r="http://schemas.openxmlformats.org/officeDocument/2006/relationships" xmlns:p="http://schemas.openxmlformats.org/presentationml/2006/main">
+  <p:tag name="OTLMARKERSHAPE" val="OTL"/>
+</p:tagLst>
+</file>
+
+<file path=ppt/tags/tag32.xml><?xml version="1.0" encoding="utf-8"?>
+<p:tagLst xmlns:a="http://schemas.openxmlformats.org/drawingml/2006/main" xmlns:r="http://schemas.openxmlformats.org/officeDocument/2006/relationships" xmlns:p="http://schemas.openxmlformats.org/presentationml/2006/main">
+  <p:tag name="OTLMARKERSHAPE" val="OTL"/>
+</p:tagLst>
+</file>
+
+<file path=ppt/tags/tag33.xml><?xml version="1.0" encoding="utf-8"?>
+<p:tagLst xmlns:a="http://schemas.openxmlformats.org/drawingml/2006/main" xmlns:r="http://schemas.openxmlformats.org/officeDocument/2006/relationships" xmlns:p="http://schemas.openxmlformats.org/presentationml/2006/main">
+  <p:tag name="OTLMARKERSHAPE" val="OTL"/>
+</p:tagLst>
+</file>
+
+<file path=ppt/tags/tag34.xml><?xml version="1.0" encoding="utf-8"?>
+<p:tagLst xmlns:a="http://schemas.openxmlformats.org/drawingml/2006/main" xmlns:r="http://schemas.openxmlformats.org/officeDocument/2006/relationships" xmlns:p="http://schemas.openxmlformats.org/presentationml/2006/main">
+  <p:tag name="OTLMARKERSHAPE" val="OTL"/>
+</p:tagLst>
+</file>
+
+<file path=ppt/tags/tag35.xml><?xml version="1.0" encoding="utf-8"?>
+<p:tagLst xmlns:a="http://schemas.openxmlformats.org/drawingml/2006/main" xmlns:r="http://schemas.openxmlformats.org/officeDocument/2006/relationships" xmlns:p="http://schemas.openxmlformats.org/presentationml/2006/main">
+  <p:tag name="OTLMARKERSHAPE" val="OTL"/>
+</p:tagLst>
+</file>
+
+<file path=ppt/tags/tag36.xml><?xml version="1.0" encoding="utf-8"?>
+<p:tagLst xmlns:a="http://schemas.openxmlformats.org/drawingml/2006/main" xmlns:r="http://schemas.openxmlformats.org/officeDocument/2006/relationships" xmlns:p="http://schemas.openxmlformats.org/presentationml/2006/main">
+  <p:tag name="OTLMARKERSHAPE" val="OTL"/>
+</p:tagLst>
+</file>
+
+<file path=ppt/tags/tag37.xml><?xml version="1.0" encoding="utf-8"?>
+<p:tagLst xmlns:a="http://schemas.openxmlformats.org/drawingml/2006/main" xmlns:r="http://schemas.openxmlformats.org/officeDocument/2006/relationships" xmlns:p="http://schemas.openxmlformats.org/presentationml/2006/main">
+  <p:tag name="OTLMARKERSHAPE" val="OTL"/>
+</p:tagLst>
+</file>
+
+<file path=ppt/tags/tag38.xml><?xml version="1.0" encoding="utf-8"?>
+<p:tagLst xmlns:a="http://schemas.openxmlformats.org/drawingml/2006/main" xmlns:r="http://schemas.openxmlformats.org/officeDocument/2006/relationships" xmlns:p="http://schemas.openxmlformats.org/presentationml/2006/main">
+  <p:tag name="OTLMARKERSHAPE" val="OTL"/>
+</p:tagLst>
+</file>
+
+<file path=ppt/tags/tag39.xml><?xml version="1.0" encoding="utf-8"?>
+<p:tagLst xmlns:a="http://schemas.openxmlformats.org/drawingml/2006/main" xmlns:r="http://schemas.openxmlformats.org/officeDocument/2006/relationships" xmlns:p="http://schemas.openxmlformats.org/presentationml/2006/main">
+  <p:tag name="OTLMARKERSHAPE" val="OTL"/>
+</p:tagLst>
+</file>
+
+<file path=ppt/tags/tag4.xml><?xml version="1.0" encoding="utf-8"?>
+<p:tagLst xmlns:a="http://schemas.openxmlformats.org/drawingml/2006/main" xmlns:r="http://schemas.openxmlformats.org/officeDocument/2006/relationships" xmlns:p="http://schemas.openxmlformats.org/presentationml/2006/main">
+  <p:tag name="OTLMARKERSHAPE" val="OTL"/>
+</p:tagLst>
+</file>
+
+<file path=ppt/tags/tag40.xml><?xml version="1.0" encoding="utf-8"?>
+<p:tagLst xmlns:a="http://schemas.openxmlformats.org/drawingml/2006/main" xmlns:r="http://schemas.openxmlformats.org/officeDocument/2006/relationships" xmlns:p="http://schemas.openxmlformats.org/presentationml/2006/main">
+  <p:tag name="OTLMARKERSHAPE" val="OTL"/>
+</p:tagLst>
+</file>
+
+<file path=ppt/tags/tag41.xml><?xml version="1.0" encoding="utf-8"?>
+<p:tagLst xmlns:a="http://schemas.openxmlformats.org/drawingml/2006/main" xmlns:r="http://schemas.openxmlformats.org/officeDocument/2006/relationships" xmlns:p="http://schemas.openxmlformats.org/presentationml/2006/main">
+  <p:tag name="OTLMARKERSHAPE" val="OTL"/>
+</p:tagLst>
+</file>
+
+<file path=ppt/tags/tag42.xml><?xml version="1.0" encoding="utf-8"?>
+<p:tagLst xmlns:a="http://schemas.openxmlformats.org/drawingml/2006/main" xmlns:r="http://schemas.openxmlformats.org/officeDocument/2006/relationships" xmlns:p="http://schemas.openxmlformats.org/presentationml/2006/main">
+  <p:tag name="OTLMARKERSHAPE" val="OTL"/>
+</p:tagLst>
+</file>
+
+<file path=ppt/tags/tag43.xml><?xml version="1.0" encoding="utf-8"?>
+<p:tagLst xmlns:a="http://schemas.openxmlformats.org/drawingml/2006/main" xmlns:r="http://schemas.openxmlformats.org/officeDocument/2006/relationships" xmlns:p="http://schemas.openxmlformats.org/presentationml/2006/main">
+  <p:tag name="OTLMARKERSHAPE" val="OTL"/>
+</p:tagLst>
+</file>
+
+<file path=ppt/tags/tag44.xml><?xml version="1.0" encoding="utf-8"?>
+<p:tagLst xmlns:a="http://schemas.openxmlformats.org/drawingml/2006/main" xmlns:r="http://schemas.openxmlformats.org/officeDocument/2006/relationships" xmlns:p="http://schemas.openxmlformats.org/presentationml/2006/main">
+  <p:tag name="OTLMARKERSHAPE" val="OTL"/>
+</p:tagLst>
+</file>
+
+<file path=ppt/tags/tag45.xml><?xml version="1.0" encoding="utf-8"?>
+<p:tagLst xmlns:a="http://schemas.openxmlformats.org/drawingml/2006/main" xmlns:r="http://schemas.openxmlformats.org/officeDocument/2006/relationships" xmlns:p="http://schemas.openxmlformats.org/presentationml/2006/main">
+  <p:tag name="OTLMARKERSHAPE" val="OTL"/>
+</p:tagLst>
+</file>
+
+<file path=ppt/tags/tag46.xml><?xml version="1.0" encoding="utf-8"?>
+<p:tagLst xmlns:a="http://schemas.openxmlformats.org/drawingml/2006/main" xmlns:r="http://schemas.openxmlformats.org/officeDocument/2006/relationships" xmlns:p="http://schemas.openxmlformats.org/presentationml/2006/main">
+  <p:tag name="OTLMARKERSHAPE" val="OTL"/>
+</p:tagLst>
+</file>
+
+<file path=ppt/tags/tag5.xml><?xml version="1.0" encoding="utf-8"?>
+<p:tagLst xmlns:a="http://schemas.openxmlformats.org/drawingml/2006/main" xmlns:r="http://schemas.openxmlformats.org/officeDocument/2006/relationships" xmlns:p="http://schemas.openxmlformats.org/presentationml/2006/main">
+  <p:tag name="OTLMARKERSHAPE" val="OTL"/>
+</p:tagLst>
+</file>
+
+<file path=ppt/tags/tag6.xml><?xml version="1.0" encoding="utf-8"?>
+<p:tagLst xmlns:a="http://schemas.openxmlformats.org/drawingml/2006/main" xmlns:r="http://schemas.openxmlformats.org/officeDocument/2006/relationships" xmlns:p="http://schemas.openxmlformats.org/presentationml/2006/main">
+  <p:tag name="OTLMARKERSHAPE" val="OTL"/>
+</p:tagLst>
+</file>
+
+<file path=ppt/tags/tag7.xml><?xml version="1.0" encoding="utf-8"?>
+<p:tagLst xmlns:a="http://schemas.openxmlformats.org/drawingml/2006/main" xmlns:r="http://schemas.openxmlformats.org/officeDocument/2006/relationships" xmlns:p="http://schemas.openxmlformats.org/presentationml/2006/main">
+  <p:tag name="OTLMARKERSHAPE" val="OTL"/>
+</p:tagLst>
+</file>
+
+<file path=ppt/tags/tag8.xml><?xml version="1.0" encoding="utf-8"?>
+<p:tagLst xmlns:a="http://schemas.openxmlformats.org/drawingml/2006/main" xmlns:r="http://schemas.openxmlformats.org/officeDocument/2006/relationships" xmlns:p="http://schemas.openxmlformats.org/presentationml/2006/main">
+  <p:tag name="OTLMARKERSHAPE" val="OTL"/>
+</p:tagLst>
+</file>
+
+<file path=ppt/tags/tag9.xml><?xml version="1.0" encoding="utf-8"?>
+<p:tagLst xmlns:a="http://schemas.openxmlformats.org/drawingml/2006/main" xmlns:r="http://schemas.openxmlformats.org/officeDocument/2006/relationships" xmlns:p="http://schemas.openxmlformats.org/presentationml/2006/main">
+  <p:tag name="OTLMARKERSHAPE" val="OTL"/>
+</p:tagLst>
 </file>
 
 <file path=ppt/theme/theme1.xml><?xml version="1.0" encoding="utf-8"?>

--- a/FirstPresentation.pptx
+++ b/FirstPresentation.pptx
@@ -10,7 +10,7 @@
   <p:sldIdLst>
     <p:sldId id="259" r:id="rId2"/>
     <p:sldId id="257" r:id="rId3"/>
-    <p:sldId id="265" r:id="rId4"/>
+    <p:sldId id="270" r:id="rId4"/>
     <p:sldId id="260" r:id="rId5"/>
     <p:sldId id="266" r:id="rId6"/>
     <p:sldId id="269" r:id="rId7"/>
@@ -231,7 +231,7 @@
           <a:p>
             <a:fld id="{3D100699-F170-47EF-8601-8ACFF448602A}" type="datetimeFigureOut">
               <a:rPr lang="de-DE" smtClean="0"/>
-              <a:t>05.11.2018</a:t>
+              <a:t>06.11.2018</a:t>
             </a:fld>
             <a:endParaRPr lang="de-DE"/>
           </a:p>
@@ -658,6 +658,37 @@
           <a:bodyPr/>
           <a:lstStyle/>
           <a:p>
+            <a:r>
+              <a:rPr lang="de-DE" u="sng" dirty="0">
+                <a:hlinkClick r:id="rId3"/>
+              </a:rPr>
+              <a:t>Robin: https://dl.acm.org/citation.cfm?id=2047279</a:t>
+            </a:r>
+            <a:r>
+              <a:rPr lang="de-DE" u="sng" dirty="0"/>
+              <a:t> </a:t>
+            </a:r>
+            <a:endParaRPr lang="de-DE" dirty="0"/>
+          </a:p>
+          <a:p>
+            <a:r>
+              <a:rPr lang="de-DE" u="sng" dirty="0">
+                <a:hlinkClick r:id="rId4"/>
+              </a:rPr>
+              <a:t>http://doi.acm.org/10.1145/2076354.2076364</a:t>
+            </a:r>
+            <a:endParaRPr lang="de-DE" dirty="0"/>
+          </a:p>
+          <a:p>
+            <a:r>
+              <a:rPr lang="de-DE" u="sng" dirty="0">
+                <a:hlinkClick r:id="rId5"/>
+              </a:rPr>
+              <a:t>http://doi.acm.org/10.1145/2935334.2935362</a:t>
+            </a:r>
+            <a:endParaRPr lang="de-DE" dirty="0"/>
+          </a:p>
+          <a:p>
             <a:endParaRPr lang="de-DE" dirty="0"/>
           </a:p>
         </p:txBody>
@@ -688,7 +719,7 @@
     </p:spTree>
     <p:extLst>
       <p:ext uri="{BB962C8B-B14F-4D97-AF65-F5344CB8AC3E}">
-        <p14:creationId xmlns:p14="http://schemas.microsoft.com/office/powerpoint/2010/main" val="2574483474"/>
+        <p14:creationId xmlns:p14="http://schemas.microsoft.com/office/powerpoint/2010/main" val="3210665499"/>
       </p:ext>
     </p:extLst>
   </p:cSld>
@@ -3724,15 +3755,15 @@
           <a:p>
             <a:r>
               <a:rPr lang="de-DE" dirty="0" err="1"/>
-              <a:t>TapSense</a:t>
-            </a:r>
-            <a:r>
-              <a:rPr lang="de-DE" dirty="0"/>
-              <a:t>: </a:t>
-            </a:r>
-            <a:r>
-              <a:rPr lang="de-DE" dirty="0" err="1"/>
-              <a:t>Enhancing</a:t>
+              <a:t>Identify</a:t>
+            </a:r>
+            <a:r>
+              <a:rPr lang="de-DE" dirty="0"/>
+              <a:t> type </a:t>
+            </a:r>
+            <a:r>
+              <a:rPr lang="de-DE" dirty="0" err="1"/>
+              <a:t>of</a:t>
             </a:r>
             <a:r>
               <a:rPr lang="de-DE" dirty="0"/>
@@ -3748,15 +3779,7 @@
             </a:r>
             <a:r>
               <a:rPr lang="de-DE" dirty="0" err="1"/>
-              <a:t>interaction</a:t>
-            </a:r>
-            <a:r>
-              <a:rPr lang="de-DE" dirty="0"/>
-              <a:t> on </a:t>
-            </a:r>
-            <a:r>
-              <a:rPr lang="de-DE" dirty="0" err="1"/>
-              <a:t>touch</a:t>
+              <a:t>used</a:t>
             </a:r>
             <a:r>
               <a:rPr lang="de-DE" dirty="0"/>
@@ -3764,22 +3787,30 @@
             </a:r>
             <a:r>
               <a:rPr lang="de-DE" dirty="0" err="1"/>
-              <a:t>surfaces</a:t>
+              <a:t>for</a:t>
+            </a:r>
+            <a:r>
+              <a:rPr lang="de-DE" dirty="0"/>
+              <a:t> </a:t>
+            </a:r>
+            <a:r>
+              <a:rPr lang="de-DE" dirty="0" err="1"/>
+              <a:t>input</a:t>
             </a:r>
             <a:endParaRPr lang="de-DE" dirty="0"/>
           </a:p>
           <a:p>
             <a:r>
               <a:rPr lang="de-DE" dirty="0" err="1"/>
-              <a:t>Identify</a:t>
-            </a:r>
-            <a:r>
-              <a:rPr lang="de-DE" dirty="0"/>
-              <a:t> type </a:t>
-            </a:r>
-            <a:r>
-              <a:rPr lang="de-DE" dirty="0" err="1"/>
-              <a:t>of</a:t>
+              <a:t>Four</a:t>
+            </a:r>
+            <a:r>
+              <a:rPr lang="de-DE" dirty="0"/>
+              <a:t> different </a:t>
+            </a:r>
+            <a:r>
+              <a:rPr lang="de-DE" dirty="0" err="1"/>
+              <a:t>finger</a:t>
             </a:r>
             <a:r>
               <a:rPr lang="de-DE" dirty="0"/>
@@ -3787,103 +3818,52 @@
             </a:r>
             <a:r>
               <a:rPr lang="de-DE" dirty="0" err="1"/>
-              <a:t>object</a:t>
-            </a:r>
-            <a:r>
-              <a:rPr lang="de-DE" dirty="0"/>
-              <a:t> </a:t>
-            </a:r>
-            <a:r>
-              <a:rPr lang="de-DE" dirty="0" err="1"/>
-              <a:t>used</a:t>
-            </a:r>
-            <a:r>
-              <a:rPr lang="de-DE" dirty="0"/>
-              <a:t> </a:t>
-            </a:r>
-            <a:r>
-              <a:rPr lang="de-DE" dirty="0" err="1"/>
-              <a:t>for</a:t>
-            </a:r>
-            <a:r>
-              <a:rPr lang="de-DE" dirty="0"/>
-              <a:t> </a:t>
-            </a:r>
-            <a:r>
-              <a:rPr lang="de-DE" dirty="0" err="1"/>
-              <a:t>input</a:t>
+              <a:t>inputs</a:t>
             </a:r>
             <a:endParaRPr lang="de-DE" dirty="0"/>
           </a:p>
           <a:p>
             <a:r>
               <a:rPr lang="de-DE" dirty="0"/>
-              <a:t>Six different </a:t>
-            </a:r>
-            <a:r>
-              <a:rPr lang="de-DE" dirty="0" err="1"/>
-              <a:t>tools</a:t>
-            </a:r>
-            <a:r>
-              <a:rPr lang="de-DE" dirty="0"/>
-              <a:t> + </a:t>
-            </a:r>
-            <a:r>
-              <a:rPr lang="de-DE" dirty="0" err="1"/>
-              <a:t>finger</a:t>
-            </a:r>
-            <a:r>
-              <a:rPr lang="de-DE" dirty="0"/>
-              <a:t> </a:t>
-            </a:r>
-            <a:r>
-              <a:rPr lang="de-DE" dirty="0" err="1"/>
-              <a:t>input</a:t>
+              <a:t>Sound-</a:t>
+            </a:r>
+            <a:r>
+              <a:rPr lang="de-DE" dirty="0" err="1"/>
+              <a:t>based</a:t>
             </a:r>
             <a:endParaRPr lang="de-DE" dirty="0"/>
           </a:p>
           <a:p>
             <a:r>
               <a:rPr lang="de-DE" dirty="0"/>
-              <a:t>Sound-</a:t>
-            </a:r>
-            <a:r>
-              <a:rPr lang="de-DE" dirty="0" err="1"/>
-              <a:t>based</a:t>
+              <a:t>Support Vector </a:t>
+            </a:r>
+            <a:r>
+              <a:rPr lang="de-DE" dirty="0" err="1"/>
+              <a:t>Machine</a:t>
+            </a:r>
+            <a:r>
+              <a:rPr lang="de-DE" dirty="0"/>
+              <a:t>:</a:t>
+            </a:r>
+          </a:p>
+          <a:p>
+            <a:pPr lvl="1"/>
+            <a:r>
+              <a:rPr lang="de-DE" dirty="0"/>
+              <a:t>86% </a:t>
+            </a:r>
+            <a:r>
+              <a:rPr lang="de-DE" dirty="0" err="1"/>
+              <a:t>accuracy</a:t>
             </a:r>
             <a:endParaRPr lang="de-DE" dirty="0"/>
           </a:p>
           <a:p>
-            <a:r>
-              <a:rPr lang="de-DE" dirty="0"/>
-              <a:t>Support Vector </a:t>
-            </a:r>
-            <a:r>
-              <a:rPr lang="de-DE" dirty="0" err="1"/>
-              <a:t>Machine</a:t>
-            </a:r>
-            <a:r>
-              <a:rPr lang="de-DE" dirty="0"/>
-              <a:t>:</a:t>
-            </a:r>
-          </a:p>
-          <a:p>
             <a:pPr lvl="1"/>
             <a:r>
               <a:rPr lang="de-DE" dirty="0"/>
-              <a:t>95% </a:t>
-            </a:r>
-            <a:r>
-              <a:rPr lang="de-DE" dirty="0" err="1"/>
-              <a:t>accuracy</a:t>
-            </a:r>
-            <a:endParaRPr lang="de-DE" dirty="0"/>
-          </a:p>
-          <a:p>
-            <a:pPr lvl="1"/>
-            <a:r>
-              <a:rPr lang="de-DE" dirty="0"/>
-              <a:t>99% </a:t>
+              <a:t>98% </a:t>
             </a:r>
             <a:r>
               <a:rPr lang="de-DE" dirty="0" err="1"/>
@@ -3975,15 +3955,85 @@
             </a:r>
             <a:r>
               <a:rPr lang="de-DE" dirty="0"/>
+              <a:t>: </a:t>
+            </a:r>
+            <a:r>
+              <a:rPr lang="de-DE" dirty="0" err="1"/>
+              <a:t>Enhancing</a:t>
+            </a:r>
+            <a:r>
+              <a:rPr lang="de-DE" dirty="0"/>
+              <a:t> </a:t>
+            </a:r>
+            <a:r>
+              <a:rPr lang="de-DE" dirty="0" err="1"/>
+              <a:t>finger</a:t>
+            </a:r>
+            <a:r>
+              <a:rPr lang="de-DE" dirty="0"/>
+              <a:t> </a:t>
+            </a:r>
+            <a:r>
+              <a:rPr lang="de-DE" dirty="0" err="1"/>
+              <a:t>interaction</a:t>
+            </a:r>
+            <a:r>
+              <a:rPr lang="de-DE" dirty="0"/>
+              <a:t> on </a:t>
+            </a:r>
+            <a:r>
+              <a:rPr lang="de-DE" dirty="0" err="1"/>
+              <a:t>touch</a:t>
+            </a:r>
+            <a:r>
+              <a:rPr lang="de-DE" dirty="0"/>
+              <a:t> </a:t>
+            </a:r>
+            <a:r>
+              <a:rPr lang="de-DE" dirty="0" err="1"/>
+              <a:t>surfaces</a:t>
+            </a:r>
+            <a:r>
+              <a:rPr lang="de-DE" dirty="0"/>
               <a:t>	</a:t>
             </a:r>
           </a:p>
         </p:txBody>
       </p:sp>
+      <p:pic>
+        <p:nvPicPr>
+          <p:cNvPr id="5" name="Grafik 4">
+            <a:extLst>
+              <a:ext uri="{FF2B5EF4-FFF2-40B4-BE49-F238E27FC236}">
+                <a16:creationId xmlns:a16="http://schemas.microsoft.com/office/drawing/2014/main" id="{1963017C-B736-4D14-BE7C-6BBFA98DA0FE}"/>
+              </a:ext>
+            </a:extLst>
+          </p:cNvPr>
+          <p:cNvPicPr>
+            <a:picLocks noChangeAspect="1"/>
+          </p:cNvPicPr>
+          <p:nvPr/>
+        </p:nvPicPr>
+        <p:blipFill>
+          <a:blip r:embed="rId3"/>
+          <a:stretch>
+            <a:fillRect/>
+          </a:stretch>
+        </p:blipFill>
+        <p:spPr>
+          <a:xfrm>
+            <a:off x="4499992" y="2236388"/>
+            <a:ext cx="4258481" cy="2394624"/>
+          </a:xfrm>
+          <a:prstGeom prst="rect">
+            <a:avLst/>
+          </a:prstGeom>
+        </p:spPr>
+      </p:pic>
     </p:spTree>
     <p:extLst>
       <p:ext uri="{BB962C8B-B14F-4D97-AF65-F5344CB8AC3E}">
-        <p14:creationId xmlns:p14="http://schemas.microsoft.com/office/powerpoint/2010/main" val="833610356"/>
+        <p14:creationId xmlns:p14="http://schemas.microsoft.com/office/powerpoint/2010/main" val="1645112677"/>
       </p:ext>
     </p:extLst>
   </p:cSld>
